--- a/nbis_annotation/slides/Functional_annotation.pptx
+++ b/nbis_annotation/slides/Functional_annotation.pptx
@@ -6,10 +6,10 @@
     <p:sldMasterId id="2147484009" r:id="rId2"/>
   </p:sldMasterIdLst>
   <p:notesMasterIdLst>
-    <p:notesMasterId r:id="rId38"/>
+    <p:notesMasterId r:id="rId39"/>
   </p:notesMasterIdLst>
   <p:handoutMasterIdLst>
-    <p:handoutMasterId r:id="rId39"/>
+    <p:handoutMasterId r:id="rId40"/>
   </p:handoutMasterIdLst>
   <p:sldIdLst>
     <p:sldId id="256" r:id="rId3"/>
@@ -17,36 +17,37 @@
     <p:sldId id="269" r:id="rId5"/>
     <p:sldId id="297" r:id="rId6"/>
     <p:sldId id="272" r:id="rId7"/>
-    <p:sldId id="298" r:id="rId8"/>
-    <p:sldId id="302" r:id="rId9"/>
-    <p:sldId id="303" r:id="rId10"/>
-    <p:sldId id="305" r:id="rId11"/>
-    <p:sldId id="271" r:id="rId12"/>
-    <p:sldId id="310" r:id="rId13"/>
-    <p:sldId id="307" r:id="rId14"/>
-    <p:sldId id="308" r:id="rId15"/>
-    <p:sldId id="312" r:id="rId16"/>
-    <p:sldId id="309" r:id="rId17"/>
-    <p:sldId id="311" r:id="rId18"/>
-    <p:sldId id="274" r:id="rId19"/>
-    <p:sldId id="275" r:id="rId20"/>
-    <p:sldId id="276" r:id="rId21"/>
-    <p:sldId id="306" r:id="rId22"/>
-    <p:sldId id="313" r:id="rId23"/>
-    <p:sldId id="314" r:id="rId24"/>
-    <p:sldId id="283" r:id="rId25"/>
-    <p:sldId id="284" r:id="rId26"/>
-    <p:sldId id="285" r:id="rId27"/>
-    <p:sldId id="286" r:id="rId28"/>
-    <p:sldId id="287" r:id="rId29"/>
-    <p:sldId id="290" r:id="rId30"/>
-    <p:sldId id="291" r:id="rId31"/>
-    <p:sldId id="292" r:id="rId32"/>
-    <p:sldId id="293" r:id="rId33"/>
-    <p:sldId id="299" r:id="rId34"/>
-    <p:sldId id="295" r:id="rId35"/>
-    <p:sldId id="301" r:id="rId36"/>
-    <p:sldId id="268" r:id="rId37"/>
+    <p:sldId id="315" r:id="rId8"/>
+    <p:sldId id="298" r:id="rId9"/>
+    <p:sldId id="302" r:id="rId10"/>
+    <p:sldId id="303" r:id="rId11"/>
+    <p:sldId id="305" r:id="rId12"/>
+    <p:sldId id="271" r:id="rId13"/>
+    <p:sldId id="310" r:id="rId14"/>
+    <p:sldId id="307" r:id="rId15"/>
+    <p:sldId id="308" r:id="rId16"/>
+    <p:sldId id="312" r:id="rId17"/>
+    <p:sldId id="309" r:id="rId18"/>
+    <p:sldId id="311" r:id="rId19"/>
+    <p:sldId id="274" r:id="rId20"/>
+    <p:sldId id="275" r:id="rId21"/>
+    <p:sldId id="276" r:id="rId22"/>
+    <p:sldId id="306" r:id="rId23"/>
+    <p:sldId id="313" r:id="rId24"/>
+    <p:sldId id="314" r:id="rId25"/>
+    <p:sldId id="283" r:id="rId26"/>
+    <p:sldId id="284" r:id="rId27"/>
+    <p:sldId id="285" r:id="rId28"/>
+    <p:sldId id="286" r:id="rId29"/>
+    <p:sldId id="287" r:id="rId30"/>
+    <p:sldId id="290" r:id="rId31"/>
+    <p:sldId id="291" r:id="rId32"/>
+    <p:sldId id="292" r:id="rId33"/>
+    <p:sldId id="293" r:id="rId34"/>
+    <p:sldId id="299" r:id="rId35"/>
+    <p:sldId id="295" r:id="rId36"/>
+    <p:sldId id="301" r:id="rId37"/>
+    <p:sldId id="268" r:id="rId38"/>
   </p:sldIdLst>
   <p:sldSz cx="9144000" cy="6858000" type="screen4x3"/>
   <p:notesSz cx="6858000" cy="9144000"/>
@@ -230,7 +231,7 @@
           <a:p>
             <a:fld id="{3933F24A-D00E-A046-B556-E531FC793A8F}" type="datetimeFigureOut">
               <a:rPr lang="en-US" smtClean="0"/>
-              <a:t>18-02-28</a:t>
+              <a:t>18-03-03</a:t>
             </a:fld>
             <a:endParaRPr lang="en-US"/>
           </a:p>
@@ -395,7 +396,7 @@
           <a:p>
             <a:fld id="{C7EC7248-6056-D54E-B28E-FCA3D2E52C52}" type="datetimeFigureOut">
               <a:rPr lang="en-US" smtClean="0"/>
-              <a:t>18-02-28</a:t>
+              <a:t>18-03-03</a:t>
             </a:fld>
             <a:endParaRPr lang="en-US"/>
           </a:p>
@@ -829,7 +830,7 @@
     </p:spTree>
     <p:extLst>
       <p:ext uri="{BB962C8B-B14F-4D97-AF65-F5344CB8AC3E}">
-        <p14:creationId xmlns:p14="http://schemas.microsoft.com/office/powerpoint/2010/main" val="1483708107"/>
+        <p14:creationId xmlns:p14="http://schemas.microsoft.com/office/powerpoint/2010/main" val="2480499874"/>
       </p:ext>
     </p:extLst>
   </p:cSld>
@@ -913,7 +914,7 @@
     </p:spTree>
     <p:extLst>
       <p:ext uri="{BB962C8B-B14F-4D97-AF65-F5344CB8AC3E}">
-        <p14:creationId xmlns:p14="http://schemas.microsoft.com/office/powerpoint/2010/main" val="3471481926"/>
+        <p14:creationId xmlns:p14="http://schemas.microsoft.com/office/powerpoint/2010/main" val="1483708107"/>
       </p:ext>
     </p:extLst>
   </p:cSld>
@@ -997,7 +998,7 @@
     </p:spTree>
     <p:extLst>
       <p:ext uri="{BB962C8B-B14F-4D97-AF65-F5344CB8AC3E}">
-        <p14:creationId xmlns:p14="http://schemas.microsoft.com/office/powerpoint/2010/main" val="2213101108"/>
+        <p14:creationId xmlns:p14="http://schemas.microsoft.com/office/powerpoint/2010/main" val="3471481926"/>
       </p:ext>
     </p:extLst>
   </p:cSld>
@@ -1051,7 +1052,29 @@
           <a:bodyPr/>
           <a:lstStyle/>
           <a:p>
-            <a:endParaRPr lang="en-US"/>
+            <a:r>
+              <a:rPr lang="en-US" dirty="0" smtClean="0"/>
+              <a:t>Often</a:t>
+            </a:r>
+            <a:r>
+              <a:rPr lang="en-US" baseline="0" dirty="0" smtClean="0"/>
+              <a:t> only the best blast hit is used.</a:t>
+            </a:r>
+          </a:p>
+          <a:p>
+            <a:r>
+              <a:rPr lang="en-US" baseline="0" dirty="0" smtClean="0"/>
+              <a:t>Could be necessary to filter by </a:t>
+            </a:r>
+            <a:r>
+              <a:rPr lang="en-US" baseline="0" dirty="0" err="1" smtClean="0"/>
+              <a:t>evalue</a:t>
+            </a:r>
+            <a:r>
+              <a:rPr lang="en-US" baseline="0" dirty="0" smtClean="0"/>
+              <a:t>, in case where the best blast hit is not significant enough (1e-6 usually)</a:t>
+            </a:r>
+            <a:endParaRPr lang="en-US" dirty="0"/>
           </a:p>
         </p:txBody>
       </p:sp>
@@ -1081,7 +1104,7 @@
     </p:spTree>
     <p:extLst>
       <p:ext uri="{BB962C8B-B14F-4D97-AF65-F5344CB8AC3E}">
-        <p14:creationId xmlns:p14="http://schemas.microsoft.com/office/powerpoint/2010/main" val="2795017890"/>
+        <p14:creationId xmlns:p14="http://schemas.microsoft.com/office/powerpoint/2010/main" val="2213101108"/>
       </p:ext>
     </p:extLst>
   </p:cSld>
@@ -1135,14 +1158,6 @@
           <a:bodyPr/>
           <a:lstStyle/>
           <a:p>
-            <a:r>
-              <a:rPr lang="en-US" dirty="0" smtClean="0"/>
-              <a:t>Gene partial: Domain contained tot</a:t>
-            </a:r>
-            <a:r>
-              <a:rPr lang="en-US" baseline="0" dirty="0" smtClean="0"/>
-              <a:t> necessary reflect the function</a:t>
-            </a:r>
             <a:endParaRPr lang="en-US" dirty="0"/>
           </a:p>
         </p:txBody>
@@ -1173,7 +1188,7 @@
     </p:spTree>
     <p:extLst>
       <p:ext uri="{BB962C8B-B14F-4D97-AF65-F5344CB8AC3E}">
-        <p14:creationId xmlns:p14="http://schemas.microsoft.com/office/powerpoint/2010/main" val="1762150699"/>
+        <p14:creationId xmlns:p14="http://schemas.microsoft.com/office/powerpoint/2010/main" val="2795017890"/>
       </p:ext>
     </p:extLst>
   </p:cSld>
@@ -1227,7 +1242,15 @@
           <a:bodyPr/>
           <a:lstStyle/>
           <a:p>
-            <a:endParaRPr lang="en-US"/>
+            <a:r>
+              <a:rPr lang="en-US" dirty="0" smtClean="0"/>
+              <a:t>Gene partial: Domain contained tot</a:t>
+            </a:r>
+            <a:r>
+              <a:rPr lang="en-US" baseline="0" dirty="0" smtClean="0"/>
+              <a:t> necessary reflect the function</a:t>
+            </a:r>
+            <a:endParaRPr lang="en-US" dirty="0"/>
           </a:p>
         </p:txBody>
       </p:sp>
@@ -1257,7 +1280,7 @@
     </p:spTree>
     <p:extLst>
       <p:ext uri="{BB962C8B-B14F-4D97-AF65-F5344CB8AC3E}">
-        <p14:creationId xmlns:p14="http://schemas.microsoft.com/office/powerpoint/2010/main" val="4008361191"/>
+        <p14:creationId xmlns:p14="http://schemas.microsoft.com/office/powerpoint/2010/main" val="1762150699"/>
       </p:ext>
     </p:extLst>
   </p:cSld>
@@ -1311,11 +1334,7 @@
           <a:bodyPr/>
           <a:lstStyle/>
           <a:p>
-            <a:r>
-              <a:rPr lang="en-US" dirty="0" smtClean="0"/>
-              <a:t>Compare against databases</a:t>
-            </a:r>
-            <a:endParaRPr lang="en-US" dirty="0"/>
+            <a:endParaRPr lang="en-US"/>
           </a:p>
         </p:txBody>
       </p:sp>
@@ -1345,7 +1364,7 @@
     </p:spTree>
     <p:extLst>
       <p:ext uri="{BB962C8B-B14F-4D97-AF65-F5344CB8AC3E}">
-        <p14:creationId xmlns:p14="http://schemas.microsoft.com/office/powerpoint/2010/main" val="190241942"/>
+        <p14:creationId xmlns:p14="http://schemas.microsoft.com/office/powerpoint/2010/main" val="4008361191"/>
       </p:ext>
     </p:extLst>
   </p:cSld>
@@ -1399,7 +1418,11 @@
           <a:bodyPr/>
           <a:lstStyle/>
           <a:p>
-            <a:endParaRPr lang="en-US"/>
+            <a:r>
+              <a:rPr lang="en-US" dirty="0" smtClean="0"/>
+              <a:t>Compare against databases</a:t>
+            </a:r>
+            <a:endParaRPr lang="en-US" dirty="0"/>
           </a:p>
         </p:txBody>
       </p:sp>
@@ -1429,7 +1452,7 @@
     </p:spTree>
     <p:extLst>
       <p:ext uri="{BB962C8B-B14F-4D97-AF65-F5344CB8AC3E}">
-        <p14:creationId xmlns:p14="http://schemas.microsoft.com/office/powerpoint/2010/main" val="506560696"/>
+        <p14:creationId xmlns:p14="http://schemas.microsoft.com/office/powerpoint/2010/main" val="190241942"/>
       </p:ext>
     </p:extLst>
   </p:cSld>
@@ -1483,83 +1506,7 @@
           <a:bodyPr/>
           <a:lstStyle/>
           <a:p>
-            <a:r>
-              <a:rPr lang="en-US" dirty="0" smtClean="0">
-                <a:latin typeface="Calibri" charset="0"/>
-                <a:ea typeface="MS PGothic" charset="0"/>
-              </a:rPr>
-              <a:t>Gene ontology (GO) is a major bioinformatics initiative to unify thanks to a control vocabulary the representation of gene and gene product attributes across all species. </a:t>
-            </a:r>
-          </a:p>
-          <a:p>
-            <a:r>
-              <a:rPr lang="en-US" dirty="0" smtClean="0">
-                <a:latin typeface="Calibri" charset="0"/>
-                <a:ea typeface="MS PGothic" charset="0"/>
-              </a:rPr>
-              <a:t>GO classifies functions along three aspects :</a:t>
-            </a:r>
-          </a:p>
-          <a:p>
-            <a:r>
-              <a:rPr lang="en-US" b="1" dirty="0" smtClean="0">
-                <a:latin typeface="Calibri" charset="0"/>
-                <a:ea typeface="MS PGothic" charset="0"/>
-              </a:rPr>
-              <a:t>1)biological process</a:t>
-            </a:r>
-          </a:p>
-          <a:p>
-            <a:r>
-              <a:rPr lang="en-US" dirty="0" smtClean="0">
-                <a:latin typeface="Calibri" charset="0"/>
-                <a:ea typeface="MS PGothic" charset="0"/>
-              </a:rPr>
-              <a:t>pathways and larger processes made up of the activities of multiple gene products.</a:t>
-            </a:r>
-            <a:endParaRPr lang="en-US" b="1" dirty="0" smtClean="0">
-              <a:latin typeface="Calibri" charset="0"/>
-              <a:ea typeface="MS PGothic" charset="0"/>
-            </a:endParaRPr>
-          </a:p>
-          <a:p>
-            <a:r>
-              <a:rPr lang="en-US" b="1" dirty="0" smtClean="0">
-                <a:latin typeface="Calibri" charset="0"/>
-                <a:ea typeface="MS PGothic" charset="0"/>
-              </a:rPr>
-              <a:t>2)molecular function</a:t>
-            </a:r>
-          </a:p>
-          <a:p>
-            <a:r>
-              <a:rPr lang="en-US" dirty="0" smtClean="0">
-                <a:latin typeface="Calibri" charset="0"/>
-                <a:ea typeface="MS PGothic" charset="0"/>
-              </a:rPr>
-              <a:t>molecular activities of gene products</a:t>
-            </a:r>
-          </a:p>
-          <a:p>
-            <a:r>
-              <a:rPr lang="en-US" b="1" dirty="0" smtClean="0">
-                <a:latin typeface="Calibri" charset="0"/>
-                <a:ea typeface="MS PGothic" charset="0"/>
-              </a:rPr>
-              <a:t>3)cellular component</a:t>
-            </a:r>
-          </a:p>
-          <a:p>
-            <a:r>
-              <a:rPr lang="en-US" dirty="0" smtClean="0">
-                <a:latin typeface="Calibri" charset="0"/>
-                <a:ea typeface="MS PGothic" charset="0"/>
-              </a:rPr>
-              <a:t>where gene products are active</a:t>
-            </a:r>
-          </a:p>
-          <a:p>
-            <a:endParaRPr lang="en-US" dirty="0"/>
+            <a:endParaRPr lang="en-US"/>
           </a:p>
         </p:txBody>
       </p:sp>
@@ -1589,7 +1536,7 @@
     </p:spTree>
     <p:extLst>
       <p:ext uri="{BB962C8B-B14F-4D97-AF65-F5344CB8AC3E}">
-        <p14:creationId xmlns:p14="http://schemas.microsoft.com/office/powerpoint/2010/main" val="3904366910"/>
+        <p14:creationId xmlns:p14="http://schemas.microsoft.com/office/powerpoint/2010/main" val="506560696"/>
       </p:ext>
     </p:extLst>
   </p:cSld>
@@ -1652,10 +1599,74 @@
             </a:r>
           </a:p>
           <a:p>
-            <a:endParaRPr lang="en-US" dirty="0" smtClean="0">
+            <a:r>
+              <a:rPr lang="en-US" dirty="0" smtClean="0">
+                <a:latin typeface="Calibri" charset="0"/>
+                <a:ea typeface="MS PGothic" charset="0"/>
+              </a:rPr>
+              <a:t>GO classifies functions along three aspects :</a:t>
+            </a:r>
+          </a:p>
+          <a:p>
+            <a:r>
+              <a:rPr lang="en-US" b="1" dirty="0" smtClean="0">
+                <a:latin typeface="Calibri" charset="0"/>
+                <a:ea typeface="MS PGothic" charset="0"/>
+              </a:rPr>
+              <a:t>1)biological process</a:t>
+            </a:r>
+          </a:p>
+          <a:p>
+            <a:r>
+              <a:rPr lang="en-US" dirty="0" smtClean="0">
+                <a:latin typeface="Calibri" charset="0"/>
+                <a:ea typeface="MS PGothic" charset="0"/>
+              </a:rPr>
+              <a:t>pathways and larger processes made up of the activities of multiple gene products.</a:t>
+            </a:r>
+            <a:endParaRPr lang="en-US" b="1" dirty="0" smtClean="0">
               <a:latin typeface="Calibri" charset="0"/>
               <a:ea typeface="MS PGothic" charset="0"/>
             </a:endParaRPr>
+          </a:p>
+          <a:p>
+            <a:r>
+              <a:rPr lang="en-US" b="1" dirty="0" smtClean="0">
+                <a:latin typeface="Calibri" charset="0"/>
+                <a:ea typeface="MS PGothic" charset="0"/>
+              </a:rPr>
+              <a:t>2)molecular function</a:t>
+            </a:r>
+          </a:p>
+          <a:p>
+            <a:r>
+              <a:rPr lang="en-US" dirty="0" smtClean="0">
+                <a:latin typeface="Calibri" charset="0"/>
+                <a:ea typeface="MS PGothic" charset="0"/>
+              </a:rPr>
+              <a:t>molecular activities of gene products</a:t>
+            </a:r>
+          </a:p>
+          <a:p>
+            <a:r>
+              <a:rPr lang="en-US" b="1" dirty="0" smtClean="0">
+                <a:latin typeface="Calibri" charset="0"/>
+                <a:ea typeface="MS PGothic" charset="0"/>
+              </a:rPr>
+              <a:t>3)cellular component</a:t>
+            </a:r>
+          </a:p>
+          <a:p>
+            <a:r>
+              <a:rPr lang="en-US" dirty="0" smtClean="0">
+                <a:latin typeface="Calibri" charset="0"/>
+                <a:ea typeface="MS PGothic" charset="0"/>
+              </a:rPr>
+              <a:t>where gene products are active</a:t>
+            </a:r>
+          </a:p>
+          <a:p>
+            <a:endParaRPr lang="en-US" dirty="0"/>
           </a:p>
         </p:txBody>
       </p:sp>
@@ -1685,7 +1696,7 @@
     </p:spTree>
     <p:extLst>
       <p:ext uri="{BB962C8B-B14F-4D97-AF65-F5344CB8AC3E}">
-        <p14:creationId xmlns:p14="http://schemas.microsoft.com/office/powerpoint/2010/main" val="4289130625"/>
+        <p14:creationId xmlns:p14="http://schemas.microsoft.com/office/powerpoint/2010/main" val="3904366910"/>
       </p:ext>
     </p:extLst>
   </p:cSld>
@@ -1823,72 +1834,19 @@
           <a:bodyPr/>
           <a:lstStyle/>
           <a:p>
-            <a:pPr marL="0" marR="0" indent="0" algn="l" defTabSz="457200" rtl="0" eaLnBrk="1" fontAlgn="auto" latinLnBrk="0" hangingPunct="1">
-              <a:lnSpc>
-                <a:spcPct val="100000"/>
-              </a:lnSpc>
-              <a:spcBef>
-                <a:spcPts val="0"/>
-              </a:spcBef>
-              <a:spcAft>
-                <a:spcPts val="0"/>
-              </a:spcAft>
-              <a:buClrTx/>
-              <a:buSzTx/>
-              <a:buFontTx/>
-              <a:buNone/>
-              <a:tabLst/>
-              <a:defRPr/>
-            </a:pPr>
             <a:r>
               <a:rPr lang="en-US" dirty="0" smtClean="0">
                 <a:latin typeface="Calibri" charset="0"/>
                 <a:ea typeface="MS PGothic" charset="0"/>
               </a:rPr>
-              <a:t>Adapted to </a:t>
-            </a:r>
-            <a:r>
-              <a:rPr lang="en-US" dirty="0" err="1" smtClean="0">
-                <a:latin typeface="Calibri" charset="0"/>
-                <a:ea typeface="MS PGothic" charset="0"/>
-              </a:rPr>
-              <a:t>transcriptome</a:t>
-            </a:r>
-            <a:r>
-              <a:rPr lang="en-US" dirty="0" smtClean="0">
-                <a:latin typeface="Calibri" charset="0"/>
-                <a:ea typeface="MS PGothic" charset="0"/>
-              </a:rPr>
-              <a:t>: </a:t>
-            </a:r>
-            <a:r>
-              <a:rPr lang="en-US" dirty="0" err="1" smtClean="0">
-                <a:latin typeface="Calibri" charset="0"/>
-                <a:ea typeface="MS PGothic" charset="0"/>
-              </a:rPr>
-              <a:t>Trinotate</a:t>
-            </a:r>
-            <a:r>
-              <a:rPr lang="en-US" dirty="0" smtClean="0">
-                <a:latin typeface="Calibri" charset="0"/>
-                <a:ea typeface="MS PGothic" charset="0"/>
-              </a:rPr>
-              <a:t>, </a:t>
-            </a:r>
-            <a:r>
-              <a:rPr lang="en-US" dirty="0" err="1" smtClean="0">
-                <a:latin typeface="Calibri" charset="0"/>
-                <a:ea typeface="MS PGothic" charset="0"/>
-              </a:rPr>
-              <a:t>Annocript</a:t>
-            </a:r>
+              <a:t>Gene ontology (GO) is a major bioinformatics initiative to unify thanks to a control vocabulary the representation of gene and gene product attributes across all species. </a:t>
+            </a:r>
+          </a:p>
+          <a:p>
             <a:endParaRPr lang="en-US" dirty="0" smtClean="0">
               <a:latin typeface="Calibri" charset="0"/>
               <a:ea typeface="MS PGothic" charset="0"/>
             </a:endParaRPr>
-          </a:p>
-          <a:p>
-            <a:endParaRPr lang="en-US" dirty="0"/>
           </a:p>
         </p:txBody>
       </p:sp>
@@ -1918,7 +1876,7 @@
     </p:spTree>
     <p:extLst>
       <p:ext uri="{BB962C8B-B14F-4D97-AF65-F5344CB8AC3E}">
-        <p14:creationId xmlns:p14="http://schemas.microsoft.com/office/powerpoint/2010/main" val="1853083656"/>
+        <p14:creationId xmlns:p14="http://schemas.microsoft.com/office/powerpoint/2010/main" val="4289130625"/>
       </p:ext>
     </p:extLst>
   </p:cSld>
@@ -1972,210 +1930,71 @@
           <a:bodyPr/>
           <a:lstStyle/>
           <a:p>
+            <a:pPr marL="0" marR="0" indent="0" algn="l" defTabSz="457200" rtl="0" eaLnBrk="1" fontAlgn="auto" latinLnBrk="0" hangingPunct="1">
+              <a:lnSpc>
+                <a:spcPct val="100000"/>
+              </a:lnSpc>
+              <a:spcBef>
+                <a:spcPts val="0"/>
+              </a:spcBef>
+              <a:spcAft>
+                <a:spcPts val="0"/>
+              </a:spcAft>
+              <a:buClrTx/>
+              <a:buSzTx/>
+              <a:buFontTx/>
+              <a:buNone/>
+              <a:tabLst/>
+              <a:defRPr/>
+            </a:pPr>
             <a:r>
               <a:rPr lang="en-US" dirty="0" smtClean="0">
-                <a:hlinkClick r:id="rId3"/>
-              </a:rPr>
-              <a:t>CATH-Gene3D</a:t>
-            </a:r>
-            <a:r>
-              <a:rPr lang="en-US" dirty="0" smtClean="0"/>
-              <a:t> database describes protein families and domain architectures in complete genomes. Protein families are formed using a Markov clustering algorithm, followed by multi-linkage clustering according to sequence identity. Mapping of predicted structure and sequence domains is undertaken using hidden Markov models libraries representing CATH and </a:t>
-            </a:r>
-            <a:r>
-              <a:rPr lang="en-US" dirty="0" err="1" smtClean="0"/>
-              <a:t>Pfam</a:t>
-            </a:r>
-            <a:r>
-              <a:rPr lang="en-US" dirty="0" smtClean="0"/>
-              <a:t> domains. CATH-Gene3D is based at University College, London, UK. </a:t>
+                <a:latin typeface="Calibri" charset="0"/>
+                <a:ea typeface="MS PGothic" charset="0"/>
+              </a:rPr>
+              <a:t>Adapted to </a:t>
+            </a:r>
+            <a:r>
+              <a:rPr lang="en-US" dirty="0" err="1" smtClean="0">
+                <a:latin typeface="Calibri" charset="0"/>
+                <a:ea typeface="MS PGothic" charset="0"/>
+              </a:rPr>
+              <a:t>transcriptome</a:t>
             </a:r>
             <a:r>
               <a:rPr lang="en-US" dirty="0" smtClean="0">
-                <a:hlinkClick r:id="rId4"/>
-              </a:rPr>
-              <a:t>CDD</a:t>
-            </a:r>
-            <a:r>
-              <a:rPr lang="en-US" dirty="0" smtClean="0"/>
-              <a:t> is a protein annotation resource that consists of a collection of annotated multiple sequence alignment models for ancient domains and full-length proteins. These are available as position-specific score matrices (PSSMs) for fast identification of conserved domains in protein sequences via RPS-BLAST. CDD content includes NCBI-curated domain models, which use 3D-structure information to explicitly define domain boundaries and provide insights into sequence/structure/function relationships, as well as domain models imported from a number of external source databases. </a:t>
+                <a:latin typeface="Calibri" charset="0"/>
+                <a:ea typeface="MS PGothic" charset="0"/>
+              </a:rPr>
+              <a:t>: </a:t>
+            </a:r>
+            <a:r>
+              <a:rPr lang="en-US" dirty="0" err="1" smtClean="0">
+                <a:latin typeface="Calibri" charset="0"/>
+                <a:ea typeface="MS PGothic" charset="0"/>
+              </a:rPr>
+              <a:t>Trinotate</a:t>
             </a:r>
             <a:r>
               <a:rPr lang="en-US" dirty="0" smtClean="0">
-                <a:hlinkClick r:id="rId5"/>
-              </a:rPr>
-              <a:t>MobiDB</a:t>
-            </a:r>
-            <a:r>
-              <a:rPr lang="en-US" dirty="0" smtClean="0"/>
-              <a:t> offers a centralized resource for annotations of intrinsic protein disorder. The database features three levels of annotation: manually curated, indirect and predicted. The different sources present a clear tradeoff between quality and coverage. By combining them all into a consensus annotation, </a:t>
-            </a:r>
-            <a:r>
-              <a:rPr lang="en-US" dirty="0" err="1" smtClean="0"/>
-              <a:t>MobiDB</a:t>
-            </a:r>
-            <a:r>
-              <a:rPr lang="en-US" dirty="0" smtClean="0"/>
-              <a:t> aims at giving the best possible picture of the "disorder landscape" of a given protein of interest. </a:t>
-            </a:r>
-            <a:r>
-              <a:rPr lang="en-US" dirty="0" smtClean="0">
-                <a:hlinkClick r:id="rId6"/>
-              </a:rPr>
-              <a:t>HAMAP</a:t>
-            </a:r>
-            <a:r>
-              <a:rPr lang="en-US" dirty="0" smtClean="0"/>
-              <a:t> stands for High-quality Automated and Manual Annotation of Proteins. HAMAP profiles are manually created by expert curators. They identify proteins that are part of well-conserved proteins families or subfamilies. HAMAP is based at the SIB Swiss Institute of Bioinformatics, Geneva, Switzerland. </a:t>
-            </a:r>
-            <a:r>
-              <a:rPr lang="en-US" dirty="0" smtClean="0">
-                <a:hlinkClick r:id="rId7"/>
-              </a:rPr>
-              <a:t>PANTHER</a:t>
-            </a:r>
-            <a:r>
-              <a:rPr lang="en-US" dirty="0" smtClean="0"/>
-              <a:t> is a large collection of protein families that have been subdivided into functionally related subfamilies, using human expertise. These subfamilies model the divergence of specific functions within protein families, allowing more accurate association with function, as well as inference of amino acids important for functional specificity. Hidden Markov models (HMMs) are built for each family and subfamily for classifying additional protein sequences. PANTHER is based at at University of Southern California, CA, US. </a:t>
-            </a:r>
-            <a:r>
-              <a:rPr lang="en-US" dirty="0" smtClean="0">
-                <a:hlinkClick r:id="rId8"/>
-              </a:rPr>
-              <a:t>Pfam</a:t>
-            </a:r>
-            <a:r>
-              <a:rPr lang="en-US" dirty="0" smtClean="0"/>
-              <a:t> is a large collection of multiple sequence alignments and hidden Markov models covering many common protein domains. </a:t>
-            </a:r>
-            <a:r>
-              <a:rPr lang="en-US" dirty="0" err="1" smtClean="0"/>
-              <a:t>Pfam</a:t>
-            </a:r>
-            <a:r>
-              <a:rPr lang="en-US" dirty="0" smtClean="0"/>
-              <a:t> is based at EMBL-EBI, </a:t>
-            </a:r>
-            <a:r>
-              <a:rPr lang="en-US" dirty="0" err="1" smtClean="0"/>
-              <a:t>Hinxton</a:t>
-            </a:r>
-            <a:r>
-              <a:rPr lang="en-US" dirty="0" smtClean="0"/>
-              <a:t>, UK. </a:t>
-            </a:r>
-            <a:r>
-              <a:rPr lang="en-US" dirty="0" smtClean="0">
-                <a:hlinkClick r:id="rId9"/>
-              </a:rPr>
-              <a:t>PIRSF</a:t>
-            </a:r>
-            <a:r>
-              <a:rPr lang="en-US" dirty="0" smtClean="0"/>
-              <a:t> protein classification system is a network with multiple levels of sequence diversity from </a:t>
-            </a:r>
-            <a:r>
-              <a:rPr lang="en-US" dirty="0" err="1" smtClean="0"/>
-              <a:t>superfamilies</a:t>
-            </a:r>
-            <a:r>
-              <a:rPr lang="en-US" dirty="0" smtClean="0"/>
-              <a:t> to subfamilies that reflects the evolutionary relationship of full-length proteins and domains. PIRSF is based at the Protein Information Resource, Georgetown University Medical Centre, Washington DC, US. </a:t>
-            </a:r>
-            <a:r>
-              <a:rPr lang="en-US" dirty="0" smtClean="0">
-                <a:hlinkClick r:id="rId10"/>
-              </a:rPr>
-              <a:t>PRINTS</a:t>
-            </a:r>
-            <a:r>
-              <a:rPr lang="en-US" dirty="0" smtClean="0"/>
-              <a:t> is a compendium of protein fingerprints. A fingerprint is a group of conserved motifs used to </a:t>
-            </a:r>
-            <a:r>
-              <a:rPr lang="en-US" dirty="0" err="1" smtClean="0"/>
-              <a:t>characterise</a:t>
-            </a:r>
-            <a:r>
-              <a:rPr lang="en-US" dirty="0" smtClean="0"/>
-              <a:t> a protein family or domain. PRINTS is based at the University of Manchester, UK. </a:t>
-            </a:r>
-            <a:r>
-              <a:rPr lang="en-US" dirty="0" smtClean="0">
-                <a:hlinkClick r:id="rId11"/>
-              </a:rPr>
-              <a:t>ProDom</a:t>
-            </a:r>
-            <a:r>
-              <a:rPr lang="en-US" dirty="0" smtClean="0"/>
-              <a:t> protein domain database consists of an automatic compilation of homologous domains. Current versions of </a:t>
-            </a:r>
-            <a:r>
-              <a:rPr lang="en-US" dirty="0" err="1" smtClean="0"/>
-              <a:t>ProDom</a:t>
-            </a:r>
-            <a:r>
-              <a:rPr lang="en-US" dirty="0" smtClean="0"/>
-              <a:t> are built using a novel procedure based on recursive PSI-BLAST searches. </a:t>
-            </a:r>
-            <a:r>
-              <a:rPr lang="en-US" dirty="0" err="1" smtClean="0"/>
-              <a:t>ProDom</a:t>
-            </a:r>
-            <a:r>
-              <a:rPr lang="en-US" dirty="0" smtClean="0"/>
-              <a:t> is based at PRABI Villeurbanne, France. </a:t>
-            </a:r>
-            <a:r>
-              <a:rPr lang="en-US" dirty="0" smtClean="0">
-                <a:hlinkClick r:id="rId12"/>
-              </a:rPr>
-              <a:t>PROSITE</a:t>
-            </a:r>
-            <a:r>
-              <a:rPr lang="en-US" dirty="0" smtClean="0"/>
-              <a:t> is a database of protein families and domains. It consists of biologically significant sites, patterns and profiles that help to reliably identify to which known protein family a new sequence belongs. PROSITE is base at the Swiss Institute of Bioinformatics (SIB), Geneva, Switzerland. </a:t>
-            </a:r>
-            <a:r>
-              <a:rPr lang="en-US" dirty="0" smtClean="0">
-                <a:hlinkClick r:id="rId13"/>
-              </a:rPr>
-              <a:t>SFLD</a:t>
-            </a:r>
-            <a:r>
-              <a:rPr lang="en-US" dirty="0" smtClean="0"/>
-              <a:t> (Structure-Function Linkage Database) is a hierarchical classification of enzymes that relates specific sequence-structure features to specific chemical capabilities. </a:t>
-            </a:r>
-            <a:r>
-              <a:rPr lang="en-US" dirty="0" smtClean="0">
-                <a:hlinkClick r:id="rId14"/>
-              </a:rPr>
-              <a:t>SMART</a:t>
-            </a:r>
-            <a:r>
-              <a:rPr lang="en-US" dirty="0" smtClean="0"/>
-              <a:t> (a Simple Modular Architecture Research Tool) allows the identification and annotation of genetically mobile domains and the analysis of domain architectures. SMART is based at at EMBL, Heidelberg, Germany. </a:t>
-            </a:r>
-            <a:r>
-              <a:rPr lang="en-US" dirty="0" smtClean="0">
-                <a:hlinkClick r:id="rId15"/>
-              </a:rPr>
-              <a:t>SUPERFAMILY</a:t>
-            </a:r>
-            <a:r>
-              <a:rPr lang="en-US" dirty="0" smtClean="0"/>
-              <a:t> is a library of profile hidden Markov models that represent all proteins of known structure. The library is based on the SCOP classification of proteins: each model corresponds to a SCOP domain and aims to represent the entire SCOP superfamily that the domain belongs to. SUPERFAMILY is based at the University of Bristol, UK. </a:t>
-            </a:r>
-            <a:r>
-              <a:rPr lang="en-US" dirty="0" smtClean="0">
-                <a:hlinkClick r:id="rId16"/>
-              </a:rPr>
-              <a:t>TIGRFAMs</a:t>
-            </a:r>
-            <a:r>
-              <a:rPr lang="en-US" dirty="0" smtClean="0"/>
-              <a:t> is a collection of protein families, featuring curated multiple sequence alignments, hidden Markov models (HMMs) and annotation, which provides a tool for identifying functionally related proteins based on sequence homology. TIGRFAMs is based at the J. Craig Venter Institute, Rockville, MD, US. </a:t>
-            </a:r>
+                <a:latin typeface="Calibri" charset="0"/>
+                <a:ea typeface="MS PGothic" charset="0"/>
+              </a:rPr>
+              <a:t>, </a:t>
+            </a:r>
+            <a:r>
+              <a:rPr lang="en-US" dirty="0" err="1" smtClean="0">
+                <a:latin typeface="Calibri" charset="0"/>
+                <a:ea typeface="MS PGothic" charset="0"/>
+              </a:rPr>
+              <a:t>Annocript</a:t>
+            </a:r>
+            <a:endParaRPr lang="en-US" dirty="0" smtClean="0">
+              <a:latin typeface="Calibri" charset="0"/>
+              <a:ea typeface="MS PGothic" charset="0"/>
+            </a:endParaRPr>
+          </a:p>
+          <a:p>
             <a:endParaRPr lang="en-US" dirty="0"/>
           </a:p>
         </p:txBody>
@@ -2206,7 +2025,7 @@
     </p:spTree>
     <p:extLst>
       <p:ext uri="{BB962C8B-B14F-4D97-AF65-F5344CB8AC3E}">
-        <p14:creationId xmlns:p14="http://schemas.microsoft.com/office/powerpoint/2010/main" val="3640918902"/>
+        <p14:creationId xmlns:p14="http://schemas.microsoft.com/office/powerpoint/2010/main" val="1853083656"/>
       </p:ext>
     </p:extLst>
   </p:cSld>
@@ -2548,7 +2367,211 @@
           <a:bodyPr/>
           <a:lstStyle/>
           <a:p>
-            <a:endParaRPr lang="en-US"/>
+            <a:r>
+              <a:rPr lang="en-US" dirty="0" smtClean="0">
+                <a:hlinkClick r:id="rId3"/>
+              </a:rPr>
+              <a:t>CATH-Gene3D</a:t>
+            </a:r>
+            <a:r>
+              <a:rPr lang="en-US" dirty="0" smtClean="0"/>
+              <a:t> database describes protein families and domain architectures in complete genomes. Protein families are formed using a Markov clustering algorithm, followed by multi-linkage clustering according to sequence identity. Mapping of predicted structure and sequence domains is undertaken using hidden Markov models libraries representing CATH and </a:t>
+            </a:r>
+            <a:r>
+              <a:rPr lang="en-US" dirty="0" err="1" smtClean="0"/>
+              <a:t>Pfam</a:t>
+            </a:r>
+            <a:r>
+              <a:rPr lang="en-US" dirty="0" smtClean="0"/>
+              <a:t> domains. CATH-Gene3D is based at University College, London, UK. </a:t>
+            </a:r>
+            <a:r>
+              <a:rPr lang="en-US" dirty="0" smtClean="0">
+                <a:hlinkClick r:id="rId4"/>
+              </a:rPr>
+              <a:t>CDD</a:t>
+            </a:r>
+            <a:r>
+              <a:rPr lang="en-US" dirty="0" smtClean="0"/>
+              <a:t> is a protein annotation resource that consists of a collection of annotated multiple sequence alignment models for ancient domains and full-length proteins. These are available as position-specific score matrices (PSSMs) for fast identification of conserved domains in protein sequences via RPS-BLAST. CDD content includes NCBI-curated domain models, which use 3D-structure information to explicitly define domain boundaries and provide insights into sequence/structure/function relationships, as well as domain models imported from a number of external source databases. </a:t>
+            </a:r>
+            <a:r>
+              <a:rPr lang="en-US" dirty="0" smtClean="0">
+                <a:hlinkClick r:id="rId5"/>
+              </a:rPr>
+              <a:t>MobiDB</a:t>
+            </a:r>
+            <a:r>
+              <a:rPr lang="en-US" dirty="0" smtClean="0"/>
+              <a:t> offers a centralized resource for annotations of intrinsic protein disorder. The database features three levels of annotation: manually curated, indirect and predicted. The different sources present a clear tradeoff between quality and coverage. By combining them all into a consensus annotation, </a:t>
+            </a:r>
+            <a:r>
+              <a:rPr lang="en-US" dirty="0" err="1" smtClean="0"/>
+              <a:t>MobiDB</a:t>
+            </a:r>
+            <a:r>
+              <a:rPr lang="en-US" dirty="0" smtClean="0"/>
+              <a:t> aims at giving the best possible picture of the "disorder landscape" of a given protein of interest. </a:t>
+            </a:r>
+            <a:r>
+              <a:rPr lang="en-US" dirty="0" smtClean="0">
+                <a:hlinkClick r:id="rId6"/>
+              </a:rPr>
+              <a:t>HAMAP</a:t>
+            </a:r>
+            <a:r>
+              <a:rPr lang="en-US" dirty="0" smtClean="0"/>
+              <a:t> stands for High-quality Automated and Manual Annotation of Proteins. HAMAP profiles are manually created by expert curators. They identify proteins that are part of well-conserved proteins families or subfamilies. HAMAP is based at the SIB Swiss Institute of Bioinformatics, Geneva, Switzerland. </a:t>
+            </a:r>
+            <a:r>
+              <a:rPr lang="en-US" dirty="0" smtClean="0">
+                <a:hlinkClick r:id="rId7"/>
+              </a:rPr>
+              <a:t>PANTHER</a:t>
+            </a:r>
+            <a:r>
+              <a:rPr lang="en-US" dirty="0" smtClean="0"/>
+              <a:t> is a large collection of protein families that have been subdivided into functionally related subfamilies, using human expertise. These subfamilies model the divergence of specific functions within protein families, allowing more accurate association with function, as well as inference of amino acids important for functional specificity. Hidden Markov models (HMMs) are built for each family and subfamily for classifying additional protein sequences. PANTHER is based at at University of Southern California, CA, US. </a:t>
+            </a:r>
+            <a:r>
+              <a:rPr lang="en-US" dirty="0" smtClean="0">
+                <a:hlinkClick r:id="rId8"/>
+              </a:rPr>
+              <a:t>Pfam</a:t>
+            </a:r>
+            <a:r>
+              <a:rPr lang="en-US" dirty="0" smtClean="0"/>
+              <a:t> is a large collection of multiple sequence alignments and hidden Markov models covering many common protein domains. </a:t>
+            </a:r>
+            <a:r>
+              <a:rPr lang="en-US" dirty="0" err="1" smtClean="0"/>
+              <a:t>Pfam</a:t>
+            </a:r>
+            <a:r>
+              <a:rPr lang="en-US" dirty="0" smtClean="0"/>
+              <a:t> is based at EMBL-EBI, </a:t>
+            </a:r>
+            <a:r>
+              <a:rPr lang="en-US" dirty="0" err="1" smtClean="0"/>
+              <a:t>Hinxton</a:t>
+            </a:r>
+            <a:r>
+              <a:rPr lang="en-US" dirty="0" smtClean="0"/>
+              <a:t>, UK. </a:t>
+            </a:r>
+            <a:r>
+              <a:rPr lang="en-US" dirty="0" smtClean="0">
+                <a:hlinkClick r:id="rId9"/>
+              </a:rPr>
+              <a:t>PIRSF</a:t>
+            </a:r>
+            <a:r>
+              <a:rPr lang="en-US" dirty="0" smtClean="0"/>
+              <a:t> protein classification system is a network with multiple levels of sequence diversity from </a:t>
+            </a:r>
+            <a:r>
+              <a:rPr lang="en-US" dirty="0" err="1" smtClean="0"/>
+              <a:t>superfamilies</a:t>
+            </a:r>
+            <a:r>
+              <a:rPr lang="en-US" dirty="0" smtClean="0"/>
+              <a:t> to subfamilies that reflects the evolutionary relationship of full-length proteins and domains. PIRSF is based at the Protein Information Resource, Georgetown University Medical Centre, Washington DC, US. </a:t>
+            </a:r>
+            <a:r>
+              <a:rPr lang="en-US" dirty="0" smtClean="0">
+                <a:hlinkClick r:id="rId10"/>
+              </a:rPr>
+              <a:t>PRINTS</a:t>
+            </a:r>
+            <a:r>
+              <a:rPr lang="en-US" dirty="0" smtClean="0"/>
+              <a:t> is a compendium of protein fingerprints. A fingerprint is a group of conserved motifs used to </a:t>
+            </a:r>
+            <a:r>
+              <a:rPr lang="en-US" dirty="0" err="1" smtClean="0"/>
+              <a:t>characterise</a:t>
+            </a:r>
+            <a:r>
+              <a:rPr lang="en-US" dirty="0" smtClean="0"/>
+              <a:t> a protein family or domain. PRINTS is based at the University of Manchester, UK. </a:t>
+            </a:r>
+            <a:r>
+              <a:rPr lang="en-US" dirty="0" smtClean="0">
+                <a:hlinkClick r:id="rId11"/>
+              </a:rPr>
+              <a:t>ProDom</a:t>
+            </a:r>
+            <a:r>
+              <a:rPr lang="en-US" dirty="0" smtClean="0"/>
+              <a:t> protein domain database consists of an automatic compilation of homologous domains. Current versions of </a:t>
+            </a:r>
+            <a:r>
+              <a:rPr lang="en-US" dirty="0" err="1" smtClean="0"/>
+              <a:t>ProDom</a:t>
+            </a:r>
+            <a:r>
+              <a:rPr lang="en-US" dirty="0" smtClean="0"/>
+              <a:t> are built using a novel procedure based on recursive PSI-BLAST searches. </a:t>
+            </a:r>
+            <a:r>
+              <a:rPr lang="en-US" dirty="0" err="1" smtClean="0"/>
+              <a:t>ProDom</a:t>
+            </a:r>
+            <a:r>
+              <a:rPr lang="en-US" dirty="0" smtClean="0"/>
+              <a:t> is based at PRABI Villeurbanne, France. </a:t>
+            </a:r>
+            <a:r>
+              <a:rPr lang="en-US" dirty="0" smtClean="0">
+                <a:hlinkClick r:id="rId12"/>
+              </a:rPr>
+              <a:t>PROSITE</a:t>
+            </a:r>
+            <a:r>
+              <a:rPr lang="en-US" dirty="0" smtClean="0"/>
+              <a:t> is a database of protein families and domains. It consists of biologically significant sites, patterns and profiles that help to reliably identify to which known protein family a new sequence belongs. PROSITE is base at the Swiss Institute of Bioinformatics (SIB), Geneva, Switzerland. </a:t>
+            </a:r>
+            <a:r>
+              <a:rPr lang="en-US" dirty="0" smtClean="0">
+                <a:hlinkClick r:id="rId13"/>
+              </a:rPr>
+              <a:t>SFLD</a:t>
+            </a:r>
+            <a:r>
+              <a:rPr lang="en-US" dirty="0" smtClean="0"/>
+              <a:t> (Structure-Function Linkage Database) is a hierarchical classification of enzymes that relates specific sequence-structure features to specific chemical capabilities. </a:t>
+            </a:r>
+            <a:r>
+              <a:rPr lang="en-US" dirty="0" smtClean="0">
+                <a:hlinkClick r:id="rId14"/>
+              </a:rPr>
+              <a:t>SMART</a:t>
+            </a:r>
+            <a:r>
+              <a:rPr lang="en-US" dirty="0" smtClean="0"/>
+              <a:t> (a Simple Modular Architecture Research Tool) allows the identification and annotation of genetically mobile domains and the analysis of domain architectures. SMART is based at at EMBL, Heidelberg, Germany. </a:t>
+            </a:r>
+            <a:r>
+              <a:rPr lang="en-US" dirty="0" smtClean="0">
+                <a:hlinkClick r:id="rId15"/>
+              </a:rPr>
+              <a:t>SUPERFAMILY</a:t>
+            </a:r>
+            <a:r>
+              <a:rPr lang="en-US" dirty="0" smtClean="0"/>
+              <a:t> is a library of profile hidden Markov models that represent all proteins of known structure. The library is based on the SCOP classification of proteins: each model corresponds to a SCOP domain and aims to represent the entire SCOP superfamily that the domain belongs to. SUPERFAMILY is based at the University of Bristol, UK. </a:t>
+            </a:r>
+            <a:r>
+              <a:rPr lang="en-US" dirty="0" smtClean="0">
+                <a:hlinkClick r:id="rId16"/>
+              </a:rPr>
+              <a:t>TIGRFAMs</a:t>
+            </a:r>
+            <a:r>
+              <a:rPr lang="en-US" dirty="0" smtClean="0"/>
+              <a:t> is a collection of protein families, featuring curated multiple sequence alignments, hidden Markov models (HMMs) and annotation, which provides a tool for identifying functionally related proteins based on sequence homology. TIGRFAMs is based at the J. Craig Venter Institute, Rockville, MD, US. </a:t>
+            </a:r>
+            <a:endParaRPr lang="en-US" dirty="0"/>
           </a:p>
         </p:txBody>
       </p:sp>
@@ -2578,7 +2601,7 @@
     </p:spTree>
     <p:extLst>
       <p:ext uri="{BB962C8B-B14F-4D97-AF65-F5344CB8AC3E}">
-        <p14:creationId xmlns:p14="http://schemas.microsoft.com/office/powerpoint/2010/main" val="993261044"/>
+        <p14:creationId xmlns:p14="http://schemas.microsoft.com/office/powerpoint/2010/main" val="3640918902"/>
       </p:ext>
     </p:extLst>
   </p:cSld>
@@ -2662,7 +2685,7 @@
     </p:spTree>
     <p:extLst>
       <p:ext uri="{BB962C8B-B14F-4D97-AF65-F5344CB8AC3E}">
-        <p14:creationId xmlns:p14="http://schemas.microsoft.com/office/powerpoint/2010/main" val="3479186296"/>
+        <p14:creationId xmlns:p14="http://schemas.microsoft.com/office/powerpoint/2010/main" val="993261044"/>
       </p:ext>
     </p:extLst>
   </p:cSld>
@@ -2716,7 +2739,7 @@
           <a:bodyPr/>
           <a:lstStyle/>
           <a:p>
-            <a:endParaRPr lang="en-US" dirty="0"/>
+            <a:endParaRPr lang="en-US"/>
           </a:p>
         </p:txBody>
       </p:sp>
@@ -2746,7 +2769,7 @@
     </p:spTree>
     <p:extLst>
       <p:ext uri="{BB962C8B-B14F-4D97-AF65-F5344CB8AC3E}">
-        <p14:creationId xmlns:p14="http://schemas.microsoft.com/office/powerpoint/2010/main" val="1139740879"/>
+        <p14:creationId xmlns:p14="http://schemas.microsoft.com/office/powerpoint/2010/main" val="3479186296"/>
       </p:ext>
     </p:extLst>
   </p:cSld>
@@ -2800,7 +2823,7 @@
           <a:bodyPr/>
           <a:lstStyle/>
           <a:p>
-            <a:endParaRPr lang="en-US"/>
+            <a:endParaRPr lang="en-US" dirty="0"/>
           </a:p>
         </p:txBody>
       </p:sp>
@@ -2830,7 +2853,7 @@
     </p:spTree>
     <p:extLst>
       <p:ext uri="{BB962C8B-B14F-4D97-AF65-F5344CB8AC3E}">
-        <p14:creationId xmlns:p14="http://schemas.microsoft.com/office/powerpoint/2010/main" val="1688228789"/>
+        <p14:creationId xmlns:p14="http://schemas.microsoft.com/office/powerpoint/2010/main" val="1139740879"/>
       </p:ext>
     </p:extLst>
   </p:cSld>
@@ -2884,232 +2907,7 @@
           <a:bodyPr/>
           <a:lstStyle/>
           <a:p>
-            <a:r>
-              <a:rPr lang="en-US" dirty="0" smtClean="0">
-                <a:latin typeface="Calibri" charset="0"/>
-                <a:ea typeface="MS PGothic" charset="0"/>
-              </a:rPr>
-              <a:t>Protein Accession (e.g. P51587)</a:t>
-            </a:r>
-          </a:p>
-          <a:p>
-            <a:r>
-              <a:rPr lang="en-US" dirty="0" smtClean="0">
-                <a:latin typeface="Calibri" charset="0"/>
-                <a:ea typeface="MS PGothic" charset="0"/>
-              </a:rPr>
-              <a:t>Sequence MD5 digest (e.g. 14086411a2cdf1c4cba63020e1622579)</a:t>
-            </a:r>
-          </a:p>
-          <a:p>
-            <a:r>
-              <a:rPr lang="en-US" dirty="0" smtClean="0">
-                <a:latin typeface="Calibri" charset="0"/>
-                <a:ea typeface="MS PGothic" charset="0"/>
-              </a:rPr>
-              <a:t>Sequence Length (e.g. 3418)</a:t>
-            </a:r>
-          </a:p>
-          <a:p>
-            <a:r>
-              <a:rPr lang="en-US" dirty="0" smtClean="0">
-                <a:latin typeface="Calibri" charset="0"/>
-                <a:ea typeface="MS PGothic" charset="0"/>
-              </a:rPr>
-              <a:t>Analysis (e.g. </a:t>
-            </a:r>
-            <a:r>
-              <a:rPr lang="en-US" dirty="0" err="1" smtClean="0">
-                <a:latin typeface="Calibri" charset="0"/>
-                <a:ea typeface="MS PGothic" charset="0"/>
-              </a:rPr>
-              <a:t>Pfam</a:t>
-            </a:r>
-            <a:r>
-              <a:rPr lang="en-US" dirty="0" smtClean="0">
-                <a:latin typeface="Calibri" charset="0"/>
-                <a:ea typeface="MS PGothic" charset="0"/>
-              </a:rPr>
-              <a:t> / PRINTS / Gene3D)</a:t>
-            </a:r>
-          </a:p>
-          <a:p>
-            <a:r>
-              <a:rPr lang="en-US" dirty="0" smtClean="0">
-                <a:latin typeface="Calibri" charset="0"/>
-                <a:ea typeface="MS PGothic" charset="0"/>
-              </a:rPr>
-              <a:t>Signature Accession (e.g. PF09103 / G3DSA:2.40.50.140)</a:t>
-            </a:r>
-          </a:p>
-          <a:p>
-            <a:r>
-              <a:rPr lang="en-US" dirty="0" smtClean="0">
-                <a:latin typeface="Calibri" charset="0"/>
-                <a:ea typeface="MS PGothic" charset="0"/>
-              </a:rPr>
-              <a:t>Signature Description (e.g. BRCA2 repeat profile)</a:t>
-            </a:r>
-          </a:p>
-          <a:p>
-            <a:r>
-              <a:rPr lang="en-US" dirty="0" smtClean="0">
-                <a:latin typeface="Calibri" charset="0"/>
-                <a:ea typeface="MS PGothic" charset="0"/>
-              </a:rPr>
-              <a:t>Start location</a:t>
-            </a:r>
-          </a:p>
-          <a:p>
-            <a:r>
-              <a:rPr lang="en-US" dirty="0" smtClean="0">
-                <a:latin typeface="Calibri" charset="0"/>
-                <a:ea typeface="MS PGothic" charset="0"/>
-              </a:rPr>
-              <a:t>Stop location</a:t>
-            </a:r>
-          </a:p>
-          <a:p>
-            <a:r>
-              <a:rPr lang="en-US" dirty="0" smtClean="0">
-                <a:latin typeface="Calibri" charset="0"/>
-                <a:ea typeface="MS PGothic" charset="0"/>
-              </a:rPr>
-              <a:t>Score - is the e-value of the match reported by member database method (e.g. 3.1E-52)</a:t>
-            </a:r>
-          </a:p>
-          <a:p>
-            <a:r>
-              <a:rPr lang="en-US" dirty="0" smtClean="0">
-                <a:latin typeface="Calibri" charset="0"/>
-                <a:ea typeface="MS PGothic" charset="0"/>
-              </a:rPr>
-              <a:t>Status - is the status of the match (T: true)</a:t>
-            </a:r>
-          </a:p>
-          <a:p>
-            <a:r>
-              <a:rPr lang="en-US" dirty="0" smtClean="0">
-                <a:latin typeface="Calibri" charset="0"/>
-                <a:ea typeface="MS PGothic" charset="0"/>
-              </a:rPr>
-              <a:t>Date - is the date of the run</a:t>
-            </a:r>
-          </a:p>
-          <a:p>
-            <a:r>
-              <a:rPr lang="en-US" dirty="0" smtClean="0">
-                <a:latin typeface="Calibri" charset="0"/>
-                <a:ea typeface="MS PGothic" charset="0"/>
-              </a:rPr>
-              <a:t>(</a:t>
-            </a:r>
-            <a:r>
-              <a:rPr lang="en-US" dirty="0" err="1" smtClean="0">
-                <a:latin typeface="Calibri" charset="0"/>
-                <a:ea typeface="MS PGothic" charset="0"/>
-              </a:rPr>
-              <a:t>InterPro</a:t>
-            </a:r>
-            <a:r>
-              <a:rPr lang="en-US" dirty="0" smtClean="0">
-                <a:latin typeface="Calibri" charset="0"/>
-                <a:ea typeface="MS PGothic" charset="0"/>
-              </a:rPr>
-              <a:t> annotations - accession (e.g. IPR002093) - optional column; only displayed if -</a:t>
-            </a:r>
-            <a:r>
-              <a:rPr lang="en-US" dirty="0" err="1" smtClean="0">
-                <a:latin typeface="Calibri" charset="0"/>
-                <a:ea typeface="MS PGothic" charset="0"/>
-              </a:rPr>
-              <a:t>iprlookup</a:t>
-            </a:r>
-            <a:r>
-              <a:rPr lang="en-US" dirty="0" smtClean="0">
-                <a:latin typeface="Calibri" charset="0"/>
-                <a:ea typeface="MS PGothic" charset="0"/>
-              </a:rPr>
-              <a:t> option is switched on)</a:t>
-            </a:r>
-          </a:p>
-          <a:p>
-            <a:r>
-              <a:rPr lang="en-US" dirty="0" smtClean="0">
-                <a:latin typeface="Calibri" charset="0"/>
-                <a:ea typeface="MS PGothic" charset="0"/>
-              </a:rPr>
-              <a:t>(</a:t>
-            </a:r>
-            <a:r>
-              <a:rPr lang="en-US" dirty="0" err="1" smtClean="0">
-                <a:latin typeface="Calibri" charset="0"/>
-                <a:ea typeface="MS PGothic" charset="0"/>
-              </a:rPr>
-              <a:t>InterPro</a:t>
-            </a:r>
-            <a:r>
-              <a:rPr lang="en-US" dirty="0" smtClean="0">
-                <a:latin typeface="Calibri" charset="0"/>
-                <a:ea typeface="MS PGothic" charset="0"/>
-              </a:rPr>
-              <a:t> annotations - description (e.g. BRCA2 repeat) - optional column; only displayed if -</a:t>
-            </a:r>
-            <a:r>
-              <a:rPr lang="en-US" dirty="0" err="1" smtClean="0">
-                <a:latin typeface="Calibri" charset="0"/>
-                <a:ea typeface="MS PGothic" charset="0"/>
-              </a:rPr>
-              <a:t>iprlookup</a:t>
-            </a:r>
-            <a:r>
-              <a:rPr lang="en-US" dirty="0" smtClean="0">
-                <a:latin typeface="Calibri" charset="0"/>
-                <a:ea typeface="MS PGothic" charset="0"/>
-              </a:rPr>
-              <a:t> option is switched on)</a:t>
-            </a:r>
-          </a:p>
-          <a:p>
-            <a:r>
-              <a:rPr lang="en-US" dirty="0" smtClean="0">
-                <a:latin typeface="Calibri" charset="0"/>
-                <a:ea typeface="MS PGothic" charset="0"/>
-              </a:rPr>
-              <a:t>(GO annotations (e.g. GO:0005515) - optional column; only displayed if --</a:t>
-            </a:r>
-            <a:r>
-              <a:rPr lang="en-US" dirty="0" err="1" smtClean="0">
-                <a:latin typeface="Calibri" charset="0"/>
-                <a:ea typeface="MS PGothic" charset="0"/>
-              </a:rPr>
-              <a:t>goterms</a:t>
-            </a:r>
-            <a:r>
-              <a:rPr lang="en-US" dirty="0" smtClean="0">
-                <a:latin typeface="Calibri" charset="0"/>
-                <a:ea typeface="MS PGothic" charset="0"/>
-              </a:rPr>
-              <a:t> option is switched on)</a:t>
-            </a:r>
-          </a:p>
-          <a:p>
-            <a:r>
-              <a:rPr lang="en-US" dirty="0" smtClean="0">
-                <a:latin typeface="Calibri" charset="0"/>
-                <a:ea typeface="MS PGothic" charset="0"/>
-              </a:rPr>
-              <a:t>(Pathways annotations (e.g. REACT_71) - optional column; only displayed if --pathways option is switched on)</a:t>
-            </a:r>
-          </a:p>
-          <a:p>
-            <a:endParaRPr lang="en-US" dirty="0" smtClean="0">
-              <a:latin typeface="Calibri" charset="0"/>
-              <a:ea typeface="MS PGothic" charset="0"/>
-            </a:endParaRPr>
-          </a:p>
-          <a:p>
-            <a:endParaRPr lang="en-US" dirty="0"/>
+            <a:endParaRPr lang="en-US"/>
           </a:p>
         </p:txBody>
       </p:sp>
@@ -3139,7 +2937,7 @@
     </p:spTree>
     <p:extLst>
       <p:ext uri="{BB962C8B-B14F-4D97-AF65-F5344CB8AC3E}">
-        <p14:creationId xmlns:p14="http://schemas.microsoft.com/office/powerpoint/2010/main" val="277546525"/>
+        <p14:creationId xmlns:p14="http://schemas.microsoft.com/office/powerpoint/2010/main" val="1688228789"/>
       </p:ext>
     </p:extLst>
   </p:cSld>
@@ -3194,9 +2992,230 @@
           <a:lstStyle/>
           <a:p>
             <a:r>
-              <a:rPr lang="en-US" dirty="0" smtClean="0"/>
-              <a:t>RNA SEQ EXPRESSION, </a:t>
-            </a:r>
+              <a:rPr lang="en-US" dirty="0" smtClean="0">
+                <a:latin typeface="Calibri" charset="0"/>
+                <a:ea typeface="MS PGothic" charset="0"/>
+              </a:rPr>
+              <a:t>Protein Accession (e.g. P51587)</a:t>
+            </a:r>
+          </a:p>
+          <a:p>
+            <a:r>
+              <a:rPr lang="en-US" dirty="0" smtClean="0">
+                <a:latin typeface="Calibri" charset="0"/>
+                <a:ea typeface="MS PGothic" charset="0"/>
+              </a:rPr>
+              <a:t>Sequence MD5 digest (e.g. 14086411a2cdf1c4cba63020e1622579)</a:t>
+            </a:r>
+          </a:p>
+          <a:p>
+            <a:r>
+              <a:rPr lang="en-US" dirty="0" smtClean="0">
+                <a:latin typeface="Calibri" charset="0"/>
+                <a:ea typeface="MS PGothic" charset="0"/>
+              </a:rPr>
+              <a:t>Sequence Length (e.g. 3418)</a:t>
+            </a:r>
+          </a:p>
+          <a:p>
+            <a:r>
+              <a:rPr lang="en-US" dirty="0" smtClean="0">
+                <a:latin typeface="Calibri" charset="0"/>
+                <a:ea typeface="MS PGothic" charset="0"/>
+              </a:rPr>
+              <a:t>Analysis (e.g. </a:t>
+            </a:r>
+            <a:r>
+              <a:rPr lang="en-US" dirty="0" err="1" smtClean="0">
+                <a:latin typeface="Calibri" charset="0"/>
+                <a:ea typeface="MS PGothic" charset="0"/>
+              </a:rPr>
+              <a:t>Pfam</a:t>
+            </a:r>
+            <a:r>
+              <a:rPr lang="en-US" dirty="0" smtClean="0">
+                <a:latin typeface="Calibri" charset="0"/>
+                <a:ea typeface="MS PGothic" charset="0"/>
+              </a:rPr>
+              <a:t> / PRINTS / Gene3D)</a:t>
+            </a:r>
+          </a:p>
+          <a:p>
+            <a:r>
+              <a:rPr lang="en-US" dirty="0" smtClean="0">
+                <a:latin typeface="Calibri" charset="0"/>
+                <a:ea typeface="MS PGothic" charset="0"/>
+              </a:rPr>
+              <a:t>Signature Accession (e.g. PF09103 / G3DSA:2.40.50.140)</a:t>
+            </a:r>
+          </a:p>
+          <a:p>
+            <a:r>
+              <a:rPr lang="en-US" dirty="0" smtClean="0">
+                <a:latin typeface="Calibri" charset="0"/>
+                <a:ea typeface="MS PGothic" charset="0"/>
+              </a:rPr>
+              <a:t>Signature Description (e.g. BRCA2 repeat profile)</a:t>
+            </a:r>
+          </a:p>
+          <a:p>
+            <a:r>
+              <a:rPr lang="en-US" dirty="0" smtClean="0">
+                <a:latin typeface="Calibri" charset="0"/>
+                <a:ea typeface="MS PGothic" charset="0"/>
+              </a:rPr>
+              <a:t>Start location</a:t>
+            </a:r>
+          </a:p>
+          <a:p>
+            <a:r>
+              <a:rPr lang="en-US" dirty="0" smtClean="0">
+                <a:latin typeface="Calibri" charset="0"/>
+                <a:ea typeface="MS PGothic" charset="0"/>
+              </a:rPr>
+              <a:t>Stop location</a:t>
+            </a:r>
+          </a:p>
+          <a:p>
+            <a:r>
+              <a:rPr lang="en-US" dirty="0" smtClean="0">
+                <a:latin typeface="Calibri" charset="0"/>
+                <a:ea typeface="MS PGothic" charset="0"/>
+              </a:rPr>
+              <a:t>Score - is the e-value of the match reported by member database method (e.g. 3.1E-52)</a:t>
+            </a:r>
+          </a:p>
+          <a:p>
+            <a:r>
+              <a:rPr lang="en-US" dirty="0" smtClean="0">
+                <a:latin typeface="Calibri" charset="0"/>
+                <a:ea typeface="MS PGothic" charset="0"/>
+              </a:rPr>
+              <a:t>Status - is the status of the match (T: true)</a:t>
+            </a:r>
+          </a:p>
+          <a:p>
+            <a:r>
+              <a:rPr lang="en-US" dirty="0" smtClean="0">
+                <a:latin typeface="Calibri" charset="0"/>
+                <a:ea typeface="MS PGothic" charset="0"/>
+              </a:rPr>
+              <a:t>Date - is the date of the run</a:t>
+            </a:r>
+          </a:p>
+          <a:p>
+            <a:r>
+              <a:rPr lang="en-US" dirty="0" smtClean="0">
+                <a:latin typeface="Calibri" charset="0"/>
+                <a:ea typeface="MS PGothic" charset="0"/>
+              </a:rPr>
+              <a:t>(</a:t>
+            </a:r>
+            <a:r>
+              <a:rPr lang="en-US" dirty="0" err="1" smtClean="0">
+                <a:latin typeface="Calibri" charset="0"/>
+                <a:ea typeface="MS PGothic" charset="0"/>
+              </a:rPr>
+              <a:t>InterPro</a:t>
+            </a:r>
+            <a:r>
+              <a:rPr lang="en-US" dirty="0" smtClean="0">
+                <a:latin typeface="Calibri" charset="0"/>
+                <a:ea typeface="MS PGothic" charset="0"/>
+              </a:rPr>
+              <a:t> annotations - accession (e.g. IPR002093) - optional column; only displayed if -</a:t>
+            </a:r>
+            <a:r>
+              <a:rPr lang="en-US" dirty="0" err="1" smtClean="0">
+                <a:latin typeface="Calibri" charset="0"/>
+                <a:ea typeface="MS PGothic" charset="0"/>
+              </a:rPr>
+              <a:t>iprlookup</a:t>
+            </a:r>
+            <a:r>
+              <a:rPr lang="en-US" dirty="0" smtClean="0">
+                <a:latin typeface="Calibri" charset="0"/>
+                <a:ea typeface="MS PGothic" charset="0"/>
+              </a:rPr>
+              <a:t> option is switched on)</a:t>
+            </a:r>
+          </a:p>
+          <a:p>
+            <a:r>
+              <a:rPr lang="en-US" dirty="0" smtClean="0">
+                <a:latin typeface="Calibri" charset="0"/>
+                <a:ea typeface="MS PGothic" charset="0"/>
+              </a:rPr>
+              <a:t>(</a:t>
+            </a:r>
+            <a:r>
+              <a:rPr lang="en-US" dirty="0" err="1" smtClean="0">
+                <a:latin typeface="Calibri" charset="0"/>
+                <a:ea typeface="MS PGothic" charset="0"/>
+              </a:rPr>
+              <a:t>InterPro</a:t>
+            </a:r>
+            <a:r>
+              <a:rPr lang="en-US" dirty="0" smtClean="0">
+                <a:latin typeface="Calibri" charset="0"/>
+                <a:ea typeface="MS PGothic" charset="0"/>
+              </a:rPr>
+              <a:t> annotations - description (e.g. BRCA2 repeat) - optional column; only displayed if -</a:t>
+            </a:r>
+            <a:r>
+              <a:rPr lang="en-US" dirty="0" err="1" smtClean="0">
+                <a:latin typeface="Calibri" charset="0"/>
+                <a:ea typeface="MS PGothic" charset="0"/>
+              </a:rPr>
+              <a:t>iprlookup</a:t>
+            </a:r>
+            <a:r>
+              <a:rPr lang="en-US" dirty="0" smtClean="0">
+                <a:latin typeface="Calibri" charset="0"/>
+                <a:ea typeface="MS PGothic" charset="0"/>
+              </a:rPr>
+              <a:t> option is switched on)</a:t>
+            </a:r>
+          </a:p>
+          <a:p>
+            <a:r>
+              <a:rPr lang="en-US" dirty="0" smtClean="0">
+                <a:latin typeface="Calibri" charset="0"/>
+                <a:ea typeface="MS PGothic" charset="0"/>
+              </a:rPr>
+              <a:t>(GO annotations (e.g. GO:0005515) - optional column; only displayed if --</a:t>
+            </a:r>
+            <a:r>
+              <a:rPr lang="en-US" dirty="0" err="1" smtClean="0">
+                <a:latin typeface="Calibri" charset="0"/>
+                <a:ea typeface="MS PGothic" charset="0"/>
+              </a:rPr>
+              <a:t>goterms</a:t>
+            </a:r>
+            <a:r>
+              <a:rPr lang="en-US" dirty="0" smtClean="0">
+                <a:latin typeface="Calibri" charset="0"/>
+                <a:ea typeface="MS PGothic" charset="0"/>
+              </a:rPr>
+              <a:t> option is switched on)</a:t>
+            </a:r>
+          </a:p>
+          <a:p>
+            <a:r>
+              <a:rPr lang="en-US" dirty="0" smtClean="0">
+                <a:latin typeface="Calibri" charset="0"/>
+                <a:ea typeface="MS PGothic" charset="0"/>
+              </a:rPr>
+              <a:t>(Pathways annotations (e.g. REACT_71) - optional column; only displayed if --pathways option is switched on)</a:t>
+            </a:r>
+          </a:p>
+          <a:p>
+            <a:endParaRPr lang="en-US" dirty="0" smtClean="0">
+              <a:latin typeface="Calibri" charset="0"/>
+              <a:ea typeface="MS PGothic" charset="0"/>
+            </a:endParaRPr>
+          </a:p>
+          <a:p>
             <a:endParaRPr lang="en-US" dirty="0"/>
           </a:p>
         </p:txBody>
@@ -3227,7 +3246,7 @@
     </p:spTree>
     <p:extLst>
       <p:ext uri="{BB962C8B-B14F-4D97-AF65-F5344CB8AC3E}">
-        <p14:creationId xmlns:p14="http://schemas.microsoft.com/office/powerpoint/2010/main" val="3836709863"/>
+        <p14:creationId xmlns:p14="http://schemas.microsoft.com/office/powerpoint/2010/main" val="277546525"/>
       </p:ext>
     </p:extLst>
   </p:cSld>
@@ -3281,7 +3300,11 @@
           <a:bodyPr/>
           <a:lstStyle/>
           <a:p>
-            <a:endParaRPr lang="en-US"/>
+            <a:r>
+              <a:rPr lang="en-US" dirty="0" smtClean="0"/>
+              <a:t>RNA SEQ EXPRESSION, </a:t>
+            </a:r>
+            <a:endParaRPr lang="en-US" dirty="0"/>
           </a:p>
         </p:txBody>
       </p:sp>
@@ -3311,7 +3334,7 @@
     </p:spTree>
     <p:extLst>
       <p:ext uri="{BB962C8B-B14F-4D97-AF65-F5344CB8AC3E}">
-        <p14:creationId xmlns:p14="http://schemas.microsoft.com/office/powerpoint/2010/main" val="3416018246"/>
+        <p14:creationId xmlns:p14="http://schemas.microsoft.com/office/powerpoint/2010/main" val="3836709863"/>
       </p:ext>
     </p:extLst>
   </p:cSld>
@@ -3519,33 +3542,7 @@
           <a:bodyPr/>
           <a:lstStyle/>
           <a:p>
-            <a:pPr marL="0" marR="0" indent="0" algn="l" defTabSz="457200" rtl="0" eaLnBrk="1" fontAlgn="auto" latinLnBrk="0" hangingPunct="1">
-              <a:lnSpc>
-                <a:spcPct val="100000"/>
-              </a:lnSpc>
-              <a:spcBef>
-                <a:spcPts val="0"/>
-              </a:spcBef>
-              <a:spcAft>
-                <a:spcPts val="0"/>
-              </a:spcAft>
-              <a:buClrTx/>
-              <a:buSzTx/>
-              <a:buFontTx/>
-              <a:buNone/>
-              <a:tabLst/>
-              <a:defRPr/>
-            </a:pPr>
-            <a:r>
-              <a:rPr lang="en-US" dirty="0" smtClean="0">
-                <a:latin typeface="Calibri" charset="0"/>
-                <a:ea typeface="MS PGothic" charset="0"/>
-              </a:rPr>
-              <a:t>You can choose one of the 3 mains groups and then choose the depth level</a:t>
-            </a:r>
-          </a:p>
-          <a:p>
-            <a:endParaRPr lang="en-US" dirty="0"/>
+            <a:endParaRPr lang="en-US"/>
           </a:p>
         </p:txBody>
       </p:sp>
@@ -3575,7 +3572,7 @@
     </p:spTree>
     <p:extLst>
       <p:ext uri="{BB962C8B-B14F-4D97-AF65-F5344CB8AC3E}">
-        <p14:creationId xmlns:p14="http://schemas.microsoft.com/office/powerpoint/2010/main" val="2161509889"/>
+        <p14:creationId xmlns:p14="http://schemas.microsoft.com/office/powerpoint/2010/main" val="3416018246"/>
       </p:ext>
     </p:extLst>
   </p:cSld>
@@ -3629,7 +3626,33 @@
           <a:bodyPr/>
           <a:lstStyle/>
           <a:p>
-            <a:endParaRPr lang="en-US"/>
+            <a:pPr marL="0" marR="0" indent="0" algn="l" defTabSz="457200" rtl="0" eaLnBrk="1" fontAlgn="auto" latinLnBrk="0" hangingPunct="1">
+              <a:lnSpc>
+                <a:spcPct val="100000"/>
+              </a:lnSpc>
+              <a:spcBef>
+                <a:spcPts val="0"/>
+              </a:spcBef>
+              <a:spcAft>
+                <a:spcPts val="0"/>
+              </a:spcAft>
+              <a:buClrTx/>
+              <a:buSzTx/>
+              <a:buFontTx/>
+              <a:buNone/>
+              <a:tabLst/>
+              <a:defRPr/>
+            </a:pPr>
+            <a:r>
+              <a:rPr lang="en-US" dirty="0" smtClean="0">
+                <a:latin typeface="Calibri" charset="0"/>
+                <a:ea typeface="MS PGothic" charset="0"/>
+              </a:rPr>
+              <a:t>You can choose one of the 3 mains groups and then choose the depth level</a:t>
+            </a:r>
+          </a:p>
+          <a:p>
+            <a:endParaRPr lang="en-US" dirty="0"/>
           </a:p>
         </p:txBody>
       </p:sp>
@@ -3659,7 +3682,7 @@
     </p:spTree>
     <p:extLst>
       <p:ext uri="{BB962C8B-B14F-4D97-AF65-F5344CB8AC3E}">
-        <p14:creationId xmlns:p14="http://schemas.microsoft.com/office/powerpoint/2010/main" val="717204469"/>
+        <p14:creationId xmlns:p14="http://schemas.microsoft.com/office/powerpoint/2010/main" val="2161509889"/>
       </p:ext>
     </p:extLst>
   </p:cSld>
@@ -3713,124 +3736,7 @@
           <a:bodyPr/>
           <a:lstStyle/>
           <a:p>
-            <a:pPr marL="0" marR="0" indent="0" algn="l" defTabSz="457200" rtl="0" eaLnBrk="1" fontAlgn="auto" latinLnBrk="0" hangingPunct="1">
-              <a:lnSpc>
-                <a:spcPct val="100000"/>
-              </a:lnSpc>
-              <a:spcBef>
-                <a:spcPts val="0"/>
-              </a:spcBef>
-              <a:spcAft>
-                <a:spcPts val="0"/>
-              </a:spcAft>
-              <a:buClrTx/>
-              <a:buSzTx/>
-              <a:buFontTx/>
-              <a:buNone/>
-              <a:tabLst/>
-              <a:defRPr/>
-            </a:pPr>
-            <a:r>
-              <a:rPr lang="en-US" dirty="0" smtClean="0">
-                <a:solidFill>
-                  <a:srgbClr val="000000"/>
-                </a:solidFill>
-              </a:rPr>
-              <a:t>Categorizations of gene function, such as those used in </a:t>
-            </a:r>
-            <a:r>
-              <a:rPr lang="en-US" dirty="0" err="1" smtClean="0">
-                <a:solidFill>
-                  <a:srgbClr val="000000"/>
-                </a:solidFill>
-              </a:rPr>
-              <a:t>the</a:t>
-            </a:r>
-            <a:r>
-              <a:rPr lang="en-US" u="sng" dirty="0" err="1" smtClean="0">
-                <a:solidFill>
-                  <a:srgbClr val="000000"/>
-                </a:solidFill>
-                <a:hlinkClick r:id="rId3"/>
-              </a:rPr>
-              <a:t>Gene</a:t>
-            </a:r>
-            <a:r>
-              <a:rPr lang="en-US" u="sng" dirty="0" smtClean="0">
-                <a:solidFill>
-                  <a:srgbClr val="000000"/>
-                </a:solidFill>
-                <a:hlinkClick r:id="rId3"/>
-              </a:rPr>
-              <a:t> Ontology Project slot each gene into one category in a hierarchy of categories. They are helpful, but they ignore the fact that an individual gene has no function in isolation.</a:t>
-            </a:r>
-            <a:endParaRPr lang="en-US" u="sng" dirty="0" smtClean="0">
-              <a:solidFill>
-                <a:srgbClr val="000000"/>
-              </a:solidFill>
-            </a:endParaRPr>
-          </a:p>
-          <a:p>
-            <a:pPr marL="0" marR="0" indent="0" algn="l" defTabSz="457200" rtl="0" eaLnBrk="1" fontAlgn="auto" latinLnBrk="0" hangingPunct="1">
-              <a:lnSpc>
-                <a:spcPct val="100000"/>
-              </a:lnSpc>
-              <a:spcBef>
-                <a:spcPts val="0"/>
-              </a:spcBef>
-              <a:spcAft>
-                <a:spcPts val="0"/>
-              </a:spcAft>
-              <a:buClrTx/>
-              <a:buSzTx/>
-              <a:buFontTx/>
-              <a:buNone/>
-              <a:tabLst/>
-              <a:defRPr/>
-            </a:pPr>
-            <a:r>
-              <a:rPr lang="en-US" dirty="0" smtClean="0">
-                <a:solidFill>
-                  <a:srgbClr val="000000"/>
-                </a:solidFill>
-              </a:rPr>
-              <a:t>Gene function prediction is a stepping stone to the more important problem of inferring regulatory networks that explain how genes interact so as to enable cellular processes.</a:t>
-            </a:r>
-          </a:p>
-          <a:p>
-            <a:pPr marL="0" marR="0" indent="0" algn="l" defTabSz="457200" rtl="0" eaLnBrk="1" fontAlgn="auto" latinLnBrk="0" hangingPunct="1">
-              <a:lnSpc>
-                <a:spcPct val="100000"/>
-              </a:lnSpc>
-              <a:spcBef>
-                <a:spcPts val="0"/>
-              </a:spcBef>
-              <a:spcAft>
-                <a:spcPts val="0"/>
-              </a:spcAft>
-              <a:buClrTx/>
-              <a:buSzTx/>
-              <a:buFontTx/>
-              <a:buNone/>
-              <a:tabLst/>
-              <a:defRPr/>
-            </a:pPr>
-            <a:endParaRPr lang="en-US" u="sng" dirty="0" smtClean="0">
-              <a:solidFill>
-                <a:srgbClr val="000000"/>
-              </a:solidFill>
-            </a:endParaRPr>
-          </a:p>
-          <a:p>
-            <a:r>
-              <a:rPr lang="en-US" dirty="0" smtClean="0"/>
-              <a:t>Put</a:t>
-            </a:r>
-            <a:r>
-              <a:rPr lang="en-US" baseline="0" dirty="0" smtClean="0"/>
-              <a:t> in perspective of PATWAY is better !</a:t>
-            </a:r>
-            <a:endParaRPr lang="en-US" dirty="0"/>
+            <a:endParaRPr lang="en-US"/>
           </a:p>
         </p:txBody>
       </p:sp>
@@ -3860,7 +3766,7 @@
     </p:spTree>
     <p:extLst>
       <p:ext uri="{BB962C8B-B14F-4D97-AF65-F5344CB8AC3E}">
-        <p14:creationId xmlns:p14="http://schemas.microsoft.com/office/powerpoint/2010/main" val="2037214623"/>
+        <p14:creationId xmlns:p14="http://schemas.microsoft.com/office/powerpoint/2010/main" val="717204469"/>
       </p:ext>
     </p:extLst>
   </p:cSld>
@@ -3914,7 +3820,124 @@
           <a:bodyPr/>
           <a:lstStyle/>
           <a:p>
-            <a:endParaRPr lang="en-US"/>
+            <a:pPr marL="0" marR="0" indent="0" algn="l" defTabSz="457200" rtl="0" eaLnBrk="1" fontAlgn="auto" latinLnBrk="0" hangingPunct="1">
+              <a:lnSpc>
+                <a:spcPct val="100000"/>
+              </a:lnSpc>
+              <a:spcBef>
+                <a:spcPts val="0"/>
+              </a:spcBef>
+              <a:spcAft>
+                <a:spcPts val="0"/>
+              </a:spcAft>
+              <a:buClrTx/>
+              <a:buSzTx/>
+              <a:buFontTx/>
+              <a:buNone/>
+              <a:tabLst/>
+              <a:defRPr/>
+            </a:pPr>
+            <a:r>
+              <a:rPr lang="en-US" dirty="0" smtClean="0">
+                <a:solidFill>
+                  <a:srgbClr val="000000"/>
+                </a:solidFill>
+              </a:rPr>
+              <a:t>Categorizations of gene function, such as those used in </a:t>
+            </a:r>
+            <a:r>
+              <a:rPr lang="en-US" dirty="0" err="1" smtClean="0">
+                <a:solidFill>
+                  <a:srgbClr val="000000"/>
+                </a:solidFill>
+              </a:rPr>
+              <a:t>the</a:t>
+            </a:r>
+            <a:r>
+              <a:rPr lang="en-US" u="sng" dirty="0" err="1" smtClean="0">
+                <a:solidFill>
+                  <a:srgbClr val="000000"/>
+                </a:solidFill>
+                <a:hlinkClick r:id="rId3"/>
+              </a:rPr>
+              <a:t>Gene</a:t>
+            </a:r>
+            <a:r>
+              <a:rPr lang="en-US" u="sng" dirty="0" smtClean="0">
+                <a:solidFill>
+                  <a:srgbClr val="000000"/>
+                </a:solidFill>
+                <a:hlinkClick r:id="rId3"/>
+              </a:rPr>
+              <a:t> Ontology Project slot each gene into one category in a hierarchy of categories. They are helpful, but they ignore the fact that an individual gene has no function in isolation.</a:t>
+            </a:r>
+            <a:endParaRPr lang="en-US" u="sng" dirty="0" smtClean="0">
+              <a:solidFill>
+                <a:srgbClr val="000000"/>
+              </a:solidFill>
+            </a:endParaRPr>
+          </a:p>
+          <a:p>
+            <a:pPr marL="0" marR="0" indent="0" algn="l" defTabSz="457200" rtl="0" eaLnBrk="1" fontAlgn="auto" latinLnBrk="0" hangingPunct="1">
+              <a:lnSpc>
+                <a:spcPct val="100000"/>
+              </a:lnSpc>
+              <a:spcBef>
+                <a:spcPts val="0"/>
+              </a:spcBef>
+              <a:spcAft>
+                <a:spcPts val="0"/>
+              </a:spcAft>
+              <a:buClrTx/>
+              <a:buSzTx/>
+              <a:buFontTx/>
+              <a:buNone/>
+              <a:tabLst/>
+              <a:defRPr/>
+            </a:pPr>
+            <a:r>
+              <a:rPr lang="en-US" dirty="0" smtClean="0">
+                <a:solidFill>
+                  <a:srgbClr val="000000"/>
+                </a:solidFill>
+              </a:rPr>
+              <a:t>Gene function prediction is a stepping stone to the more important problem of inferring regulatory networks that explain how genes interact so as to enable cellular processes.</a:t>
+            </a:r>
+          </a:p>
+          <a:p>
+            <a:pPr marL="0" marR="0" indent="0" algn="l" defTabSz="457200" rtl="0" eaLnBrk="1" fontAlgn="auto" latinLnBrk="0" hangingPunct="1">
+              <a:lnSpc>
+                <a:spcPct val="100000"/>
+              </a:lnSpc>
+              <a:spcBef>
+                <a:spcPts val="0"/>
+              </a:spcBef>
+              <a:spcAft>
+                <a:spcPts val="0"/>
+              </a:spcAft>
+              <a:buClrTx/>
+              <a:buSzTx/>
+              <a:buFontTx/>
+              <a:buNone/>
+              <a:tabLst/>
+              <a:defRPr/>
+            </a:pPr>
+            <a:endParaRPr lang="en-US" u="sng" dirty="0" smtClean="0">
+              <a:solidFill>
+                <a:srgbClr val="000000"/>
+              </a:solidFill>
+            </a:endParaRPr>
+          </a:p>
+          <a:p>
+            <a:r>
+              <a:rPr lang="en-US" dirty="0" smtClean="0"/>
+              <a:t>Put</a:t>
+            </a:r>
+            <a:r>
+              <a:rPr lang="en-US" baseline="0" dirty="0" smtClean="0"/>
+              <a:t> in perspective of PATWAY is better !</a:t>
+            </a:r>
+            <a:endParaRPr lang="en-US" dirty="0"/>
           </a:p>
         </p:txBody>
       </p:sp>
@@ -3944,7 +3967,7 @@
     </p:spTree>
     <p:extLst>
       <p:ext uri="{BB962C8B-B14F-4D97-AF65-F5344CB8AC3E}">
-        <p14:creationId xmlns:p14="http://schemas.microsoft.com/office/powerpoint/2010/main" val="2954224457"/>
+        <p14:creationId xmlns:p14="http://schemas.microsoft.com/office/powerpoint/2010/main" val="2037214623"/>
       </p:ext>
     </p:extLst>
   </p:cSld>
@@ -4028,7 +4051,7 @@
     </p:spTree>
     <p:extLst>
       <p:ext uri="{BB962C8B-B14F-4D97-AF65-F5344CB8AC3E}">
-        <p14:creationId xmlns:p14="http://schemas.microsoft.com/office/powerpoint/2010/main" val="2691064791"/>
+        <p14:creationId xmlns:p14="http://schemas.microsoft.com/office/powerpoint/2010/main" val="2954224457"/>
       </p:ext>
     </p:extLst>
   </p:cSld>
@@ -4082,15 +4105,7 @@
           <a:bodyPr/>
           <a:lstStyle/>
           <a:p>
-            <a:r>
-              <a:rPr lang="en-US" dirty="0" smtClean="0"/>
-              <a:t>For sure it comes after structural prediction</a:t>
-            </a:r>
-            <a:r>
-              <a:rPr lang="en-US" baseline="0" dirty="0" smtClean="0"/>
-              <a:t> !</a:t>
-            </a:r>
-            <a:endParaRPr lang="en-US" dirty="0"/>
+            <a:endParaRPr lang="en-US"/>
           </a:p>
         </p:txBody>
       </p:sp>
@@ -4112,6 +4127,98 @@
             <a:fld id="{A65CA977-378C-7A4F-82E7-A7FDDEA8FC50}" type="slidenum">
               <a:rPr lang="en-US" smtClean="0"/>
               <a:t>35</a:t>
+            </a:fld>
+            <a:endParaRPr lang="en-US"/>
+          </a:p>
+        </p:txBody>
+      </p:sp>
+    </p:spTree>
+    <p:extLst>
+      <p:ext uri="{BB962C8B-B14F-4D97-AF65-F5344CB8AC3E}">
+        <p14:creationId xmlns:p14="http://schemas.microsoft.com/office/powerpoint/2010/main" val="2691064791"/>
+      </p:ext>
+    </p:extLst>
+  </p:cSld>
+  <p:clrMapOvr>
+    <a:masterClrMapping/>
+  </p:clrMapOvr>
+</p:notes>
+</file>
+
+<file path=ppt/notesSlides/notesSlide36.xml><?xml version="1.0" encoding="utf-8"?>
+<p:notes xmlns:a="http://schemas.openxmlformats.org/drawingml/2006/main" xmlns:r="http://schemas.openxmlformats.org/officeDocument/2006/relationships" xmlns:p="http://schemas.openxmlformats.org/presentationml/2006/main">
+  <p:cSld>
+    <p:spTree>
+      <p:nvGrpSpPr>
+        <p:cNvPr id="1" name=""/>
+        <p:cNvGrpSpPr/>
+        <p:nvPr/>
+      </p:nvGrpSpPr>
+      <p:grpSpPr>
+        <a:xfrm>
+          <a:off x="0" y="0"/>
+          <a:ext cx="0" cy="0"/>
+          <a:chOff x="0" y="0"/>
+          <a:chExt cx="0" cy="0"/>
+        </a:xfrm>
+      </p:grpSpPr>
+      <p:sp>
+        <p:nvSpPr>
+          <p:cNvPr id="2" name="Slide Image Placeholder 1"/>
+          <p:cNvSpPr>
+            <a:spLocks noGrp="1" noRot="1" noChangeAspect="1"/>
+          </p:cNvSpPr>
+          <p:nvPr>
+            <p:ph type="sldImg"/>
+          </p:nvPr>
+        </p:nvSpPr>
+        <p:spPr/>
+      </p:sp>
+      <p:sp>
+        <p:nvSpPr>
+          <p:cNvPr id="3" name="Notes Placeholder 2"/>
+          <p:cNvSpPr>
+            <a:spLocks noGrp="1"/>
+          </p:cNvSpPr>
+          <p:nvPr>
+            <p:ph type="body" idx="1"/>
+          </p:nvPr>
+        </p:nvSpPr>
+        <p:spPr/>
+        <p:txBody>
+          <a:bodyPr/>
+          <a:lstStyle/>
+          <a:p>
+            <a:r>
+              <a:rPr lang="en-US" dirty="0" smtClean="0"/>
+              <a:t>For sure it comes after structural prediction</a:t>
+            </a:r>
+            <a:r>
+              <a:rPr lang="en-US" baseline="0" dirty="0" smtClean="0"/>
+              <a:t> !</a:t>
+            </a:r>
+            <a:endParaRPr lang="en-US" dirty="0"/>
+          </a:p>
+        </p:txBody>
+      </p:sp>
+      <p:sp>
+        <p:nvSpPr>
+          <p:cNvPr id="4" name="Slide Number Placeholder 3"/>
+          <p:cNvSpPr>
+            <a:spLocks noGrp="1"/>
+          </p:cNvSpPr>
+          <p:nvPr>
+            <p:ph type="sldNum" sz="quarter" idx="10"/>
+          </p:nvPr>
+        </p:nvSpPr>
+        <p:spPr/>
+        <p:txBody>
+          <a:bodyPr/>
+          <a:lstStyle/>
+          <a:p>
+            <a:fld id="{A65CA977-378C-7A4F-82E7-A7FDDEA8FC50}" type="slidenum">
+              <a:rPr lang="en-US" smtClean="0"/>
+              <a:t>36</a:t>
             </a:fld>
             <a:endParaRPr lang="en-US"/>
           </a:p>
@@ -4294,9 +4401,34 @@
             </a:r>
           </a:p>
           <a:p>
+            <a:pPr marL="0" marR="0" indent="0" algn="l" defTabSz="457200" rtl="0" eaLnBrk="1" fontAlgn="auto" latinLnBrk="0" hangingPunct="1">
+              <a:lnSpc>
+                <a:spcPct val="100000"/>
+              </a:lnSpc>
+              <a:spcBef>
+                <a:spcPts val="0"/>
+              </a:spcBef>
+              <a:spcAft>
+                <a:spcPts val="0"/>
+              </a:spcAft>
+              <a:buClrTx/>
+              <a:buSzTx/>
+              <a:buFontTx/>
+              <a:buNone/>
+              <a:tabLst/>
+              <a:defRPr/>
+            </a:pPr>
             <a:r>
               <a:rPr lang="en-US" dirty="0" smtClean="0"/>
-              <a:t>Motif = basic</a:t>
+              <a:t>Motif = pattern = regular</a:t>
+            </a:r>
+            <a:r>
+              <a:rPr lang="en-US" baseline="0" dirty="0" smtClean="0"/>
+              <a:t> expression: </a:t>
+            </a:r>
+            <a:r>
+              <a:rPr lang="en-US" dirty="0" smtClean="0"/>
+              <a:t> basic</a:t>
             </a:r>
             <a:r>
               <a:rPr lang="en-US" baseline="0" dirty="0" smtClean="0"/>
@@ -4404,19 +4536,22 @@
               <a:defRPr/>
             </a:pPr>
             <a:r>
+              <a:rPr lang="en-US" dirty="0" smtClean="0">
+                <a:latin typeface="Calibri" charset="0"/>
+                <a:ea typeface="MS PGothic" charset="0"/>
+              </a:rPr>
+              <a:t>Clustering =&gt; How choose the representative in the cluster ? Need to prioritize … by organism model as example.</a:t>
+            </a:r>
+          </a:p>
+          <a:p>
+            <a:r>
               <a:rPr lang="en-US" dirty="0" smtClean="0"/>
-              <a:t>other global structure-comparison methods (for example, DALI, </a:t>
-            </a:r>
-            <a:r>
-              <a:rPr lang="en-US" dirty="0" err="1" smtClean="0"/>
-              <a:t>MSDFold</a:t>
-            </a:r>
-            <a:r>
-              <a:rPr lang="en-US" dirty="0" smtClean="0"/>
-              <a:t>, VAST, CE, STRUCTAL and FATCAT]) can identify structural neighbors in the Protein Data Bank (PDB).</a:t>
-            </a:r>
-          </a:p>
-          <a:p>
+              <a:t>Motif = basic</a:t>
+            </a:r>
+            <a:r>
+              <a:rPr lang="en-US" baseline="0" dirty="0" smtClean="0"/>
+              <a:t> because there is no weight for each position.</a:t>
+            </a:r>
             <a:endParaRPr lang="en-US" dirty="0"/>
           </a:p>
         </p:txBody>
@@ -4447,7 +4582,7 @@
     </p:spTree>
     <p:extLst>
       <p:ext uri="{BB962C8B-B14F-4D97-AF65-F5344CB8AC3E}">
-        <p14:creationId xmlns:p14="http://schemas.microsoft.com/office/powerpoint/2010/main" val="2420973027"/>
+        <p14:creationId xmlns:p14="http://schemas.microsoft.com/office/powerpoint/2010/main" val="3190066394"/>
       </p:ext>
     </p:extLst>
   </p:cSld>
@@ -4519,38 +4654,16 @@
               <a:defRPr/>
             </a:pPr>
             <a:r>
-              <a:rPr lang="en-US" dirty="0" smtClean="0">
-                <a:solidFill>
-                  <a:srgbClr val="000000"/>
-                </a:solidFill>
-              </a:rPr>
-              <a:t>A notable challenge is deciphering the connection between the detected similarities (structural or in sequence) and the actual level of functional relatedness.</a:t>
-            </a:r>
-          </a:p>
-          <a:p>
-            <a:pPr marL="0" marR="0" indent="0" algn="l" defTabSz="457200" rtl="0" eaLnBrk="1" fontAlgn="auto" latinLnBrk="0" hangingPunct="1">
-              <a:lnSpc>
-                <a:spcPct val="100000"/>
-              </a:lnSpc>
-              <a:spcBef>
-                <a:spcPts val="0"/>
-              </a:spcBef>
-              <a:spcAft>
-                <a:spcPts val="0"/>
-              </a:spcAft>
-              <a:buClrTx/>
-              <a:buSzTx/>
-              <a:buFontTx/>
-              <a:buNone/>
-              <a:tabLst/>
-              <a:defRPr/>
-            </a:pPr>
-            <a:r>
-              <a:rPr lang="en-US" dirty="0" smtClean="0">
-                <a:latin typeface="Calibri" charset="0"/>
-                <a:ea typeface="MS PGothic" charset="0"/>
-              </a:rPr>
-              <a:t>The last question is a general question in functional annotation.</a:t>
+              <a:rPr lang="en-US" dirty="0" smtClean="0"/>
+              <a:t>other global structure-comparison methods (for example, DALI, </a:t>
+            </a:r>
+            <a:r>
+              <a:rPr lang="en-US" dirty="0" err="1" smtClean="0"/>
+              <a:t>MSDFold</a:t>
+            </a:r>
+            <a:r>
+              <a:rPr lang="en-US" dirty="0" smtClean="0"/>
+              <a:t>, VAST, CE, STRUCTAL and FATCAT]) can identify structural neighbors in the Protein Data Bank (PDB).</a:t>
             </a:r>
           </a:p>
           <a:p>
@@ -4584,7 +4697,7 @@
     </p:spTree>
     <p:extLst>
       <p:ext uri="{BB962C8B-B14F-4D97-AF65-F5344CB8AC3E}">
-        <p14:creationId xmlns:p14="http://schemas.microsoft.com/office/powerpoint/2010/main" val="408364292"/>
+        <p14:creationId xmlns:p14="http://schemas.microsoft.com/office/powerpoint/2010/main" val="2420973027"/>
       </p:ext>
     </p:extLst>
   </p:cSld>
@@ -4638,7 +4751,60 @@
           <a:bodyPr/>
           <a:lstStyle/>
           <a:p>
-            <a:endParaRPr lang="en-US"/>
+            <a:pPr marL="0" marR="0" indent="0" algn="l" defTabSz="457200" rtl="0" eaLnBrk="1" fontAlgn="auto" latinLnBrk="0" hangingPunct="1">
+              <a:lnSpc>
+                <a:spcPct val="100000"/>
+              </a:lnSpc>
+              <a:spcBef>
+                <a:spcPts val="0"/>
+              </a:spcBef>
+              <a:spcAft>
+                <a:spcPts val="0"/>
+              </a:spcAft>
+              <a:buClrTx/>
+              <a:buSzTx/>
+              <a:buFontTx/>
+              <a:buNone/>
+              <a:tabLst/>
+              <a:defRPr/>
+            </a:pPr>
+            <a:r>
+              <a:rPr lang="en-US" dirty="0" smtClean="0">
+                <a:solidFill>
+                  <a:srgbClr val="000000"/>
+                </a:solidFill>
+              </a:rPr>
+              <a:t>A notable challenge is deciphering the connection between the detected similarities (structural or in sequence) and the actual level of functional relatedness.</a:t>
+            </a:r>
+          </a:p>
+          <a:p>
+            <a:pPr marL="0" marR="0" indent="0" algn="l" defTabSz="457200" rtl="0" eaLnBrk="1" fontAlgn="auto" latinLnBrk="0" hangingPunct="1">
+              <a:lnSpc>
+                <a:spcPct val="100000"/>
+              </a:lnSpc>
+              <a:spcBef>
+                <a:spcPts val="0"/>
+              </a:spcBef>
+              <a:spcAft>
+                <a:spcPts val="0"/>
+              </a:spcAft>
+              <a:buClrTx/>
+              <a:buSzTx/>
+              <a:buFontTx/>
+              <a:buNone/>
+              <a:tabLst/>
+              <a:defRPr/>
+            </a:pPr>
+            <a:r>
+              <a:rPr lang="en-US" dirty="0" smtClean="0">
+                <a:latin typeface="Calibri" charset="0"/>
+                <a:ea typeface="MS PGothic" charset="0"/>
+              </a:rPr>
+              <a:t>The last question is a general question in functional annotation.</a:t>
+            </a:r>
+          </a:p>
+          <a:p>
+            <a:endParaRPr lang="en-US" dirty="0"/>
           </a:p>
         </p:txBody>
       </p:sp>
@@ -4668,7 +4834,7 @@
     </p:spTree>
     <p:extLst>
       <p:ext uri="{BB962C8B-B14F-4D97-AF65-F5344CB8AC3E}">
-        <p14:creationId xmlns:p14="http://schemas.microsoft.com/office/powerpoint/2010/main" val="2469893007"/>
+        <p14:creationId xmlns:p14="http://schemas.microsoft.com/office/powerpoint/2010/main" val="408364292"/>
       </p:ext>
     </p:extLst>
   </p:cSld>
@@ -4752,7 +4918,7 @@
     </p:spTree>
     <p:extLst>
       <p:ext uri="{BB962C8B-B14F-4D97-AF65-F5344CB8AC3E}">
-        <p14:creationId xmlns:p14="http://schemas.microsoft.com/office/powerpoint/2010/main" val="2480499874"/>
+        <p14:creationId xmlns:p14="http://schemas.microsoft.com/office/powerpoint/2010/main" val="2469893007"/>
       </p:ext>
     </p:extLst>
   </p:cSld>
@@ -4946,7 +5112,7 @@
           <a:p>
             <a:fld id="{3F399E3B-73AE-4B4C-82C7-F9AF3F7AF108}" type="datetimeFigureOut">
               <a:rPr lang="en-US" smtClean="0"/>
-              <a:t>18-02-28</a:t>
+              <a:t>18-03-03</a:t>
             </a:fld>
             <a:endParaRPr lang="en-US"/>
           </a:p>
@@ -5132,7 +5298,7 @@
           <a:p>
             <a:fld id="{3F399E3B-73AE-4B4C-82C7-F9AF3F7AF108}" type="datetimeFigureOut">
               <a:rPr lang="en-US" smtClean="0"/>
-              <a:t>18-02-28</a:t>
+              <a:t>18-03-03</a:t>
             </a:fld>
             <a:endParaRPr lang="en-US"/>
           </a:p>
@@ -5323,7 +5489,7 @@
           <a:p>
             <a:fld id="{3F399E3B-73AE-4B4C-82C7-F9AF3F7AF108}" type="datetimeFigureOut">
               <a:rPr lang="en-US" smtClean="0"/>
-              <a:t>18-02-28</a:t>
+              <a:t>18-03-03</a:t>
             </a:fld>
             <a:endParaRPr lang="en-US"/>
           </a:p>
@@ -5426,7 +5592,7 @@
           <a:p>
             <a:fld id="{3F399E3B-73AE-4B4C-82C7-F9AF3F7AF108}" type="datetimeFigureOut">
               <a:rPr lang="en-US" smtClean="0"/>
-              <a:t>18-02-28</a:t>
+              <a:t>18-03-03</a:t>
             </a:fld>
             <a:endParaRPr lang="en-US"/>
           </a:p>
@@ -5646,7 +5812,7 @@
           <a:p>
             <a:fld id="{3F399E3B-73AE-4B4C-82C7-F9AF3F7AF108}" type="datetimeFigureOut">
               <a:rPr lang="en-US" smtClean="0"/>
-              <a:t>18-02-28</a:t>
+              <a:t>18-03-03</a:t>
             </a:fld>
             <a:endParaRPr lang="en-US"/>
           </a:p>
@@ -6059,7 +6225,7 @@
           <a:p>
             <a:fld id="{3F399E3B-73AE-4B4C-82C7-F9AF3F7AF108}" type="datetimeFigureOut">
               <a:rPr lang="en-US" smtClean="0"/>
-              <a:t>18-02-28</a:t>
+              <a:t>18-03-03</a:t>
             </a:fld>
             <a:endParaRPr lang="en-US"/>
           </a:p>
@@ -6281,7 +6447,7 @@
           <a:p>
             <a:fld id="{3F399E3B-73AE-4B4C-82C7-F9AF3F7AF108}" type="datetimeFigureOut">
               <a:rPr lang="en-US" smtClean="0"/>
-              <a:t>18-02-28</a:t>
+              <a:t>18-03-03</a:t>
             </a:fld>
             <a:endParaRPr lang="en-US"/>
           </a:p>
@@ -6538,7 +6704,7 @@
           <a:p>
             <a:fld id="{3F399E3B-73AE-4B4C-82C7-F9AF3F7AF108}" type="datetimeFigureOut">
               <a:rPr lang="en-US" smtClean="0"/>
-              <a:t>18-02-28</a:t>
+              <a:t>18-03-03</a:t>
             </a:fld>
             <a:endParaRPr lang="en-US"/>
           </a:p>
@@ -6842,7 +7008,7 @@
           <a:p>
             <a:fld id="{3F399E3B-73AE-4B4C-82C7-F9AF3F7AF108}" type="datetimeFigureOut">
               <a:rPr lang="en-US" smtClean="0"/>
-              <a:t>18-02-28</a:t>
+              <a:t>18-03-03</a:t>
             </a:fld>
             <a:endParaRPr lang="en-US"/>
           </a:p>
@@ -7280,7 +7446,7 @@
           <a:p>
             <a:fld id="{3F399E3B-73AE-4B4C-82C7-F9AF3F7AF108}" type="datetimeFigureOut">
               <a:rPr lang="en-US" smtClean="0"/>
-              <a:t>18-02-28</a:t>
+              <a:t>18-03-03</a:t>
             </a:fld>
             <a:endParaRPr lang="en-US"/>
           </a:p>
@@ -7414,7 +7580,7 @@
           <a:p>
             <a:fld id="{3F399E3B-73AE-4B4C-82C7-F9AF3F7AF108}" type="datetimeFigureOut">
               <a:rPr lang="en-US" smtClean="0"/>
-              <a:t>18-02-28</a:t>
+              <a:t>18-03-03</a:t>
             </a:fld>
             <a:endParaRPr lang="en-US"/>
           </a:p>
@@ -7600,7 +7766,7 @@
           <a:p>
             <a:fld id="{3F399E3B-73AE-4B4C-82C7-F9AF3F7AF108}" type="datetimeFigureOut">
               <a:rPr lang="en-US" smtClean="0"/>
-              <a:t>18-02-28</a:t>
+              <a:t>18-03-03</a:t>
             </a:fld>
             <a:endParaRPr lang="en-US"/>
           </a:p>
@@ -7703,7 +7869,7 @@
           <a:p>
             <a:fld id="{3F399E3B-73AE-4B4C-82C7-F9AF3F7AF108}" type="datetimeFigureOut">
               <a:rPr lang="en-US" smtClean="0"/>
-              <a:t>18-02-28</a:t>
+              <a:t>18-03-03</a:t>
             </a:fld>
             <a:endParaRPr lang="en-US"/>
           </a:p>
@@ -7991,7 +8157,7 @@
           <a:p>
             <a:fld id="{3F399E3B-73AE-4B4C-82C7-F9AF3F7AF108}" type="datetimeFigureOut">
               <a:rPr lang="en-US" smtClean="0"/>
-              <a:t>18-02-28</a:t>
+              <a:t>18-03-03</a:t>
             </a:fld>
             <a:endParaRPr lang="en-US"/>
           </a:p>
@@ -8259,7 +8425,7 @@
           <a:p>
             <a:fld id="{3F399E3B-73AE-4B4C-82C7-F9AF3F7AF108}" type="datetimeFigureOut">
               <a:rPr lang="en-US" smtClean="0"/>
-              <a:t>18-02-28</a:t>
+              <a:t>18-03-03</a:t>
             </a:fld>
             <a:endParaRPr lang="en-US"/>
           </a:p>
@@ -8445,7 +8611,7 @@
           <a:p>
             <a:fld id="{3F399E3B-73AE-4B4C-82C7-F9AF3F7AF108}" type="datetimeFigureOut">
               <a:rPr lang="en-US" smtClean="0"/>
-              <a:t>18-02-28</a:t>
+              <a:t>18-03-03</a:t>
             </a:fld>
             <a:endParaRPr lang="en-US"/>
           </a:p>
@@ -8636,7 +8802,7 @@
           <a:p>
             <a:fld id="{3F399E3B-73AE-4B4C-82C7-F9AF3F7AF108}" type="datetimeFigureOut">
               <a:rPr lang="en-US" smtClean="0"/>
-              <a:t>18-02-28</a:t>
+              <a:t>18-03-03</a:t>
             </a:fld>
             <a:endParaRPr lang="en-US"/>
           </a:p>
@@ -8739,7 +8905,7 @@
           <a:p>
             <a:fld id="{3F399E3B-73AE-4B4C-82C7-F9AF3F7AF108}" type="datetimeFigureOut">
               <a:rPr lang="en-US" smtClean="0"/>
-              <a:t>18-02-28</a:t>
+              <a:t>18-03-03</a:t>
             </a:fld>
             <a:endParaRPr lang="en-US"/>
           </a:p>
@@ -8959,7 +9125,7 @@
           <a:p>
             <a:fld id="{3F399E3B-73AE-4B4C-82C7-F9AF3F7AF108}" type="datetimeFigureOut">
               <a:rPr lang="en-US" smtClean="0"/>
-              <a:t>18-02-28</a:t>
+              <a:t>18-03-03</a:t>
             </a:fld>
             <a:endParaRPr lang="en-US"/>
           </a:p>
@@ -9376,7 +9542,7 @@
           <a:p>
             <a:fld id="{3F399E3B-73AE-4B4C-82C7-F9AF3F7AF108}" type="datetimeFigureOut">
               <a:rPr lang="en-US" smtClean="0"/>
-              <a:t>18-02-28</a:t>
+              <a:t>18-03-03</a:t>
             </a:fld>
             <a:endParaRPr lang="en-US"/>
           </a:p>
@@ -9680,7 +9846,7 @@
           <a:p>
             <a:fld id="{3F399E3B-73AE-4B4C-82C7-F9AF3F7AF108}" type="datetimeFigureOut">
               <a:rPr lang="en-US" smtClean="0"/>
-              <a:t>18-02-28</a:t>
+              <a:t>18-03-03</a:t>
             </a:fld>
             <a:endParaRPr lang="en-US"/>
           </a:p>
@@ -10118,7 +10284,7 @@
           <a:p>
             <a:fld id="{3F399E3B-73AE-4B4C-82C7-F9AF3F7AF108}" type="datetimeFigureOut">
               <a:rPr lang="en-US" smtClean="0"/>
-              <a:t>18-02-28</a:t>
+              <a:t>18-03-03</a:t>
             </a:fld>
             <a:endParaRPr lang="en-US"/>
           </a:p>
@@ -10252,7 +10418,7 @@
           <a:p>
             <a:fld id="{3F399E3B-73AE-4B4C-82C7-F9AF3F7AF108}" type="datetimeFigureOut">
               <a:rPr lang="en-US" smtClean="0"/>
-              <a:t>18-02-28</a:t>
+              <a:t>18-03-03</a:t>
             </a:fld>
             <a:endParaRPr lang="en-US"/>
           </a:p>
@@ -10355,7 +10521,7 @@
           <a:p>
             <a:fld id="{3F399E3B-73AE-4B4C-82C7-F9AF3F7AF108}" type="datetimeFigureOut">
               <a:rPr lang="en-US" smtClean="0"/>
-              <a:t>18-02-28</a:t>
+              <a:t>18-03-03</a:t>
             </a:fld>
             <a:endParaRPr lang="en-US"/>
           </a:p>
@@ -10643,7 +10809,7 @@
           <a:p>
             <a:fld id="{3F399E3B-73AE-4B4C-82C7-F9AF3F7AF108}" type="datetimeFigureOut">
               <a:rPr lang="en-US" smtClean="0"/>
-              <a:t>18-02-28</a:t>
+              <a:t>18-03-03</a:t>
             </a:fld>
             <a:endParaRPr lang="en-US"/>
           </a:p>
@@ -10911,7 +11077,7 @@
           <a:p>
             <a:fld id="{3F399E3B-73AE-4B4C-82C7-F9AF3F7AF108}" type="datetimeFigureOut">
               <a:rPr lang="en-US" smtClean="0"/>
-              <a:t>18-02-28</a:t>
+              <a:t>18-03-03</a:t>
             </a:fld>
             <a:endParaRPr lang="en-US"/>
           </a:p>
@@ -11099,7 +11265,7 @@
           <a:p>
             <a:fld id="{3F399E3B-73AE-4B4C-82C7-F9AF3F7AF108}" type="datetimeFigureOut">
               <a:rPr lang="en-US" smtClean="0"/>
-              <a:t>18-02-28</a:t>
+              <a:t>18-03-03</a:t>
             </a:fld>
             <a:endParaRPr lang="en-US"/>
           </a:p>
@@ -12047,7 +12213,7 @@
           <a:p>
             <a:fld id="{3F399E3B-73AE-4B4C-82C7-F9AF3F7AF108}" type="datetimeFigureOut">
               <a:rPr lang="en-US" smtClean="0"/>
-              <a:t>18-02-28</a:t>
+              <a:t>18-03-03</a:t>
             </a:fld>
             <a:endParaRPr lang="en-US"/>
           </a:p>
@@ -13257,126 +13423,7 @@
       </p:grpSpPr>
       <p:sp>
         <p:nvSpPr>
-          <p:cNvPr id="3" name="Content Placeholder 2"/>
-          <p:cNvSpPr>
-            <a:spLocks noGrp="1"/>
-          </p:cNvSpPr>
-          <p:nvPr>
-            <p:ph idx="1"/>
-          </p:nvPr>
-        </p:nvSpPr>
-        <p:spPr/>
-        <p:txBody>
-          <a:bodyPr>
-            <a:normAutofit/>
-          </a:bodyPr>
-          <a:lstStyle/>
-          <a:p>
-            <a:r>
-              <a:rPr lang="en-US" sz="2400" dirty="0" smtClean="0">
-                <a:latin typeface="Calibri" charset="0"/>
-                <a:ea typeface="MS PGothic" charset="0"/>
-                <a:cs typeface="MS PGothic" charset="0"/>
-              </a:rPr>
-              <a:t>First you need the sequences</a:t>
-            </a:r>
-          </a:p>
-          <a:p>
-            <a:endParaRPr lang="en-US" sz="2400" dirty="0" smtClean="0">
-              <a:latin typeface="Calibri" charset="0"/>
-              <a:ea typeface="MS PGothic" charset="0"/>
-              <a:cs typeface="MS PGothic" charset="0"/>
-            </a:endParaRPr>
-          </a:p>
-          <a:p>
-            <a:pPr lvl="1"/>
-            <a:r>
-              <a:rPr lang="en-US" sz="2000" dirty="0" smtClean="0"/>
-              <a:t>Extract sequences from the browser (</a:t>
-            </a:r>
-            <a:r>
-              <a:rPr lang="en-US" sz="2000" dirty="0" err="1" smtClean="0"/>
-              <a:t>Webapollo</a:t>
-            </a:r>
-            <a:r>
-              <a:rPr lang="en-US" sz="2000" dirty="0" smtClean="0"/>
-              <a:t>)</a:t>
-            </a:r>
-          </a:p>
-          <a:p>
-            <a:pPr lvl="1"/>
-            <a:endParaRPr lang="en-US" sz="2000" dirty="0" smtClean="0"/>
-          </a:p>
-          <a:p>
-            <a:pPr lvl="1"/>
-            <a:r>
-              <a:rPr lang="en-US" sz="2000" dirty="0" smtClean="0"/>
-              <a:t>GFF3 =&gt; </a:t>
-            </a:r>
-            <a:r>
-              <a:rPr lang="en-US" sz="2000" dirty="0" err="1" smtClean="0"/>
-              <a:t>fasta</a:t>
-            </a:r>
-            <a:r>
-              <a:rPr lang="en-US" sz="2000" dirty="0" smtClean="0"/>
-              <a:t> : Use </a:t>
-            </a:r>
-            <a:r>
-              <a:rPr lang="en-US" sz="2000" dirty="0" err="1" smtClean="0"/>
-              <a:t>gffread</a:t>
-            </a:r>
-            <a:r>
-              <a:rPr lang="en-US" sz="2000" dirty="0" smtClean="0"/>
-              <a:t> (in Cufflinks package)</a:t>
-            </a:r>
-          </a:p>
-          <a:p>
-            <a:pPr lvl="1"/>
-            <a:endParaRPr lang="en-US" sz="2000" dirty="0" smtClean="0"/>
-          </a:p>
-          <a:p>
-            <a:pPr lvl="1"/>
-            <a:r>
-              <a:rPr lang="en-US" sz="2000" dirty="0" err="1" smtClean="0"/>
-              <a:t>Fasta</a:t>
-            </a:r>
-            <a:r>
-              <a:rPr lang="en-US" sz="2000" dirty="0" smtClean="0"/>
-              <a:t>  available (</a:t>
-            </a:r>
-            <a:r>
-              <a:rPr lang="en-US" sz="2000" dirty="0" err="1" smtClean="0"/>
-              <a:t>Biomart</a:t>
-            </a:r>
-            <a:r>
-              <a:rPr lang="en-US" sz="2000" dirty="0" smtClean="0"/>
-              <a:t>, FTP, output of annotation tools)</a:t>
-            </a:r>
-          </a:p>
-          <a:p>
-            <a:pPr lvl="1"/>
-            <a:endParaRPr lang="en-US" sz="2000" dirty="0" smtClean="0"/>
-          </a:p>
-          <a:p>
-            <a:pPr lvl="1"/>
-            <a:r>
-              <a:rPr lang="en-US" sz="2000" dirty="0" smtClean="0"/>
-              <a:t>If CDS=&gt; translate in AA : Use </a:t>
-            </a:r>
-            <a:r>
-              <a:rPr lang="en-US" sz="2000" dirty="0" err="1" smtClean="0"/>
-              <a:t>gffread</a:t>
-            </a:r>
-            <a:r>
-              <a:rPr lang="en-US" sz="2000" dirty="0" smtClean="0"/>
-              <a:t> (in Cufflinks package)</a:t>
-            </a:r>
-          </a:p>
-        </p:txBody>
-      </p:sp>
-      <p:sp>
-        <p:nvSpPr>
-          <p:cNvPr id="12" name="Title 1"/>
+          <p:cNvPr id="2" name="Title 1"/>
           <p:cNvSpPr>
             <a:spLocks noGrp="1"/>
           </p:cNvSpPr>
@@ -13391,20 +13438,65 @@
           <a:p>
             <a:r>
               <a:rPr lang="en-US" dirty="0"/>
-              <a:t>Functional annotation – </a:t>
-            </a:r>
-            <a:r>
-              <a:rPr lang="en-US" dirty="0" smtClean="0"/>
-              <a:t>HOW?</a:t>
-            </a:r>
-            <a:endParaRPr lang="en-US" dirty="0"/>
+              <a:t>Functional annotation – HOW?</a:t>
+            </a:r>
+          </a:p>
+        </p:txBody>
+      </p:sp>
+      <p:sp>
+        <p:nvSpPr>
+          <p:cNvPr id="5" name="Rounded Rectangle 4"/>
+          <p:cNvSpPr/>
+          <p:nvPr/>
+        </p:nvSpPr>
+        <p:spPr>
+          <a:xfrm>
+            <a:off x="3202685" y="1676400"/>
+            <a:ext cx="2723358" cy="1229410"/>
+          </a:xfrm>
+          <a:prstGeom prst="roundRect">
+            <a:avLst/>
+          </a:prstGeom>
+          <a:solidFill>
+            <a:schemeClr val="accent3"/>
+          </a:solidFill>
+          <a:ln>
+            <a:solidFill>
+              <a:schemeClr val="accent3"/>
+            </a:solidFill>
+          </a:ln>
+        </p:spPr>
+        <p:style>
+          <a:lnRef idx="1">
+            <a:schemeClr val="accent1"/>
+          </a:lnRef>
+          <a:fillRef idx="3">
+            <a:schemeClr val="accent1"/>
+          </a:fillRef>
+          <a:effectRef idx="2">
+            <a:schemeClr val="accent1"/>
+          </a:effectRef>
+          <a:fontRef idx="minor">
+            <a:schemeClr val="lt1"/>
+          </a:fontRef>
+        </p:style>
+        <p:txBody>
+          <a:bodyPr rtlCol="0" anchor="ctr"/>
+          <a:lstStyle/>
+          <a:p>
+            <a:pPr algn="ctr"/>
+            <a:r>
+              <a:rPr lang="en-US" sz="2800" dirty="0" smtClean="0"/>
+              <a:t>Get sequences</a:t>
+            </a:r>
+            <a:endParaRPr lang="en-US" sz="2800" dirty="0"/>
           </a:p>
         </p:txBody>
       </p:sp>
     </p:spTree>
     <p:extLst>
       <p:ext uri="{BB962C8B-B14F-4D97-AF65-F5344CB8AC3E}">
-        <p14:creationId xmlns:p14="http://schemas.microsoft.com/office/powerpoint/2010/main" val="1266569717"/>
+        <p14:creationId xmlns:p14="http://schemas.microsoft.com/office/powerpoint/2010/main" val="819751905"/>
       </p:ext>
     </p:extLst>
   </p:cSld>
@@ -13440,6 +13532,175 @@
       </p:grpSpPr>
       <p:sp>
         <p:nvSpPr>
+          <p:cNvPr id="3" name="Content Placeholder 2"/>
+          <p:cNvSpPr>
+            <a:spLocks noGrp="1"/>
+          </p:cNvSpPr>
+          <p:nvPr>
+            <p:ph idx="1"/>
+          </p:nvPr>
+        </p:nvSpPr>
+        <p:spPr/>
+        <p:txBody>
+          <a:bodyPr>
+            <a:normAutofit/>
+          </a:bodyPr>
+          <a:lstStyle/>
+          <a:p>
+            <a:r>
+              <a:rPr lang="en-US" sz="2400" dirty="0" smtClean="0">
+                <a:latin typeface="Calibri" charset="0"/>
+                <a:ea typeface="MS PGothic" charset="0"/>
+                <a:cs typeface="MS PGothic" charset="0"/>
+              </a:rPr>
+              <a:t>First you need the sequences</a:t>
+            </a:r>
+          </a:p>
+          <a:p>
+            <a:endParaRPr lang="en-US" sz="2400" dirty="0" smtClean="0">
+              <a:latin typeface="Calibri" charset="0"/>
+              <a:ea typeface="MS PGothic" charset="0"/>
+              <a:cs typeface="MS PGothic" charset="0"/>
+            </a:endParaRPr>
+          </a:p>
+          <a:p>
+            <a:pPr lvl="1"/>
+            <a:r>
+              <a:rPr lang="en-US" sz="2000" dirty="0" smtClean="0"/>
+              <a:t>Extract sequences from the browser (</a:t>
+            </a:r>
+            <a:r>
+              <a:rPr lang="en-US" sz="2000" dirty="0" err="1" smtClean="0"/>
+              <a:t>Webapollo</a:t>
+            </a:r>
+            <a:r>
+              <a:rPr lang="en-US" sz="2000" dirty="0" smtClean="0"/>
+              <a:t>)</a:t>
+            </a:r>
+          </a:p>
+          <a:p>
+            <a:pPr lvl="1"/>
+            <a:endParaRPr lang="en-US" sz="2000" dirty="0" smtClean="0"/>
+          </a:p>
+          <a:p>
+            <a:pPr lvl="1"/>
+            <a:r>
+              <a:rPr lang="en-US" sz="2000" dirty="0" smtClean="0"/>
+              <a:t>GFF3 =&gt; </a:t>
+            </a:r>
+            <a:r>
+              <a:rPr lang="en-US" sz="2000" dirty="0" err="1" smtClean="0"/>
+              <a:t>fasta</a:t>
+            </a:r>
+            <a:r>
+              <a:rPr lang="en-US" sz="2000" dirty="0" smtClean="0"/>
+              <a:t> </a:t>
+            </a:r>
+          </a:p>
+          <a:p>
+            <a:pPr marL="457200" lvl="1" indent="0">
+              <a:buNone/>
+            </a:pPr>
+            <a:endParaRPr lang="en-US" sz="2000" dirty="0" smtClean="0"/>
+          </a:p>
+          <a:p>
+            <a:pPr lvl="1"/>
+            <a:r>
+              <a:rPr lang="en-US" sz="2000" dirty="0" err="1" smtClean="0"/>
+              <a:t>Fasta</a:t>
+            </a:r>
+            <a:r>
+              <a:rPr lang="en-US" sz="2000" dirty="0" smtClean="0"/>
+              <a:t>  available (</a:t>
+            </a:r>
+            <a:r>
+              <a:rPr lang="en-US" sz="2000" dirty="0" err="1" smtClean="0"/>
+              <a:t>Biomart</a:t>
+            </a:r>
+            <a:r>
+              <a:rPr lang="en-US" sz="2000" dirty="0" smtClean="0"/>
+              <a:t>, FTP, output of annotation tools)</a:t>
+            </a:r>
+          </a:p>
+          <a:p>
+            <a:pPr lvl="1"/>
+            <a:endParaRPr lang="en-US" sz="2000" dirty="0" smtClean="0"/>
+          </a:p>
+          <a:p>
+            <a:pPr lvl="1"/>
+            <a:r>
+              <a:rPr lang="en-US" sz="2000" dirty="0" smtClean="0"/>
+              <a:t>If CDS=&gt; translate in AA </a:t>
+            </a:r>
+          </a:p>
+        </p:txBody>
+      </p:sp>
+      <p:sp>
+        <p:nvSpPr>
+          <p:cNvPr id="12" name="Title 1"/>
+          <p:cNvSpPr>
+            <a:spLocks noGrp="1"/>
+          </p:cNvSpPr>
+          <p:nvPr>
+            <p:ph type="title"/>
+          </p:nvPr>
+        </p:nvSpPr>
+        <p:spPr/>
+        <p:txBody>
+          <a:bodyPr/>
+          <a:lstStyle/>
+          <a:p>
+            <a:r>
+              <a:rPr lang="en-US" dirty="0"/>
+              <a:t>Functional annotation – </a:t>
+            </a:r>
+            <a:r>
+              <a:rPr lang="en-US" dirty="0" smtClean="0"/>
+              <a:t>HOW?</a:t>
+            </a:r>
+            <a:endParaRPr lang="en-US" dirty="0"/>
+          </a:p>
+        </p:txBody>
+      </p:sp>
+    </p:spTree>
+    <p:extLst>
+      <p:ext uri="{BB962C8B-B14F-4D97-AF65-F5344CB8AC3E}">
+        <p14:creationId xmlns:p14="http://schemas.microsoft.com/office/powerpoint/2010/main" val="1266569717"/>
+      </p:ext>
+    </p:extLst>
+  </p:cSld>
+  <p:clrMapOvr>
+    <a:masterClrMapping/>
+  </p:clrMapOvr>
+  <p:timing>
+    <p:tnLst>
+      <p:par>
+        <p:cTn xmlns:p14="http://schemas.microsoft.com/office/powerpoint/2010/main" id="1" dur="indefinite" restart="never" nodeType="tmRoot"/>
+      </p:par>
+    </p:tnLst>
+  </p:timing>
+</p:sld>
+</file>
+
+<file path=ppt/slides/slide12.xml><?xml version="1.0" encoding="utf-8"?>
+<p:sld xmlns:a="http://schemas.openxmlformats.org/drawingml/2006/main" xmlns:r="http://schemas.openxmlformats.org/officeDocument/2006/relationships" xmlns:p="http://schemas.openxmlformats.org/presentationml/2006/main">
+  <p:cSld>
+    <p:spTree>
+      <p:nvGrpSpPr>
+        <p:cNvPr id="1" name=""/>
+        <p:cNvGrpSpPr/>
+        <p:nvPr/>
+      </p:nvGrpSpPr>
+      <p:grpSpPr>
+        <a:xfrm>
+          <a:off x="0" y="0"/>
+          <a:ext cx="0" cy="0"/>
+          <a:chOff x="0" y="0"/>
+          <a:chExt cx="0" cy="0"/>
+        </a:xfrm>
+      </p:grpSpPr>
+      <p:sp>
+        <p:nvSpPr>
           <p:cNvPr id="2" name="Title 1"/>
           <p:cNvSpPr>
             <a:spLocks noGrp="1"/>
@@ -13518,8 +13779,8 @@
         </p:nvSpPr>
         <p:spPr>
           <a:xfrm>
-            <a:off x="211645" y="4003613"/>
-            <a:ext cx="1930133" cy="1752358"/>
+            <a:off x="65977" y="4003613"/>
+            <a:ext cx="2141778" cy="1752358"/>
           </a:xfrm>
           <a:prstGeom prst="roundRect">
             <a:avLst/>
@@ -13554,7 +13815,7 @@
             <a:pPr algn="ctr"/>
             <a:r>
               <a:rPr lang="en-US" sz="2800" dirty="0" smtClean="0"/>
-              <a:t>Search similar function</a:t>
+              <a:t>gene name + description</a:t>
             </a:r>
             <a:endParaRPr lang="en-US" sz="2800" dirty="0"/>
           </a:p>
@@ -13571,8 +13832,8 @@
         </p:nvCxnSpPr>
         <p:spPr>
           <a:xfrm flipH="1">
-            <a:off x="1176712" y="2905810"/>
-            <a:ext cx="3387652" cy="1097803"/>
+            <a:off x="1136866" y="2905810"/>
+            <a:ext cx="3427498" cy="1097803"/>
           </a:xfrm>
           <a:prstGeom prst="straightConnector1">
             <a:avLst/>
@@ -13619,7 +13880,7 @@
 </p:sld>
 </file>
 
-<file path=ppt/slides/slide12.xml><?xml version="1.0" encoding="utf-8"?>
+<file path=ppt/slides/slide13.xml><?xml version="1.0" encoding="utf-8"?>
 <p:sld xmlns:a="http://schemas.openxmlformats.org/drawingml/2006/main" xmlns:r="http://schemas.openxmlformats.org/officeDocument/2006/relationships" xmlns:p="http://schemas.openxmlformats.org/presentationml/2006/main">
   <p:cSld>
     <p:spTree>
@@ -13673,7 +13934,7 @@
         <p:spPr bwMode="auto">
           <a:xfrm>
             <a:off x="0" y="1268413"/>
-            <a:ext cx="6156325" cy="438150"/>
+            <a:ext cx="7059539" cy="438150"/>
           </a:xfrm>
           <a:prstGeom prst="rect">
             <a:avLst/>
@@ -13728,7 +13989,7 @@
                 <a:ea typeface="MS PGothic" charset="0"/>
                 <a:cs typeface="MS PGothic" charset="0"/>
               </a:rPr>
-              <a:t>Annotate the sequences functionally using Blast </a:t>
+              <a:t>Annotate the function of the sequences using Blast:</a:t>
             </a:r>
             <a:endParaRPr lang="en-US" sz="2400" dirty="0">
               <a:latin typeface="Calibri" charset="0"/>
@@ -13747,14 +14008,14 @@
         <p:spPr>
           <a:xfrm>
             <a:off x="395288" y="2038930"/>
-            <a:ext cx="8497887" cy="3693319"/>
+            <a:ext cx="8748712" cy="4154983"/>
           </a:xfrm>
           <a:prstGeom prst="rect">
             <a:avLst/>
           </a:prstGeom>
         </p:spPr>
         <p:txBody>
-          <a:bodyPr>
+          <a:bodyPr wrap="square">
             <a:spAutoFit/>
           </a:bodyPr>
           <a:lstStyle/>
@@ -13765,7 +14026,7 @@
               <a:defRPr/>
             </a:pPr>
             <a:r>
-              <a:rPr lang="sv-SE" dirty="0" smtClean="0">
+              <a:rPr lang="sv-SE" sz="2400" dirty="0" smtClean="0">
                 <a:solidFill>
                   <a:srgbClr val="000000"/>
                 </a:solidFill>
@@ -13773,7 +14034,7 @@
               <a:t>Choice </a:t>
             </a:r>
             <a:r>
-              <a:rPr lang="sv-SE" dirty="0" err="1" smtClean="0">
+              <a:rPr lang="sv-SE" sz="2400" dirty="0" err="1" smtClean="0">
                 <a:solidFill>
                   <a:srgbClr val="000000"/>
                 </a:solidFill>
@@ -13781,7 +14042,7 @@
               <a:t>of</a:t>
             </a:r>
             <a:r>
-              <a:rPr lang="sv-SE" dirty="0" smtClean="0">
+              <a:rPr lang="sv-SE" sz="2400" dirty="0" smtClean="0">
                 <a:solidFill>
                   <a:srgbClr val="000000"/>
                 </a:solidFill>
@@ -13789,7 +14050,7 @@
               <a:t> the DB	</a:t>
             </a:r>
             <a:r>
-              <a:rPr lang="sv-SE" dirty="0" err="1" smtClean="0">
+              <a:rPr lang="sv-SE" sz="2400" dirty="0" err="1" smtClean="0">
                 <a:solidFill>
                   <a:srgbClr val="000000"/>
                 </a:solidFill>
@@ -13797,7 +14058,7 @@
               <a:t>e.g</a:t>
             </a:r>
             <a:r>
-              <a:rPr lang="sv-SE" dirty="0" smtClean="0">
+              <a:rPr lang="sv-SE" sz="2400" dirty="0" smtClean="0">
                 <a:solidFill>
                   <a:srgbClr val="000000"/>
                 </a:solidFill>
@@ -13809,7 +14070,7 @@
             <a:pPr>
               <a:defRPr/>
             </a:pPr>
-            <a:endParaRPr lang="sv-SE" dirty="0" smtClean="0">
+            <a:endParaRPr lang="sv-SE" sz="2400" dirty="0" smtClean="0">
               <a:solidFill>
                 <a:srgbClr val="000000"/>
               </a:solidFill>
@@ -13819,7 +14080,7 @@
             <a:pPr>
               <a:defRPr/>
             </a:pPr>
-            <a:endParaRPr lang="sv-SE" dirty="0" smtClean="0">
+            <a:endParaRPr lang="sv-SE" sz="2400" dirty="0" smtClean="0">
               <a:solidFill>
                 <a:srgbClr val="000000"/>
               </a:solidFill>
@@ -13829,7 +14090,7 @@
             <a:pPr>
               <a:defRPr/>
             </a:pPr>
-            <a:endParaRPr lang="sv-SE" dirty="0" smtClean="0">
+            <a:endParaRPr lang="sv-SE" sz="2400" dirty="0" smtClean="0">
               <a:solidFill>
                 <a:srgbClr val="000000"/>
               </a:solidFill>
@@ -13842,7 +14103,7 @@
               <a:defRPr/>
             </a:pPr>
             <a:r>
-              <a:rPr lang="sv-SE" dirty="0" smtClean="0">
+              <a:rPr lang="sv-SE" sz="2400" dirty="0" smtClean="0">
                 <a:solidFill>
                   <a:srgbClr val="000000"/>
                 </a:solidFill>
@@ -13850,7 +14111,7 @@
               <a:t>Blast the </a:t>
             </a:r>
             <a:r>
-              <a:rPr lang="sv-SE" dirty="0">
+              <a:rPr lang="sv-SE" sz="2400" dirty="0">
                 <a:solidFill>
                   <a:srgbClr val="000000"/>
                 </a:solidFill>
@@ -13858,7 +14119,7 @@
               <a:t>protein-</a:t>
             </a:r>
             <a:r>
-              <a:rPr lang="sv-SE" dirty="0" err="1">
+              <a:rPr lang="sv-SE" sz="2400" dirty="0" err="1">
                 <a:solidFill>
                   <a:srgbClr val="000000"/>
                 </a:solidFill>
@@ -13866,7 +14127,7 @@
               <a:t>sequences</a:t>
             </a:r>
             <a:r>
-              <a:rPr lang="sv-SE" dirty="0">
+              <a:rPr lang="sv-SE" sz="2400" dirty="0">
                 <a:solidFill>
                   <a:srgbClr val="000000"/>
                 </a:solidFill>
@@ -13874,7 +14135,7 @@
               <a:t> </a:t>
             </a:r>
             <a:r>
-              <a:rPr lang="sv-SE" dirty="0" err="1" smtClean="0">
+              <a:rPr lang="sv-SE" sz="2400" dirty="0" err="1" smtClean="0">
                 <a:solidFill>
                   <a:srgbClr val="000000"/>
                 </a:solidFill>
@@ -13882,7 +14143,7 @@
               <a:t>using</a:t>
             </a:r>
             <a:r>
-              <a:rPr lang="sv-SE" dirty="0" smtClean="0">
+              <a:rPr lang="sv-SE" sz="2400" dirty="0" smtClean="0">
                 <a:solidFill>
                   <a:srgbClr val="000000"/>
                 </a:solidFill>
@@ -13890,7 +14151,7 @@
               <a:t> </a:t>
             </a:r>
             <a:r>
-              <a:rPr lang="sv-SE" dirty="0" err="1">
+              <a:rPr lang="sv-SE" sz="2400" dirty="0" err="1">
                 <a:solidFill>
                   <a:srgbClr val="000000"/>
                 </a:solidFill>
@@ -13898,7 +14159,7 @@
               <a:t>blastp</a:t>
             </a:r>
             <a:r>
-              <a:rPr lang="sv-SE" dirty="0">
+              <a:rPr lang="sv-SE" sz="2400" dirty="0">
                 <a:solidFill>
                   <a:srgbClr val="000000"/>
                 </a:solidFill>
@@ -13906,14 +14167,14 @@
               <a:t> from the Blast+ </a:t>
             </a:r>
             <a:r>
-              <a:rPr lang="sv-SE" dirty="0" err="1" smtClean="0">
+              <a:rPr lang="sv-SE" sz="2400" dirty="0" err="1" smtClean="0">
                 <a:solidFill>
                   <a:srgbClr val="000000"/>
                 </a:solidFill>
               </a:rPr>
               <a:t>package</a:t>
             </a:r>
-            <a:endParaRPr lang="sv-SE" dirty="0" smtClean="0">
+            <a:endParaRPr lang="sv-SE" sz="2400" dirty="0" smtClean="0">
               <a:solidFill>
                 <a:srgbClr val="000000"/>
               </a:solidFill>
@@ -13925,7 +14186,7 @@
               <a:buChar char="•"/>
               <a:defRPr/>
             </a:pPr>
-            <a:endParaRPr lang="sv-SE" dirty="0">
+            <a:endParaRPr lang="sv-SE" sz="2400" dirty="0">
               <a:solidFill>
                 <a:srgbClr val="000000"/>
               </a:solidFill>
@@ -13937,7 +14198,7 @@
               <a:buChar char="•"/>
               <a:defRPr/>
             </a:pPr>
-            <a:endParaRPr lang="sv-SE" dirty="0" smtClean="0">
+            <a:endParaRPr lang="sv-SE" sz="2400" dirty="0" smtClean="0">
               <a:solidFill>
                 <a:srgbClr val="000000"/>
               </a:solidFill>
@@ -13947,17 +14208,7 @@
             <a:pPr>
               <a:defRPr/>
             </a:pPr>
-            <a:endParaRPr lang="sv-SE" dirty="0">
-              <a:solidFill>
-                <a:srgbClr val="000000"/>
-              </a:solidFill>
-            </a:endParaRPr>
-          </a:p>
-          <a:p>
-            <a:pPr>
-              <a:defRPr/>
-            </a:pPr>
-            <a:endParaRPr lang="sv-SE" dirty="0">
+            <a:endParaRPr lang="sv-SE" sz="2400" dirty="0">
               <a:solidFill>
                 <a:srgbClr val="000000"/>
               </a:solidFill>
@@ -13970,229 +14221,199 @@
               <a:defRPr/>
             </a:pPr>
             <a:r>
-              <a:rPr lang="sv-SE" dirty="0" err="1">
+              <a:rPr lang="sv-SE" sz="2400" dirty="0" err="1" smtClean="0">
                 <a:solidFill>
                   <a:srgbClr val="000000"/>
                 </a:solidFill>
               </a:rPr>
-              <a:t>Use</a:t>
-            </a:r>
-            <a:r>
-              <a:rPr lang="sv-SE" dirty="0">
+              <a:t>Extract</a:t>
+            </a:r>
+            <a:r>
+              <a:rPr lang="sv-SE" sz="2400" dirty="0" smtClean="0">
                 <a:solidFill>
                   <a:srgbClr val="000000"/>
                 </a:solidFill>
               </a:rPr>
+              <a:t> the </a:t>
+            </a:r>
+            <a:r>
+              <a:rPr lang="sv-SE" sz="2400" b="1" dirty="0" err="1" smtClean="0">
+                <a:solidFill>
+                  <a:srgbClr val="000000"/>
+                </a:solidFill>
+              </a:rPr>
+              <a:t>name</a:t>
+            </a:r>
+            <a:r>
+              <a:rPr lang="sv-SE" sz="2400" dirty="0" smtClean="0">
+                <a:solidFill>
+                  <a:srgbClr val="000000"/>
+                </a:solidFill>
+              </a:rPr>
+              <a:t> and the </a:t>
+            </a:r>
+            <a:r>
+              <a:rPr lang="sv-SE" sz="2400" b="1" dirty="0" err="1" smtClean="0">
+                <a:solidFill>
+                  <a:srgbClr val="000000"/>
+                </a:solidFill>
+              </a:rPr>
+              <a:t>description</a:t>
+            </a:r>
+            <a:r>
+              <a:rPr lang="sv-SE" sz="2400" dirty="0" smtClean="0">
+                <a:solidFill>
+                  <a:srgbClr val="000000"/>
+                </a:solidFill>
+              </a:rPr>
+              <a:t> from the blast output and </a:t>
+            </a:r>
+            <a:r>
+              <a:rPr lang="sv-SE" sz="2400" dirty="0" err="1">
+                <a:solidFill>
+                  <a:srgbClr val="000000"/>
+                </a:solidFill>
+              </a:rPr>
+              <a:t>a</a:t>
+            </a:r>
+            <a:r>
+              <a:rPr lang="sv-SE" sz="2400" dirty="0" err="1" smtClean="0">
+                <a:solidFill>
+                  <a:srgbClr val="000000"/>
+                </a:solidFill>
+              </a:rPr>
+              <a:t>dd</a:t>
+            </a:r>
+            <a:r>
+              <a:rPr lang="sv-SE" sz="2400" dirty="0" smtClean="0">
+                <a:solidFill>
+                  <a:srgbClr val="000000"/>
+                </a:solidFill>
+              </a:rPr>
+              <a:t> it </a:t>
+            </a:r>
+            <a:r>
+              <a:rPr lang="sv-SE" sz="2400" dirty="0" err="1">
+                <a:solidFill>
+                  <a:srgbClr val="000000"/>
+                </a:solidFill>
+              </a:rPr>
+              <a:t>to</a:t>
+            </a:r>
+            <a:r>
+              <a:rPr lang="sv-SE" sz="2400" dirty="0">
+                <a:solidFill>
+                  <a:srgbClr val="000000"/>
+                </a:solidFill>
+              </a:rPr>
               <a:t> </a:t>
             </a:r>
             <a:r>
-              <a:rPr lang="sv-SE" i="1" dirty="0">
+              <a:rPr lang="sv-SE" sz="2400" dirty="0" smtClean="0">
                 <a:solidFill>
                   <a:srgbClr val="000000"/>
                 </a:solidFill>
               </a:rPr>
+              <a:t>the </a:t>
+            </a:r>
+            <a:r>
+              <a:rPr lang="sv-SE" sz="2400" dirty="0" err="1" smtClean="0">
+                <a:solidFill>
+                  <a:srgbClr val="000000"/>
+                </a:solidFill>
+              </a:rPr>
+              <a:t>gff</a:t>
+            </a:r>
+            <a:r>
+              <a:rPr lang="sv-SE" sz="2400" dirty="0" smtClean="0">
+                <a:solidFill>
+                  <a:srgbClr val="000000"/>
+                </a:solidFill>
+              </a:rPr>
+              <a:t> </a:t>
+            </a:r>
+            <a:r>
+              <a:rPr lang="sv-SE" sz="2400" dirty="0" err="1" smtClean="0">
+                <a:solidFill>
+                  <a:srgbClr val="000000"/>
+                </a:solidFill>
+              </a:rPr>
+              <a:t>annotationg</a:t>
+            </a:r>
+            <a:r>
+              <a:rPr lang="sv-SE" sz="2400" dirty="0" smtClean="0">
+                <a:solidFill>
+                  <a:srgbClr val="000000"/>
+                </a:solidFill>
+              </a:rPr>
+              <a:t> </a:t>
+            </a:r>
+          </a:p>
+          <a:p>
+            <a:pPr>
+              <a:defRPr/>
+            </a:pPr>
+            <a:r>
+              <a:rPr lang="sv-SE" sz="2400" dirty="0" smtClean="0">
+                <a:solidFill>
+                  <a:srgbClr val="000000"/>
+                </a:solidFill>
+              </a:rPr>
+              <a:t>( </a:t>
+            </a:r>
+            <a:r>
+              <a:rPr lang="sv-SE" sz="2400" i="1" dirty="0" smtClean="0">
+                <a:solidFill>
+                  <a:srgbClr val="000000"/>
+                </a:solidFill>
+              </a:rPr>
               <a:t>Annie</a:t>
             </a:r>
             <a:r>
-              <a:rPr lang="sv-SE" dirty="0">
+              <a:rPr lang="sv-SE" sz="2400" dirty="0" smtClean="0">
                 <a:solidFill>
                   <a:srgbClr val="000000"/>
                 </a:solidFill>
               </a:rPr>
-              <a:t> </a:t>
-            </a:r>
-            <a:r>
-              <a:rPr lang="sv-SE" dirty="0" err="1">
+              <a:t> / </a:t>
+            </a:r>
+            <a:r>
+              <a:rPr lang="sv-SE" sz="2400" dirty="0" err="1" smtClean="0">
                 <a:solidFill>
                   <a:srgbClr val="000000"/>
                 </a:solidFill>
               </a:rPr>
-              <a:t>to</a:t>
-            </a:r>
-            <a:r>
-              <a:rPr lang="sv-SE" dirty="0">
+              <a:t>custom</a:t>
+            </a:r>
+            <a:r>
+              <a:rPr lang="sv-SE" sz="2400" dirty="0" err="1">
                 <a:solidFill>
                   <a:srgbClr val="000000"/>
                 </a:solidFill>
               </a:rPr>
-              <a:t> </a:t>
-            </a:r>
-            <a:r>
-              <a:rPr lang="sv-SE" dirty="0" err="1">
+              <a:t>-</a:t>
+            </a:r>
+            <a:r>
+              <a:rPr lang="sv-SE" sz="2400" dirty="0" err="1" smtClean="0">
                 <a:solidFill>
                   <a:srgbClr val="000000"/>
                 </a:solidFill>
               </a:rPr>
-              <a:t>extract</a:t>
-            </a:r>
-            <a:r>
-              <a:rPr lang="sv-SE" dirty="0">
+              <a:t>scrip</a:t>
+            </a:r>
+            <a:r>
+              <a:rPr lang="sv-SE" sz="2400" dirty="0" smtClean="0">
                 <a:solidFill>
                   <a:srgbClr val="000000"/>
                 </a:solidFill>
               </a:rPr>
-              <a:t> best hits from blast-hit list and the </a:t>
-            </a:r>
-            <a:r>
-              <a:rPr lang="sv-SE" dirty="0" err="1">
-                <a:solidFill>
-                  <a:srgbClr val="000000"/>
-                </a:solidFill>
-              </a:rPr>
-              <a:t>corresponding</a:t>
-            </a:r>
-            <a:r>
-              <a:rPr lang="sv-SE" dirty="0">
-                <a:solidFill>
-                  <a:srgbClr val="000000"/>
-                </a:solidFill>
-              </a:rPr>
-              <a:t> </a:t>
-            </a:r>
-            <a:r>
-              <a:rPr lang="sv-SE" dirty="0" err="1">
-                <a:solidFill>
-                  <a:srgbClr val="000000"/>
-                </a:solidFill>
-              </a:rPr>
-              <a:t>description</a:t>
-            </a:r>
-            <a:r>
-              <a:rPr lang="sv-SE" dirty="0">
-                <a:solidFill>
-                  <a:srgbClr val="000000"/>
-                </a:solidFill>
-              </a:rPr>
-              <a:t> from </a:t>
-            </a:r>
-            <a:r>
-              <a:rPr lang="sv-SE" dirty="0" err="1">
-                <a:solidFill>
-                  <a:srgbClr val="000000"/>
-                </a:solidFill>
-              </a:rPr>
-              <a:t>uniprot-headers</a:t>
-            </a:r>
-            <a:endParaRPr lang="sv-SE" dirty="0">
+              <a:t>)t</a:t>
+            </a:r>
+            <a:endParaRPr lang="sv-SE" sz="2400" dirty="0">
               <a:solidFill>
                 <a:srgbClr val="000000"/>
               </a:solidFill>
             </a:endParaRPr>
-          </a:p>
-          <a:p>
-            <a:pPr marL="342900" indent="-342900">
-              <a:buFont typeface="Arial"/>
-              <a:buChar char="•"/>
-              <a:defRPr/>
-            </a:pPr>
-            <a:endParaRPr lang="sv-SE" dirty="0">
-              <a:solidFill>
-                <a:srgbClr val="000000"/>
-              </a:solidFill>
-            </a:endParaRPr>
-          </a:p>
-          <a:p>
-            <a:pPr marL="342900" indent="-342900">
-              <a:buFont typeface="Arial"/>
-              <a:buChar char="•"/>
-              <a:defRPr/>
-            </a:pPr>
-            <a:r>
-              <a:rPr lang="sv-SE" dirty="0" err="1">
-                <a:solidFill>
-                  <a:srgbClr val="000000"/>
-                </a:solidFill>
-              </a:rPr>
-              <a:t>Add</a:t>
-            </a:r>
-            <a:r>
-              <a:rPr lang="sv-SE" dirty="0">
-                <a:solidFill>
-                  <a:srgbClr val="000000"/>
-                </a:solidFill>
-              </a:rPr>
-              <a:t> </a:t>
-            </a:r>
-            <a:r>
-              <a:rPr lang="sv-SE" dirty="0" smtClean="0">
-                <a:solidFill>
-                  <a:srgbClr val="000000"/>
-                </a:solidFill>
-              </a:rPr>
-              <a:t>the </a:t>
-            </a:r>
-            <a:r>
-              <a:rPr lang="sv-SE" dirty="0">
-                <a:solidFill>
-                  <a:srgbClr val="000000"/>
-                </a:solidFill>
-              </a:rPr>
-              <a:t>information </a:t>
-            </a:r>
-            <a:r>
-              <a:rPr lang="sv-SE" dirty="0" err="1">
-                <a:solidFill>
-                  <a:srgbClr val="000000"/>
-                </a:solidFill>
-              </a:rPr>
-              <a:t>to</a:t>
-            </a:r>
-            <a:r>
-              <a:rPr lang="sv-SE" dirty="0">
-                <a:solidFill>
-                  <a:srgbClr val="000000"/>
-                </a:solidFill>
-              </a:rPr>
-              <a:t> the </a:t>
-            </a:r>
-            <a:r>
-              <a:rPr lang="sv-SE" dirty="0" err="1">
-                <a:solidFill>
-                  <a:srgbClr val="000000"/>
-                </a:solidFill>
-              </a:rPr>
-              <a:t>annotation.gff</a:t>
-            </a:r>
-            <a:r>
-              <a:rPr lang="sv-SE" dirty="0">
-                <a:solidFill>
-                  <a:srgbClr val="000000"/>
-                </a:solidFill>
-              </a:rPr>
-              <a:t> </a:t>
-            </a:r>
-            <a:r>
-              <a:rPr lang="sv-SE" dirty="0" err="1">
-                <a:solidFill>
-                  <a:srgbClr val="000000"/>
-                </a:solidFill>
-              </a:rPr>
-              <a:t>using</a:t>
-            </a:r>
-            <a:r>
-              <a:rPr lang="sv-SE" dirty="0">
-                <a:solidFill>
-                  <a:srgbClr val="000000"/>
-                </a:solidFill>
-              </a:rPr>
-              <a:t> </a:t>
-            </a:r>
-            <a:r>
-              <a:rPr lang="sv-SE" dirty="0" err="1">
-                <a:solidFill>
-                  <a:srgbClr val="000000"/>
-                </a:solidFill>
-              </a:rPr>
-              <a:t>custom</a:t>
-            </a:r>
-            <a:r>
-              <a:rPr lang="sv-SE" dirty="0">
-                <a:solidFill>
-                  <a:srgbClr val="000000"/>
-                </a:solidFill>
-              </a:rPr>
-              <a:t>-script</a:t>
-            </a:r>
           </a:p>
         </p:txBody>
       </p:sp>
@@ -14205,14 +14426,14 @@
           <p:nvPr>
             <p:extLst>
               <p:ext uri="{D42A27DB-BD31-4B8C-83A1-F6EECF244321}">
-                <p14:modId xmlns:p14="http://schemas.microsoft.com/office/powerpoint/2010/main" val="4125208369"/>
+                <p14:modId xmlns:p14="http://schemas.microsoft.com/office/powerpoint/2010/main" val="685971728"/>
               </p:ext>
             </p:extLst>
           </p:nvPr>
         </p:nvGraphicFramePr>
         <p:xfrm>
-          <a:off x="3252824" y="2134045"/>
-          <a:ext cx="3069702" cy="741680"/>
+          <a:off x="3989837" y="2104911"/>
+          <a:ext cx="3069702" cy="914400"/>
         </p:xfrm>
         <a:graphic>
           <a:graphicData uri="http://schemas.openxmlformats.org/drawingml/2006/table">
@@ -14224,7 +14445,7 @@
                 <a:gridCol w="1534851"/>
                 <a:gridCol w="1534851"/>
               </a:tblGrid>
-              <a:tr h="370840">
+              <a:tr h="228507">
                 <a:tc>
                   <a:txBody>
                     <a:bodyPr/>
@@ -14232,10 +14453,10 @@
                     <a:p>
                       <a:pPr algn="ctr"/>
                       <a:r>
-                        <a:rPr lang="en-US" dirty="0" err="1" smtClean="0"/>
+                        <a:rPr lang="en-US" sz="2400" dirty="0" err="1" smtClean="0"/>
                         <a:t>Uniprot</a:t>
                       </a:r>
-                      <a:endParaRPr lang="en-US" dirty="0"/>
+                      <a:endParaRPr lang="en-US" sz="2400" dirty="0"/>
                     </a:p>
                   </a:txBody>
                   <a:tcPr/>
@@ -14247,10 +14468,10 @@
                     <a:p>
                       <a:pPr algn="ctr"/>
                       <a:r>
-                        <a:rPr lang="en-US" dirty="0" err="1" smtClean="0"/>
+                        <a:rPr lang="en-US" sz="2400" dirty="0" err="1" smtClean="0"/>
                         <a:t>Swissprot</a:t>
                       </a:r>
-                      <a:endParaRPr lang="en-US" dirty="0"/>
+                      <a:endParaRPr lang="en-US" sz="2400" dirty="0"/>
                     </a:p>
                   </a:txBody>
                   <a:tcPr/>
@@ -14264,7 +14485,7 @@
                     <a:p>
                       <a:pPr algn="ctr"/>
                       <a:r>
-                        <a:rPr lang="sv-SE" dirty="0" err="1" smtClean="0">
+                        <a:rPr lang="sv-SE" sz="2400" dirty="0" err="1" smtClean="0">
                           <a:solidFill>
                             <a:srgbClr val="000000"/>
                           </a:solidFill>
@@ -14272,14 +14493,14 @@
                         <a:t>exhaustive</a:t>
                       </a:r>
                       <a:r>
-                        <a:rPr lang="sv-SE" dirty="0" smtClean="0">
+                        <a:rPr lang="sv-SE" sz="2400" dirty="0" smtClean="0">
                           <a:solidFill>
                             <a:srgbClr val="000000"/>
                           </a:solidFill>
                         </a:rPr>
                         <a:t> </a:t>
                       </a:r>
-                      <a:endParaRPr lang="en-US" dirty="0"/>
+                      <a:endParaRPr lang="en-US" sz="2400" dirty="0"/>
                     </a:p>
                   </a:txBody>
                   <a:tcPr/>
@@ -14291,14 +14512,14 @@
                     <a:p>
                       <a:pPr algn="ctr"/>
                       <a:r>
-                        <a:rPr lang="sv-SE" dirty="0" err="1" smtClean="0">
+                        <a:rPr lang="sv-SE" sz="2400" dirty="0" err="1" smtClean="0">
                           <a:solidFill>
                             <a:srgbClr val="000000"/>
                           </a:solidFill>
                         </a:rPr>
                         <a:t>reliable</a:t>
                       </a:r>
-                      <a:endParaRPr lang="en-US" dirty="0"/>
+                      <a:endParaRPr lang="en-US" sz="2400" dirty="0"/>
                     </a:p>
                   </a:txBody>
                   <a:tcPr/>
@@ -14316,7 +14537,7 @@
         </p:nvSpPr>
         <p:spPr>
           <a:xfrm>
-            <a:off x="3342105" y="3355497"/>
+            <a:off x="3401273" y="3852481"/>
             <a:ext cx="4250864" cy="923330"/>
           </a:xfrm>
           <a:prstGeom prst="rect">
@@ -14484,7 +14705,7 @@
         </p:blipFill>
         <p:spPr>
           <a:xfrm>
-            <a:off x="3006809" y="3559540"/>
+            <a:off x="3006809" y="4151569"/>
             <a:ext cx="670592" cy="592029"/>
           </a:xfrm>
           <a:prstGeom prst="rect">
@@ -14610,7 +14831,7 @@
 </p:sld>
 </file>
 
-<file path=ppt/slides/slide13.xml><?xml version="1.0" encoding="utf-8"?>
+<file path=ppt/slides/slide14.xml><?xml version="1.0" encoding="utf-8"?>
 <p:sld xmlns:a="http://schemas.openxmlformats.org/drawingml/2006/main" xmlns:r="http://schemas.openxmlformats.org/officeDocument/2006/relationships" xmlns:p="http://schemas.openxmlformats.org/presentationml/2006/main">
   <p:cSld>
     <p:spTree>
@@ -14753,8 +14974,27 @@
                 <a:ea typeface="MS PGothic" charset="0"/>
                 <a:cs typeface="+mn-cs"/>
               </a:rPr>
-              <a:t>Allow gene naming</a:t>
-            </a:r>
+              <a:t>Allow gene naming + </a:t>
+            </a:r>
+            <a:r>
+              <a:rPr lang="en-US" sz="2800" dirty="0" err="1" smtClean="0">
+                <a:solidFill>
+                  <a:srgbClr val="000000"/>
+                </a:solidFill>
+                <a:latin typeface="Calibri" charset="0"/>
+                <a:ea typeface="MS PGothic" charset="0"/>
+                <a:cs typeface="+mn-cs"/>
+              </a:rPr>
+              <a:t>descritpion</a:t>
+            </a:r>
+            <a:endParaRPr lang="en-US" sz="2800" dirty="0" smtClean="0">
+              <a:solidFill>
+                <a:srgbClr val="000000"/>
+              </a:solidFill>
+              <a:latin typeface="Calibri" charset="0"/>
+              <a:ea typeface="MS PGothic" charset="0"/>
+              <a:cs typeface="+mn-cs"/>
+            </a:endParaRPr>
           </a:p>
           <a:p>
             <a:pPr marL="0" indent="0" fontAlgn="auto">
@@ -14995,7 +15235,7 @@
 </p:sld>
 </file>
 
-<file path=ppt/slides/slide14.xml><?xml version="1.0" encoding="utf-8"?>
+<file path=ppt/slides/slide15.xml><?xml version="1.0" encoding="utf-8"?>
 <p:sld xmlns:a="http://schemas.openxmlformats.org/drawingml/2006/main" xmlns:r="http://schemas.openxmlformats.org/officeDocument/2006/relationships" xmlns:p="http://schemas.openxmlformats.org/presentationml/2006/main">
   <p:cSld>
     <p:spTree>
@@ -15254,7 +15494,7 @@
 </p:sld>
 </file>
 
-<file path=ppt/slides/slide15.xml><?xml version="1.0" encoding="utf-8"?>
+<file path=ppt/slides/slide16.xml><?xml version="1.0" encoding="utf-8"?>
 <p:sld xmlns:a="http://schemas.openxmlformats.org/drawingml/2006/main" xmlns:r="http://schemas.openxmlformats.org/officeDocument/2006/relationships" xmlns:p="http://schemas.openxmlformats.org/presentationml/2006/main">
   <p:cSld>
     <p:spTree>
@@ -15384,7 +15624,7 @@
 </p:sld>
 </file>
 
-<file path=ppt/slides/slide16.xml><?xml version="1.0" encoding="utf-8"?>
+<file path=ppt/slides/slide17.xml><?xml version="1.0" encoding="utf-8"?>
 <p:sld xmlns:a="http://schemas.openxmlformats.org/drawingml/2006/main" xmlns:r="http://schemas.openxmlformats.org/officeDocument/2006/relationships" xmlns:p="http://schemas.openxmlformats.org/presentationml/2006/main">
   <p:cSld>
     <p:spTree>
@@ -15481,7 +15721,7 @@
         </p:nvSpPr>
         <p:spPr>
           <a:xfrm>
-            <a:off x="2229539" y="4058619"/>
+            <a:off x="2295515" y="4058619"/>
             <a:ext cx="2219385" cy="1752358"/>
           </a:xfrm>
           <a:prstGeom prst="roundRect">
@@ -15516,8 +15756,12 @@
           <a:p>
             <a:pPr algn="ctr"/>
             <a:r>
+              <a:rPr lang="en-US" sz="2800" dirty="0"/>
+              <a:t>D</a:t>
+            </a:r>
+            <a:r>
               <a:rPr lang="en-US" sz="2800" dirty="0" smtClean="0"/>
-              <a:t>Compare domains</a:t>
+              <a:t>omains</a:t>
             </a:r>
           </a:p>
           <a:p>
@@ -15554,7 +15798,7 @@
         </p:nvSpPr>
         <p:spPr>
           <a:xfrm>
-            <a:off x="4555245" y="4003613"/>
+            <a:off x="4604727" y="4003613"/>
             <a:ext cx="2282353" cy="1789029"/>
           </a:xfrm>
           <a:prstGeom prst="roundRect">
@@ -15627,7 +15871,7 @@
         </p:nvSpPr>
         <p:spPr>
           <a:xfrm>
-            <a:off x="6914559" y="4003613"/>
+            <a:off x="6964041" y="3921138"/>
             <a:ext cx="1993747" cy="1789029"/>
           </a:xfrm>
           <a:prstGeom prst="roundRect">
@@ -15687,8 +15931,8 @@
         </p:nvCxnSpPr>
         <p:spPr>
           <a:xfrm flipH="1">
-            <a:off x="3339232" y="2905810"/>
-            <a:ext cx="1225132" cy="1152809"/>
+            <a:off x="3405208" y="2905810"/>
+            <a:ext cx="1159156" cy="1152809"/>
           </a:xfrm>
           <a:prstGeom prst="straightConnector1">
             <a:avLst/>
@@ -15727,7 +15971,7 @@
         <p:spPr>
           <a:xfrm>
             <a:off x="4564364" y="2905810"/>
-            <a:ext cx="1132058" cy="1097803"/>
+            <a:ext cx="1181540" cy="1097803"/>
           </a:xfrm>
           <a:prstGeom prst="straightConnector1">
             <a:avLst/>
@@ -15766,7 +16010,7 @@
         <p:spPr>
           <a:xfrm>
             <a:off x="4564364" y="2905810"/>
-            <a:ext cx="3347069" cy="1097803"/>
+            <a:ext cx="3396551" cy="1015328"/>
           </a:xfrm>
           <a:prstGeom prst="straightConnector1">
             <a:avLst/>
@@ -15801,8 +16045,8 @@
         </p:nvSpPr>
         <p:spPr>
           <a:xfrm>
-            <a:off x="211645" y="4003613"/>
-            <a:ext cx="1930133" cy="1752358"/>
+            <a:off x="49483" y="3937633"/>
+            <a:ext cx="2141778" cy="1752358"/>
           </a:xfrm>
           <a:prstGeom prst="roundRect">
             <a:avLst/>
@@ -15837,8 +16081,15 @@
             <a:pPr algn="ctr"/>
             <a:r>
               <a:rPr lang="en-US" sz="2800" dirty="0" smtClean="0"/>
-              <a:t>Search similar function</a:t>
-            </a:r>
+              <a:t>gene </a:t>
+            </a:r>
+            <a:r>
+              <a:rPr lang="en-US" sz="2800" dirty="0"/>
+              <a:t>name + description</a:t>
+            </a:r>
+          </a:p>
+          <a:p>
+            <a:pPr algn="ctr"/>
             <a:endParaRPr lang="en-US" sz="2800" dirty="0"/>
           </a:p>
         </p:txBody>
@@ -15854,8 +16105,8 @@
         </p:nvCxnSpPr>
         <p:spPr>
           <a:xfrm flipH="1">
-            <a:off x="1176712" y="2905810"/>
-            <a:ext cx="3387652" cy="1097803"/>
+            <a:off x="1120372" y="2905810"/>
+            <a:ext cx="3443992" cy="1031823"/>
           </a:xfrm>
           <a:prstGeom prst="straightConnector1">
             <a:avLst/>
@@ -15902,7 +16153,7 @@
 </p:sld>
 </file>
 
-<file path=ppt/slides/slide17.xml><?xml version="1.0" encoding="utf-8"?>
+<file path=ppt/slides/slide18.xml><?xml version="1.0" encoding="utf-8"?>
 <p:sld xmlns:a="http://schemas.openxmlformats.org/drawingml/2006/main" xmlns:r="http://schemas.openxmlformats.org/officeDocument/2006/relationships" xmlns:p="http://schemas.openxmlformats.org/presentationml/2006/main">
   <p:cSld>
     <p:spTree>
@@ -16675,7 +16926,7 @@
 </p:sld>
 </file>
 
-<file path=ppt/slides/slide18.xml><?xml version="1.0" encoding="utf-8"?>
+<file path=ppt/slides/slide19.xml><?xml version="1.0" encoding="utf-8"?>
 <p:sld xmlns:a="http://schemas.openxmlformats.org/drawingml/2006/main" xmlns:r="http://schemas.openxmlformats.org/officeDocument/2006/relationships" xmlns:p="http://schemas.openxmlformats.org/presentationml/2006/main">
   <p:cSld>
     <p:spTree>
@@ -17202,7 +17453,286 @@
 </p:sld>
 </file>
 
-<file path=ppt/slides/slide19.xml><?xml version="1.0" encoding="utf-8"?>
+<file path=ppt/slides/slide2.xml><?xml version="1.0" encoding="utf-8"?>
+<p:sld xmlns:a="http://schemas.openxmlformats.org/drawingml/2006/main" xmlns:r="http://schemas.openxmlformats.org/officeDocument/2006/relationships" xmlns:p="http://schemas.openxmlformats.org/presentationml/2006/main">
+  <p:cSld>
+    <p:spTree>
+      <p:nvGrpSpPr>
+        <p:cNvPr id="1" name=""/>
+        <p:cNvGrpSpPr/>
+        <p:nvPr/>
+      </p:nvGrpSpPr>
+      <p:grpSpPr>
+        <a:xfrm>
+          <a:off x="0" y="0"/>
+          <a:ext cx="0" cy="0"/>
+          <a:chOff x="0" y="0"/>
+          <a:chExt cx="0" cy="0"/>
+        </a:xfrm>
+      </p:grpSpPr>
+      <p:pic>
+        <p:nvPicPr>
+          <p:cNvPr id="5" name="Picture 7" descr="FirstSlide.png"/>
+          <p:cNvPicPr>
+            <a:picLocks noChangeAspect="1"/>
+          </p:cNvPicPr>
+          <p:nvPr/>
+        </p:nvPicPr>
+        <p:blipFill>
+          <a:blip r:embed="rId3">
+            <a:extLst>
+              <a:ext uri="{28A0092B-C50C-407E-A947-70E740481C1C}">
+                <a14:useLocalDpi xmlns:a14="http://schemas.microsoft.com/office/drawing/2010/main" val="0"/>
+              </a:ext>
+            </a:extLst>
+          </a:blip>
+          <a:srcRect/>
+          <a:stretch>
+            <a:fillRect/>
+          </a:stretch>
+        </p:blipFill>
+        <p:spPr bwMode="auto">
+          <a:xfrm>
+            <a:off x="457200" y="829404"/>
+            <a:ext cx="8048625" cy="5925409"/>
+          </a:xfrm>
+          <a:prstGeom prst="rect">
+            <a:avLst/>
+          </a:prstGeom>
+          <a:noFill/>
+          <a:ln>
+            <a:noFill/>
+          </a:ln>
+          <a:extLst>
+            <a:ext uri="{909E8E84-426E-40dd-AFC4-6F175D3DCCD1}">
+              <a14:hiddenFill xmlns:a14="http://schemas.microsoft.com/office/drawing/2010/main">
+                <a:solidFill>
+                  <a:srgbClr val="FFFFFF"/>
+                </a:solidFill>
+              </a14:hiddenFill>
+            </a:ext>
+            <a:ext uri="{91240B29-F687-4f45-9708-019B960494DF}">
+              <a14:hiddenLine xmlns:a14="http://schemas.microsoft.com/office/drawing/2010/main" w="9525">
+                <a:solidFill>
+                  <a:srgbClr val="000000"/>
+                </a:solidFill>
+                <a:miter lim="800000"/>
+                <a:headEnd/>
+                <a:tailEnd/>
+              </a14:hiddenLine>
+            </a:ext>
+          </a:extLst>
+        </p:spPr>
+      </p:pic>
+      <p:sp>
+        <p:nvSpPr>
+          <p:cNvPr id="9" name="Rectangle 8"/>
+          <p:cNvSpPr/>
+          <p:nvPr/>
+        </p:nvSpPr>
+        <p:spPr>
+          <a:xfrm>
+            <a:off x="3631563" y="5934670"/>
+            <a:ext cx="505555" cy="923330"/>
+          </a:xfrm>
+          <a:prstGeom prst="rect">
+            <a:avLst/>
+          </a:prstGeom>
+          <a:noFill/>
+        </p:spPr>
+        <p:txBody>
+          <a:bodyPr wrap="none" lIns="91440" tIns="45720" rIns="91440" bIns="45720">
+            <a:spAutoFit/>
+            <a:scene3d>
+              <a:camera prst="orthographicFront"/>
+              <a:lightRig rig="flat" dir="tl">
+                <a:rot lat="0" lon="0" rev="6600000"/>
+              </a:lightRig>
+            </a:scene3d>
+            <a:sp3d extrusionH="25400" contourW="8890">
+              <a:bevelT w="38100" h="31750"/>
+              <a:contourClr>
+                <a:schemeClr val="accent2">
+                  <a:shade val="75000"/>
+                </a:schemeClr>
+              </a:contourClr>
+            </a:sp3d>
+          </a:bodyPr>
+          <a:lstStyle/>
+          <a:p>
+            <a:pPr algn="ctr"/>
+            <a:r>
+              <a:rPr lang="sv-SE" sz="5400" b="1" dirty="0" smtClean="0">
+                <a:ln w="11430"/>
+                <a:solidFill>
+                  <a:srgbClr val="FF0000"/>
+                </a:solidFill>
+                <a:effectLst>
+                  <a:outerShdw blurRad="50800" dist="39000" dir="5460000" algn="tl">
+                    <a:srgbClr val="000000">
+                      <a:alpha val="38000"/>
+                    </a:srgbClr>
+                  </a:outerShdw>
+                </a:effectLst>
+              </a:rPr>
+              <a:t>?</a:t>
+            </a:r>
+            <a:endParaRPr lang="sv-SE" sz="5400" b="1" dirty="0">
+              <a:ln w="11430"/>
+              <a:solidFill>
+                <a:srgbClr val="FF0000"/>
+              </a:solidFill>
+              <a:effectLst>
+                <a:outerShdw blurRad="50800" dist="39000" dir="5460000" algn="tl">
+                  <a:srgbClr val="000000">
+                    <a:alpha val="38000"/>
+                  </a:srgbClr>
+                </a:outerShdw>
+              </a:effectLst>
+            </a:endParaRPr>
+          </a:p>
+        </p:txBody>
+      </p:sp>
+      <p:sp>
+        <p:nvSpPr>
+          <p:cNvPr id="11" name="Title 1"/>
+          <p:cNvSpPr txBox="1">
+            <a:spLocks/>
+          </p:cNvSpPr>
+          <p:nvPr/>
+        </p:nvSpPr>
+        <p:spPr>
+          <a:xfrm>
+            <a:off x="457200" y="218883"/>
+            <a:ext cx="3427141" cy="437801"/>
+          </a:xfrm>
+          <a:prstGeom prst="rect">
+            <a:avLst/>
+          </a:prstGeom>
+        </p:spPr>
+        <p:txBody>
+          <a:bodyPr/>
+          <a:lstStyle>
+            <a:lvl1pPr algn="l" defTabSz="457200" rtl="0" eaLnBrk="1" latinLnBrk="0" hangingPunct="1">
+              <a:spcBef>
+                <a:spcPct val="0"/>
+              </a:spcBef>
+              <a:buNone/>
+              <a:defRPr sz="2000" kern="1200">
+                <a:solidFill>
+                  <a:srgbClr val="000000"/>
+                </a:solidFill>
+                <a:latin typeface="+mj-lt"/>
+                <a:ea typeface="+mj-ea"/>
+                <a:cs typeface="+mj-cs"/>
+              </a:defRPr>
+            </a:lvl1pPr>
+          </a:lstStyle>
+          <a:p>
+            <a:r>
+              <a:rPr lang="en-US" dirty="0">
+                <a:solidFill>
+                  <a:schemeClr val="tx1"/>
+                </a:solidFill>
+              </a:rPr>
+              <a:t>Overview</a:t>
+            </a:r>
+            <a:endParaRPr lang="en-US" dirty="0"/>
+          </a:p>
+        </p:txBody>
+      </p:sp>
+    </p:spTree>
+    <p:extLst>
+      <p:ext uri="{BB962C8B-B14F-4D97-AF65-F5344CB8AC3E}">
+        <p14:creationId xmlns:p14="http://schemas.microsoft.com/office/powerpoint/2010/main" val="3433355640"/>
+      </p:ext>
+    </p:extLst>
+  </p:cSld>
+  <p:clrMapOvr>
+    <a:masterClrMapping/>
+  </p:clrMapOvr>
+  <p:timing>
+    <p:tnLst>
+      <p:par>
+        <p:cTn xmlns:p14="http://schemas.microsoft.com/office/powerpoint/2010/main" id="1" dur="indefinite" restart="never" nodeType="tmRoot">
+          <p:childTnLst>
+            <p:seq concurrent="1" nextAc="seek">
+              <p:cTn id="2" dur="indefinite" nodeType="mainSeq">
+                <p:childTnLst>
+                  <p:par>
+                    <p:cTn id="3" fill="hold">
+                      <p:stCondLst>
+                        <p:cond delay="indefinite"/>
+                      </p:stCondLst>
+                      <p:childTnLst>
+                        <p:par>
+                          <p:cTn id="4" fill="hold">
+                            <p:stCondLst>
+                              <p:cond delay="0"/>
+                            </p:stCondLst>
+                            <p:childTnLst>
+                              <p:par>
+                                <p:cTn id="5" presetID="1" presetClass="entr" presetSubtype="0" fill="hold" grpId="0" nodeType="clickEffect">
+                                  <p:stCondLst>
+                                    <p:cond delay="0"/>
+                                  </p:stCondLst>
+                                  <p:childTnLst>
+                                    <p:set>
+                                      <p:cBhvr>
+                                        <p:cTn id="6" dur="1" fill="hold">
+                                          <p:stCondLst>
+                                            <p:cond delay="0"/>
+                                          </p:stCondLst>
+                                        </p:cTn>
+                                        <p:tgtEl>
+                                          <p:spTgt spid="9"/>
+                                        </p:tgtEl>
+                                        <p:attrNameLst>
+                                          <p:attrName>style.visibility</p:attrName>
+                                        </p:attrNameLst>
+                                      </p:cBhvr>
+                                      <p:to>
+                                        <p:strVal val="visible"/>
+                                      </p:to>
+                                    </p:set>
+                                  </p:childTnLst>
+                                </p:cTn>
+                              </p:par>
+                            </p:childTnLst>
+                          </p:cTn>
+                        </p:par>
+                      </p:childTnLst>
+                    </p:cTn>
+                  </p:par>
+                </p:childTnLst>
+              </p:cTn>
+              <p:prevCondLst>
+                <p:cond evt="onPrev" delay="0">
+                  <p:tgtEl>
+                    <p:sldTgt/>
+                  </p:tgtEl>
+                </p:cond>
+              </p:prevCondLst>
+              <p:nextCondLst>
+                <p:cond evt="onNext" delay="0">
+                  <p:tgtEl>
+                    <p:sldTgt/>
+                  </p:tgtEl>
+                </p:cond>
+              </p:nextCondLst>
+            </p:seq>
+          </p:childTnLst>
+        </p:cTn>
+      </p:par>
+    </p:tnLst>
+    <p:bldLst>
+      <p:bldP spid="9" grpId="0"/>
+    </p:bldLst>
+  </p:timing>
+</p:sld>
+</file>
+
+<file path=ppt/slides/slide20.xml><?xml version="1.0" encoding="utf-8"?>
 <p:sld xmlns:a="http://schemas.openxmlformats.org/drawingml/2006/main" xmlns:r="http://schemas.openxmlformats.org/officeDocument/2006/relationships" xmlns:p="http://schemas.openxmlformats.org/presentationml/2006/main">
   <p:cSld>
     <p:spTree>
@@ -17486,286 +18016,7 @@
 </p:sld>
 </file>
 
-<file path=ppt/slides/slide2.xml><?xml version="1.0" encoding="utf-8"?>
-<p:sld xmlns:a="http://schemas.openxmlformats.org/drawingml/2006/main" xmlns:r="http://schemas.openxmlformats.org/officeDocument/2006/relationships" xmlns:p="http://schemas.openxmlformats.org/presentationml/2006/main">
-  <p:cSld>
-    <p:spTree>
-      <p:nvGrpSpPr>
-        <p:cNvPr id="1" name=""/>
-        <p:cNvGrpSpPr/>
-        <p:nvPr/>
-      </p:nvGrpSpPr>
-      <p:grpSpPr>
-        <a:xfrm>
-          <a:off x="0" y="0"/>
-          <a:ext cx="0" cy="0"/>
-          <a:chOff x="0" y="0"/>
-          <a:chExt cx="0" cy="0"/>
-        </a:xfrm>
-      </p:grpSpPr>
-      <p:pic>
-        <p:nvPicPr>
-          <p:cNvPr id="5" name="Picture 7" descr="FirstSlide.png"/>
-          <p:cNvPicPr>
-            <a:picLocks noChangeAspect="1"/>
-          </p:cNvPicPr>
-          <p:nvPr/>
-        </p:nvPicPr>
-        <p:blipFill>
-          <a:blip r:embed="rId3">
-            <a:extLst>
-              <a:ext uri="{28A0092B-C50C-407E-A947-70E740481C1C}">
-                <a14:useLocalDpi xmlns:a14="http://schemas.microsoft.com/office/drawing/2010/main" val="0"/>
-              </a:ext>
-            </a:extLst>
-          </a:blip>
-          <a:srcRect/>
-          <a:stretch>
-            <a:fillRect/>
-          </a:stretch>
-        </p:blipFill>
-        <p:spPr bwMode="auto">
-          <a:xfrm>
-            <a:off x="457200" y="829404"/>
-            <a:ext cx="8048625" cy="5925409"/>
-          </a:xfrm>
-          <a:prstGeom prst="rect">
-            <a:avLst/>
-          </a:prstGeom>
-          <a:noFill/>
-          <a:ln>
-            <a:noFill/>
-          </a:ln>
-          <a:extLst>
-            <a:ext uri="{909E8E84-426E-40dd-AFC4-6F175D3DCCD1}">
-              <a14:hiddenFill xmlns:a14="http://schemas.microsoft.com/office/drawing/2010/main">
-                <a:solidFill>
-                  <a:srgbClr val="FFFFFF"/>
-                </a:solidFill>
-              </a14:hiddenFill>
-            </a:ext>
-            <a:ext uri="{91240B29-F687-4f45-9708-019B960494DF}">
-              <a14:hiddenLine xmlns:a14="http://schemas.microsoft.com/office/drawing/2010/main" w="9525">
-                <a:solidFill>
-                  <a:srgbClr val="000000"/>
-                </a:solidFill>
-                <a:miter lim="800000"/>
-                <a:headEnd/>
-                <a:tailEnd/>
-              </a14:hiddenLine>
-            </a:ext>
-          </a:extLst>
-        </p:spPr>
-      </p:pic>
-      <p:sp>
-        <p:nvSpPr>
-          <p:cNvPr id="9" name="Rectangle 8"/>
-          <p:cNvSpPr/>
-          <p:nvPr/>
-        </p:nvSpPr>
-        <p:spPr>
-          <a:xfrm>
-            <a:off x="3631563" y="5934670"/>
-            <a:ext cx="505555" cy="923330"/>
-          </a:xfrm>
-          <a:prstGeom prst="rect">
-            <a:avLst/>
-          </a:prstGeom>
-          <a:noFill/>
-        </p:spPr>
-        <p:txBody>
-          <a:bodyPr wrap="none" lIns="91440" tIns="45720" rIns="91440" bIns="45720">
-            <a:spAutoFit/>
-            <a:scene3d>
-              <a:camera prst="orthographicFront"/>
-              <a:lightRig rig="flat" dir="tl">
-                <a:rot lat="0" lon="0" rev="6600000"/>
-              </a:lightRig>
-            </a:scene3d>
-            <a:sp3d extrusionH="25400" contourW="8890">
-              <a:bevelT w="38100" h="31750"/>
-              <a:contourClr>
-                <a:schemeClr val="accent2">
-                  <a:shade val="75000"/>
-                </a:schemeClr>
-              </a:contourClr>
-            </a:sp3d>
-          </a:bodyPr>
-          <a:lstStyle/>
-          <a:p>
-            <a:pPr algn="ctr"/>
-            <a:r>
-              <a:rPr lang="sv-SE" sz="5400" b="1" dirty="0" smtClean="0">
-                <a:ln w="11430"/>
-                <a:solidFill>
-                  <a:srgbClr val="FF0000"/>
-                </a:solidFill>
-                <a:effectLst>
-                  <a:outerShdw blurRad="50800" dist="39000" dir="5460000" algn="tl">
-                    <a:srgbClr val="000000">
-                      <a:alpha val="38000"/>
-                    </a:srgbClr>
-                  </a:outerShdw>
-                </a:effectLst>
-              </a:rPr>
-              <a:t>?</a:t>
-            </a:r>
-            <a:endParaRPr lang="sv-SE" sz="5400" b="1" dirty="0">
-              <a:ln w="11430"/>
-              <a:solidFill>
-                <a:srgbClr val="FF0000"/>
-              </a:solidFill>
-              <a:effectLst>
-                <a:outerShdw blurRad="50800" dist="39000" dir="5460000" algn="tl">
-                  <a:srgbClr val="000000">
-                    <a:alpha val="38000"/>
-                  </a:srgbClr>
-                </a:outerShdw>
-              </a:effectLst>
-            </a:endParaRPr>
-          </a:p>
-        </p:txBody>
-      </p:sp>
-      <p:sp>
-        <p:nvSpPr>
-          <p:cNvPr id="11" name="Title 1"/>
-          <p:cNvSpPr txBox="1">
-            <a:spLocks/>
-          </p:cNvSpPr>
-          <p:nvPr/>
-        </p:nvSpPr>
-        <p:spPr>
-          <a:xfrm>
-            <a:off x="457200" y="218883"/>
-            <a:ext cx="3427141" cy="437801"/>
-          </a:xfrm>
-          <a:prstGeom prst="rect">
-            <a:avLst/>
-          </a:prstGeom>
-        </p:spPr>
-        <p:txBody>
-          <a:bodyPr/>
-          <a:lstStyle>
-            <a:lvl1pPr algn="l" defTabSz="457200" rtl="0" eaLnBrk="1" latinLnBrk="0" hangingPunct="1">
-              <a:spcBef>
-                <a:spcPct val="0"/>
-              </a:spcBef>
-              <a:buNone/>
-              <a:defRPr sz="2000" kern="1200">
-                <a:solidFill>
-                  <a:srgbClr val="000000"/>
-                </a:solidFill>
-                <a:latin typeface="+mj-lt"/>
-                <a:ea typeface="+mj-ea"/>
-                <a:cs typeface="+mj-cs"/>
-              </a:defRPr>
-            </a:lvl1pPr>
-          </a:lstStyle>
-          <a:p>
-            <a:r>
-              <a:rPr lang="en-US" dirty="0">
-                <a:solidFill>
-                  <a:schemeClr val="tx1"/>
-                </a:solidFill>
-              </a:rPr>
-              <a:t>Overview</a:t>
-            </a:r>
-            <a:endParaRPr lang="en-US" dirty="0"/>
-          </a:p>
-        </p:txBody>
-      </p:sp>
-    </p:spTree>
-    <p:extLst>
-      <p:ext uri="{BB962C8B-B14F-4D97-AF65-F5344CB8AC3E}">
-        <p14:creationId xmlns:p14="http://schemas.microsoft.com/office/powerpoint/2010/main" val="3433355640"/>
-      </p:ext>
-    </p:extLst>
-  </p:cSld>
-  <p:clrMapOvr>
-    <a:masterClrMapping/>
-  </p:clrMapOvr>
-  <p:timing>
-    <p:tnLst>
-      <p:par>
-        <p:cTn xmlns:p14="http://schemas.microsoft.com/office/powerpoint/2010/main" id="1" dur="indefinite" restart="never" nodeType="tmRoot">
-          <p:childTnLst>
-            <p:seq concurrent="1" nextAc="seek">
-              <p:cTn id="2" dur="indefinite" nodeType="mainSeq">
-                <p:childTnLst>
-                  <p:par>
-                    <p:cTn id="3" fill="hold">
-                      <p:stCondLst>
-                        <p:cond delay="indefinite"/>
-                      </p:stCondLst>
-                      <p:childTnLst>
-                        <p:par>
-                          <p:cTn id="4" fill="hold">
-                            <p:stCondLst>
-                              <p:cond delay="0"/>
-                            </p:stCondLst>
-                            <p:childTnLst>
-                              <p:par>
-                                <p:cTn id="5" presetID="1" presetClass="entr" presetSubtype="0" fill="hold" grpId="0" nodeType="clickEffect">
-                                  <p:stCondLst>
-                                    <p:cond delay="0"/>
-                                  </p:stCondLst>
-                                  <p:childTnLst>
-                                    <p:set>
-                                      <p:cBhvr>
-                                        <p:cTn id="6" dur="1" fill="hold">
-                                          <p:stCondLst>
-                                            <p:cond delay="0"/>
-                                          </p:stCondLst>
-                                        </p:cTn>
-                                        <p:tgtEl>
-                                          <p:spTgt spid="9"/>
-                                        </p:tgtEl>
-                                        <p:attrNameLst>
-                                          <p:attrName>style.visibility</p:attrName>
-                                        </p:attrNameLst>
-                                      </p:cBhvr>
-                                      <p:to>
-                                        <p:strVal val="visible"/>
-                                      </p:to>
-                                    </p:set>
-                                  </p:childTnLst>
-                                </p:cTn>
-                              </p:par>
-                            </p:childTnLst>
-                          </p:cTn>
-                        </p:par>
-                      </p:childTnLst>
-                    </p:cTn>
-                  </p:par>
-                </p:childTnLst>
-              </p:cTn>
-              <p:prevCondLst>
-                <p:cond evt="onPrev" delay="0">
-                  <p:tgtEl>
-                    <p:sldTgt/>
-                  </p:tgtEl>
-                </p:cond>
-              </p:prevCondLst>
-              <p:nextCondLst>
-                <p:cond evt="onNext" delay="0">
-                  <p:tgtEl>
-                    <p:sldTgt/>
-                  </p:tgtEl>
-                </p:cond>
-              </p:nextCondLst>
-            </p:seq>
-          </p:childTnLst>
-        </p:cTn>
-      </p:par>
-    </p:tnLst>
-    <p:bldLst>
-      <p:bldP spid="9" grpId="0"/>
-    </p:bldLst>
-  </p:timing>
-</p:sld>
-</file>
-
-<file path=ppt/slides/slide20.xml><?xml version="1.0" encoding="utf-8"?>
+<file path=ppt/slides/slide21.xml><?xml version="1.0" encoding="utf-8"?>
 <p:sld xmlns:a="http://schemas.openxmlformats.org/drawingml/2006/main" xmlns:r="http://schemas.openxmlformats.org/officeDocument/2006/relationships" xmlns:p="http://schemas.openxmlformats.org/presentationml/2006/main">
   <p:cSld>
     <p:spTree>
@@ -18767,7 +19018,7 @@
 </p:sld>
 </file>
 
-<file path=ppt/slides/slide21.xml><?xml version="1.0" encoding="utf-8"?>
+<file path=ppt/slides/slide22.xml><?xml version="1.0" encoding="utf-8"?>
 <p:sld xmlns:a="http://schemas.openxmlformats.org/drawingml/2006/main" xmlns:r="http://schemas.openxmlformats.org/officeDocument/2006/relationships" xmlns:p="http://schemas.openxmlformats.org/presentationml/2006/main">
   <p:cSld>
     <p:spTree>
@@ -18873,7 +19124,15 @@
             </a:r>
             <a:r>
               <a:rPr lang="en-US" sz="2400" dirty="0"/>
-              <a:t> uses predictive models, known as signatures, </a:t>
+              <a:t> uses predictive models, known as </a:t>
+            </a:r>
+            <a:r>
+              <a:rPr lang="en-US" sz="2400" b="1" dirty="0"/>
+              <a:t>signatures</a:t>
+            </a:r>
+            <a:r>
+              <a:rPr lang="en-US" sz="2400" dirty="0"/>
+              <a:t>, </a:t>
             </a:r>
             <a:endParaRPr lang="en-US" sz="2400" dirty="0" smtClean="0"/>
           </a:p>
@@ -18980,7 +19239,7 @@
 </p:sld>
 </file>
 
-<file path=ppt/slides/slide22.xml><?xml version="1.0" encoding="utf-8"?>
+<file path=ppt/slides/slide23.xml><?xml version="1.0" encoding="utf-8"?>
 <p:sld xmlns:a="http://schemas.openxmlformats.org/drawingml/2006/main" xmlns:r="http://schemas.openxmlformats.org/officeDocument/2006/relationships" xmlns:p="http://schemas.openxmlformats.org/presentationml/2006/main">
   <p:cSld>
     <p:spTree>
@@ -20071,7 +20330,7 @@
 </p:sld>
 </file>
 
-<file path=ppt/slides/slide23.xml><?xml version="1.0" encoding="utf-8"?>
+<file path=ppt/slides/slide24.xml><?xml version="1.0" encoding="utf-8"?>
 <p:sld xmlns:a="http://schemas.openxmlformats.org/drawingml/2006/main" xmlns:r="http://schemas.openxmlformats.org/officeDocument/2006/relationships" xmlns:p="http://schemas.openxmlformats.org/presentationml/2006/main">
   <p:cSld>
     <p:spTree>
@@ -20596,7 +20855,7 @@
 </p:sld>
 </file>
 
-<file path=ppt/slides/slide24.xml><?xml version="1.0" encoding="utf-8"?>
+<file path=ppt/slides/slide25.xml><?xml version="1.0" encoding="utf-8"?>
 <p:sld xmlns:a="http://schemas.openxmlformats.org/drawingml/2006/main" xmlns:r="http://schemas.openxmlformats.org/officeDocument/2006/relationships" xmlns:p="http://schemas.openxmlformats.org/presentationml/2006/main">
   <p:cSld>
     <p:spTree>
@@ -20882,7 +21141,7 @@
 </p:sld>
 </file>
 
-<file path=ppt/slides/slide25.xml><?xml version="1.0" encoding="utf-8"?>
+<file path=ppt/slides/slide26.xml><?xml version="1.0" encoding="utf-8"?>
 <p:sld xmlns:a="http://schemas.openxmlformats.org/drawingml/2006/main" xmlns:r="http://schemas.openxmlformats.org/officeDocument/2006/relationships" xmlns:p="http://schemas.openxmlformats.org/presentationml/2006/main">
   <p:cSld>
     <p:spTree>
@@ -21107,7 +21366,7 @@
 </p:sld>
 </file>
 
-<file path=ppt/slides/slide26.xml><?xml version="1.0" encoding="utf-8"?>
+<file path=ppt/slides/slide27.xml><?xml version="1.0" encoding="utf-8"?>
 <p:sld xmlns:a="http://schemas.openxmlformats.org/drawingml/2006/main" xmlns:r="http://schemas.openxmlformats.org/officeDocument/2006/relationships" xmlns:p="http://schemas.openxmlformats.org/presentationml/2006/main">
   <p:cSld>
     <p:spTree>
@@ -21206,7 +21465,7 @@
 </p:sld>
 </file>
 
-<file path=ppt/slides/slide27.xml><?xml version="1.0" encoding="utf-8"?>
+<file path=ppt/slides/slide28.xml><?xml version="1.0" encoding="utf-8"?>
 <p:sld xmlns:a="http://schemas.openxmlformats.org/drawingml/2006/main" xmlns:r="http://schemas.openxmlformats.org/officeDocument/2006/relationships" xmlns:p="http://schemas.openxmlformats.org/presentationml/2006/main">
   <p:cSld>
     <p:spTree>
@@ -21653,7 +21912,7 @@
 </p:sld>
 </file>
 
-<file path=ppt/slides/slide28.xml><?xml version="1.0" encoding="utf-8"?>
+<file path=ppt/slides/slide29.xml><?xml version="1.0" encoding="utf-8"?>
 <p:sld xmlns:a="http://schemas.openxmlformats.org/drawingml/2006/main" xmlns:r="http://schemas.openxmlformats.org/officeDocument/2006/relationships" xmlns:p="http://schemas.openxmlformats.org/presentationml/2006/main">
   <p:cSld>
     <p:spTree>
@@ -22356,150 +22615,6 @@
     <p:extLst>
       <p:ext uri="{BB962C8B-B14F-4D97-AF65-F5344CB8AC3E}">
         <p14:creationId xmlns:p14="http://schemas.microsoft.com/office/powerpoint/2010/main" val="285581339"/>
-      </p:ext>
-    </p:extLst>
-  </p:cSld>
-  <p:clrMapOvr>
-    <a:masterClrMapping/>
-  </p:clrMapOvr>
-  <p:timing>
-    <p:tnLst>
-      <p:par>
-        <p:cTn xmlns:p14="http://schemas.microsoft.com/office/powerpoint/2010/main" id="1" dur="indefinite" restart="never" nodeType="tmRoot"/>
-      </p:par>
-    </p:tnLst>
-  </p:timing>
-</p:sld>
-</file>
-
-<file path=ppt/slides/slide29.xml><?xml version="1.0" encoding="utf-8"?>
-<p:sld xmlns:a="http://schemas.openxmlformats.org/drawingml/2006/main" xmlns:r="http://schemas.openxmlformats.org/officeDocument/2006/relationships" xmlns:p="http://schemas.openxmlformats.org/presentationml/2006/main">
-  <p:cSld>
-    <p:spTree>
-      <p:nvGrpSpPr>
-        <p:cNvPr id="1" name=""/>
-        <p:cNvGrpSpPr/>
-        <p:nvPr/>
-      </p:nvGrpSpPr>
-      <p:grpSpPr>
-        <a:xfrm>
-          <a:off x="0" y="0"/>
-          <a:ext cx="0" cy="0"/>
-          <a:chOff x="0" y="0"/>
-          <a:chExt cx="0" cy="0"/>
-        </a:xfrm>
-      </p:grpSpPr>
-      <p:sp>
-        <p:nvSpPr>
-          <p:cNvPr id="2" name="Title 1"/>
-          <p:cNvSpPr>
-            <a:spLocks noGrp="1"/>
-          </p:cNvSpPr>
-          <p:nvPr>
-            <p:ph type="title"/>
-          </p:nvPr>
-        </p:nvSpPr>
-        <p:spPr/>
-        <p:txBody>
-          <a:bodyPr/>
-          <a:lstStyle/>
-          <a:p>
-            <a:r>
-              <a:rPr lang="en-US" dirty="0"/>
-              <a:t>Blast2GO</a:t>
-            </a:r>
-          </a:p>
-        </p:txBody>
-      </p:sp>
-      <p:pic>
-        <p:nvPicPr>
-          <p:cNvPr id="4" name="Picture 5" descr="Pic12-Blast2GO"/>
-          <p:cNvPicPr>
-            <a:picLocks noGrp="1" noChangeAspect="1" noChangeArrowheads="1"/>
-          </p:cNvPicPr>
-          <p:nvPr>
-            <p:ph/>
-          </p:nvPr>
-        </p:nvPicPr>
-        <p:blipFill>
-          <a:blip r:embed="rId3">
-            <a:extLst>
-              <a:ext uri="{28A0092B-C50C-407E-A947-70E740481C1C}">
-                <a14:useLocalDpi xmlns:a14="http://schemas.microsoft.com/office/drawing/2010/main" val="0"/>
-              </a:ext>
-            </a:extLst>
-          </a:blip>
-          <a:srcRect l="2875" r="-136" b="4353"/>
-          <a:stretch>
-            <a:fillRect/>
-          </a:stretch>
-        </p:blipFill>
-        <p:spPr>
-          <a:xfrm>
-            <a:off x="323850" y="1341438"/>
-            <a:ext cx="6583363" cy="5127625"/>
-          </a:xfrm>
-          <a:noFill/>
-        </p:spPr>
-      </p:pic>
-      <p:pic>
-        <p:nvPicPr>
-          <p:cNvPr id="5" name="Picture 3" descr="logo_B2G.png"/>
-          <p:cNvPicPr>
-            <a:picLocks noChangeAspect="1"/>
-          </p:cNvPicPr>
-          <p:nvPr/>
-        </p:nvPicPr>
-        <p:blipFill>
-          <a:blip r:embed="rId4">
-            <a:extLst>
-              <a:ext uri="{28A0092B-C50C-407E-A947-70E740481C1C}">
-                <a14:useLocalDpi xmlns:a14="http://schemas.microsoft.com/office/drawing/2010/main" val="0"/>
-              </a:ext>
-            </a:extLst>
-          </a:blip>
-          <a:srcRect/>
-          <a:stretch>
-            <a:fillRect/>
-          </a:stretch>
-        </p:blipFill>
-        <p:spPr bwMode="auto">
-          <a:xfrm>
-            <a:off x="7164388" y="908050"/>
-            <a:ext cx="1812925" cy="1008063"/>
-          </a:xfrm>
-          <a:prstGeom prst="rect">
-            <a:avLst/>
-          </a:prstGeom>
-          <a:noFill/>
-          <a:ln>
-            <a:noFill/>
-          </a:ln>
-          <a:extLst>
-            <a:ext uri="{909E8E84-426E-40dd-AFC4-6F175D3DCCD1}">
-              <a14:hiddenFill xmlns:a14="http://schemas.microsoft.com/office/drawing/2010/main">
-                <a:solidFill>
-                  <a:srgbClr val="FFFFFF"/>
-                </a:solidFill>
-              </a14:hiddenFill>
-            </a:ext>
-            <a:ext uri="{91240B29-F687-4f45-9708-019B960494DF}">
-              <a14:hiddenLine xmlns:a14="http://schemas.microsoft.com/office/drawing/2010/main" w="9525">
-                <a:solidFill>
-                  <a:srgbClr val="000000"/>
-                </a:solidFill>
-                <a:miter lim="800000"/>
-                <a:headEnd/>
-                <a:tailEnd/>
-              </a14:hiddenLine>
-            </a:ext>
-          </a:extLst>
-        </p:spPr>
-      </p:pic>
-    </p:spTree>
-    <p:extLst>
-      <p:ext uri="{BB962C8B-B14F-4D97-AF65-F5344CB8AC3E}">
-        <p14:creationId xmlns:p14="http://schemas.microsoft.com/office/powerpoint/2010/main" val="2064548050"/>
       </p:ext>
     </p:extLst>
   </p:cSld>
@@ -25043,6 +25158,150 @@
               <a:rPr lang="en-US" dirty="0"/>
               <a:t>Blast2GO</a:t>
             </a:r>
+          </a:p>
+        </p:txBody>
+      </p:sp>
+      <p:pic>
+        <p:nvPicPr>
+          <p:cNvPr id="4" name="Picture 5" descr="Pic12-Blast2GO"/>
+          <p:cNvPicPr>
+            <a:picLocks noGrp="1" noChangeAspect="1" noChangeArrowheads="1"/>
+          </p:cNvPicPr>
+          <p:nvPr>
+            <p:ph/>
+          </p:nvPr>
+        </p:nvPicPr>
+        <p:blipFill>
+          <a:blip r:embed="rId3">
+            <a:extLst>
+              <a:ext uri="{28A0092B-C50C-407E-A947-70E740481C1C}">
+                <a14:useLocalDpi xmlns:a14="http://schemas.microsoft.com/office/drawing/2010/main" val="0"/>
+              </a:ext>
+            </a:extLst>
+          </a:blip>
+          <a:srcRect l="2875" r="-136" b="4353"/>
+          <a:stretch>
+            <a:fillRect/>
+          </a:stretch>
+        </p:blipFill>
+        <p:spPr>
+          <a:xfrm>
+            <a:off x="323850" y="1341438"/>
+            <a:ext cx="6583363" cy="5127625"/>
+          </a:xfrm>
+          <a:noFill/>
+        </p:spPr>
+      </p:pic>
+      <p:pic>
+        <p:nvPicPr>
+          <p:cNvPr id="5" name="Picture 3" descr="logo_B2G.png"/>
+          <p:cNvPicPr>
+            <a:picLocks noChangeAspect="1"/>
+          </p:cNvPicPr>
+          <p:nvPr/>
+        </p:nvPicPr>
+        <p:blipFill>
+          <a:blip r:embed="rId4">
+            <a:extLst>
+              <a:ext uri="{28A0092B-C50C-407E-A947-70E740481C1C}">
+                <a14:useLocalDpi xmlns:a14="http://schemas.microsoft.com/office/drawing/2010/main" val="0"/>
+              </a:ext>
+            </a:extLst>
+          </a:blip>
+          <a:srcRect/>
+          <a:stretch>
+            <a:fillRect/>
+          </a:stretch>
+        </p:blipFill>
+        <p:spPr bwMode="auto">
+          <a:xfrm>
+            <a:off x="7164388" y="908050"/>
+            <a:ext cx="1812925" cy="1008063"/>
+          </a:xfrm>
+          <a:prstGeom prst="rect">
+            <a:avLst/>
+          </a:prstGeom>
+          <a:noFill/>
+          <a:ln>
+            <a:noFill/>
+          </a:ln>
+          <a:extLst>
+            <a:ext uri="{909E8E84-426E-40dd-AFC4-6F175D3DCCD1}">
+              <a14:hiddenFill xmlns:a14="http://schemas.microsoft.com/office/drawing/2010/main">
+                <a:solidFill>
+                  <a:srgbClr val="FFFFFF"/>
+                </a:solidFill>
+              </a14:hiddenFill>
+            </a:ext>
+            <a:ext uri="{91240B29-F687-4f45-9708-019B960494DF}">
+              <a14:hiddenLine xmlns:a14="http://schemas.microsoft.com/office/drawing/2010/main" w="9525">
+                <a:solidFill>
+                  <a:srgbClr val="000000"/>
+                </a:solidFill>
+                <a:miter lim="800000"/>
+                <a:headEnd/>
+                <a:tailEnd/>
+              </a14:hiddenLine>
+            </a:ext>
+          </a:extLst>
+        </p:spPr>
+      </p:pic>
+    </p:spTree>
+    <p:extLst>
+      <p:ext uri="{BB962C8B-B14F-4D97-AF65-F5344CB8AC3E}">
+        <p14:creationId xmlns:p14="http://schemas.microsoft.com/office/powerpoint/2010/main" val="2064548050"/>
+      </p:ext>
+    </p:extLst>
+  </p:cSld>
+  <p:clrMapOvr>
+    <a:masterClrMapping/>
+  </p:clrMapOvr>
+  <p:timing>
+    <p:tnLst>
+      <p:par>
+        <p:cTn xmlns:p14="http://schemas.microsoft.com/office/powerpoint/2010/main" id="1" dur="indefinite" restart="never" nodeType="tmRoot"/>
+      </p:par>
+    </p:tnLst>
+  </p:timing>
+</p:sld>
+</file>
+
+<file path=ppt/slides/slide31.xml><?xml version="1.0" encoding="utf-8"?>
+<p:sld xmlns:a="http://schemas.openxmlformats.org/drawingml/2006/main" xmlns:r="http://schemas.openxmlformats.org/officeDocument/2006/relationships" xmlns:p="http://schemas.openxmlformats.org/presentationml/2006/main">
+  <p:cSld>
+    <p:spTree>
+      <p:nvGrpSpPr>
+        <p:cNvPr id="1" name=""/>
+        <p:cNvGrpSpPr/>
+        <p:nvPr/>
+      </p:nvGrpSpPr>
+      <p:grpSpPr>
+        <a:xfrm>
+          <a:off x="0" y="0"/>
+          <a:ext cx="0" cy="0"/>
+          <a:chOff x="0" y="0"/>
+          <a:chExt cx="0" cy="0"/>
+        </a:xfrm>
+      </p:grpSpPr>
+      <p:sp>
+        <p:nvSpPr>
+          <p:cNvPr id="2" name="Title 1"/>
+          <p:cNvSpPr>
+            <a:spLocks noGrp="1"/>
+          </p:cNvSpPr>
+          <p:nvPr>
+            <p:ph type="title"/>
+          </p:nvPr>
+        </p:nvSpPr>
+        <p:spPr/>
+        <p:txBody>
+          <a:bodyPr/>
+          <a:lstStyle/>
+          <a:p>
+            <a:r>
+              <a:rPr lang="en-US" dirty="0"/>
+              <a:t>Blast2GO</a:t>
+            </a:r>
             <a:br>
               <a:rPr lang="en-US" dirty="0"/>
             </a:br>
@@ -25102,7 +25361,7 @@
 </p:sld>
 </file>
 
-<file path=ppt/slides/slide31.xml><?xml version="1.0" encoding="utf-8"?>
+<file path=ppt/slides/slide32.xml><?xml version="1.0" encoding="utf-8"?>
 <p:sld xmlns:a="http://schemas.openxmlformats.org/drawingml/2006/main" xmlns:r="http://schemas.openxmlformats.org/officeDocument/2006/relationships" xmlns:p="http://schemas.openxmlformats.org/presentationml/2006/main">
   <p:cSld>
     <p:spTree>
@@ -26112,7 +26371,7 @@
 </p:sld>
 </file>
 
-<file path=ppt/slides/slide32.xml><?xml version="1.0" encoding="utf-8"?>
+<file path=ppt/slides/slide33.xml><?xml version="1.0" encoding="utf-8"?>
 <p:sld xmlns:a="http://schemas.openxmlformats.org/drawingml/2006/main" xmlns:r="http://schemas.openxmlformats.org/officeDocument/2006/relationships" xmlns:p="http://schemas.openxmlformats.org/presentationml/2006/main">
   <p:cSld>
     <p:spTree>
@@ -26375,7 +26634,7 @@
 </p:sld>
 </file>
 
-<file path=ppt/slides/slide33.xml><?xml version="1.0" encoding="utf-8"?>
+<file path=ppt/slides/slide34.xml><?xml version="1.0" encoding="utf-8"?>
 <p:sld xmlns:a="http://schemas.openxmlformats.org/drawingml/2006/main" xmlns:r="http://schemas.openxmlformats.org/officeDocument/2006/relationships" xmlns:p="http://schemas.openxmlformats.org/presentationml/2006/main">
   <p:cSld>
     <p:spTree>
@@ -26469,7 +26728,7 @@
 </p:sld>
 </file>
 
-<file path=ppt/slides/slide34.xml><?xml version="1.0" encoding="utf-8"?>
+<file path=ppt/slides/slide35.xml><?xml version="1.0" encoding="utf-8"?>
 <p:sld xmlns:a="http://schemas.openxmlformats.org/drawingml/2006/main" xmlns:r="http://schemas.openxmlformats.org/officeDocument/2006/relationships" xmlns:p="http://schemas.openxmlformats.org/presentationml/2006/main">
   <p:cSld>
     <p:spTree>
@@ -26692,7 +26951,7 @@
 </p:sld>
 </file>
 
-<file path=ppt/slides/slide35.xml><?xml version="1.0" encoding="utf-8"?>
+<file path=ppt/slides/slide36.xml><?xml version="1.0" encoding="utf-8"?>
 <p:sld xmlns:a="http://schemas.openxmlformats.org/drawingml/2006/main" xmlns:r="http://schemas.openxmlformats.org/officeDocument/2006/relationships" xmlns:p="http://schemas.openxmlformats.org/presentationml/2006/main">
   <p:cSld>
     <p:spTree>
@@ -27331,7 +27590,6 @@
               <a:rPr lang="en-US" dirty="0" smtClean="0"/>
               <a:t>Accurate</a:t>
             </a:r>
-            <a:endParaRPr lang="en-US" dirty="0" smtClean="0"/>
           </a:p>
           <a:p>
             <a:pPr marL="0" indent="0">
@@ -27735,7 +27993,7 @@
         </p:spPr>
         <p:txBody>
           <a:bodyPr>
-            <a:normAutofit fontScale="92500" lnSpcReduction="10000"/>
+            <a:normAutofit/>
           </a:bodyPr>
           <a:lstStyle/>
           <a:p>
@@ -27748,46 +28006,7 @@
             </a:r>
             <a:r>
               <a:rPr lang="en-US" sz="2400" dirty="0" smtClean="0"/>
-              <a:t>similarity/motif/profile</a:t>
-            </a:r>
-            <a:endParaRPr lang="en-US" sz="2400" dirty="0"/>
-          </a:p>
-          <a:p>
-            <a:pPr lvl="1">
-              <a:defRPr/>
-            </a:pPr>
-            <a:r>
-              <a:rPr lang="en-US" sz="2200" dirty="0"/>
-              <a:t>Best blast </a:t>
-            </a:r>
-            <a:r>
-              <a:rPr lang="en-US" sz="2200" dirty="0" smtClean="0"/>
-              <a:t>hit (</a:t>
-            </a:r>
-            <a:r>
-              <a:rPr lang="en-US" sz="2200" dirty="0"/>
-              <a:t>similarity-detection</a:t>
-            </a:r>
-            <a:r>
-              <a:rPr lang="en-US" sz="2200" dirty="0" smtClean="0"/>
-              <a:t>)</a:t>
-            </a:r>
-          </a:p>
-          <a:p>
-            <a:pPr lvl="1">
-              <a:defRPr/>
-            </a:pPr>
-            <a:r>
-              <a:rPr lang="en-US" sz="2200" dirty="0" smtClean="0"/>
-              <a:t>Profile-based method (HMM or other </a:t>
-            </a:r>
-            <a:r>
-              <a:rPr lang="en-US" sz="2400" dirty="0" smtClean="0"/>
-              <a:t>statistical signature</a:t>
-            </a:r>
-            <a:r>
-              <a:rPr lang="en-US" sz="2200" dirty="0" smtClean="0"/>
-              <a:t> )  </a:t>
+              <a:t>similarity</a:t>
             </a:r>
           </a:p>
           <a:p>
@@ -27795,24 +28014,54 @@
               <a:buNone/>
               <a:defRPr/>
             </a:pPr>
-            <a:endParaRPr lang="en-US" sz="2200" dirty="0" smtClean="0"/>
+            <a:r>
+              <a:rPr lang="en-US" sz="2000" dirty="0" smtClean="0"/>
+              <a:t>=&gt;Best </a:t>
+            </a:r>
+            <a:r>
+              <a:rPr lang="en-US" sz="2000" dirty="0"/>
+              <a:t>blast </a:t>
+            </a:r>
+            <a:r>
+              <a:rPr lang="en-US" sz="2000" dirty="0" smtClean="0"/>
+              <a:t>hit </a:t>
+            </a:r>
           </a:p>
           <a:p>
             <a:pPr marL="457200" lvl="1" indent="0">
               <a:buNone/>
               <a:defRPr/>
             </a:pPr>
-            <a:endParaRPr lang="en-US" sz="2200" dirty="0" smtClean="0"/>
-          </a:p>
-          <a:p>
-            <a:pPr marL="457200" lvl="1" indent="0">
-              <a:buNone/>
+            <a:endParaRPr lang="en-US" sz="2000" dirty="0" smtClean="0"/>
+          </a:p>
+          <a:p>
+            <a:pPr>
               <a:defRPr/>
             </a:pPr>
             <a:r>
-              <a:rPr lang="en-US" sz="2200" dirty="0" smtClean="0"/>
-              <a:t>	</a:t>
-            </a:r>
+              <a:rPr lang="en-US" sz="2400" dirty="0" smtClean="0"/>
+              <a:t>Based on Motif </a:t>
+            </a:r>
+          </a:p>
+          <a:p>
+            <a:pPr lvl="1">
+              <a:buFont typeface="Symbol" charset="0"/>
+              <a:buChar char=""/>
+              <a:defRPr/>
+            </a:pPr>
+            <a:r>
+              <a:rPr lang="en-US" sz="2200" dirty="0" err="1" smtClean="0"/>
+              <a:t>Proscan</a:t>
+            </a:r>
+            <a:r>
+              <a:rPr lang="en-US" sz="2200" dirty="0"/>
+              <a:t>, MEME, </a:t>
+            </a:r>
+            <a:r>
+              <a:rPr lang="en-US" sz="2200" dirty="0" err="1" smtClean="0"/>
+              <a:t>QuasiMotiFinder</a:t>
+            </a:r>
+            <a:endParaRPr lang="en-US" sz="2200" dirty="0" smtClean="0"/>
           </a:p>
           <a:p>
             <a:pPr marL="457200" lvl="1" indent="0">
@@ -27822,130 +28071,29 @@
             <a:endParaRPr lang="en-US" sz="2400" dirty="0" smtClean="0"/>
           </a:p>
           <a:p>
-            <a:pPr marL="457200" lvl="1" indent="0">
-              <a:buNone/>
+            <a:pPr>
               <a:defRPr/>
             </a:pPr>
-            <a:endParaRPr lang="en-US" sz="2400" dirty="0" smtClean="0"/>
-          </a:p>
-          <a:p>
-            <a:pPr marL="457200" lvl="1" indent="0">
-              <a:buNone/>
-              <a:defRPr/>
-            </a:pPr>
-            <a:endParaRPr lang="en-US" sz="2400" dirty="0" smtClean="0"/>
-          </a:p>
-          <a:p>
-            <a:pPr marL="400050">
-              <a:defRPr/>
-            </a:pPr>
             <a:r>
               <a:rPr lang="en-US" sz="2400" dirty="0" smtClean="0"/>
-              <a:t>Based on evolutionary relationship (</a:t>
-            </a:r>
-            <a:r>
-              <a:rPr lang="en-US" sz="2400" dirty="0" err="1" smtClean="0"/>
-              <a:t>Orthology</a:t>
+              <a:t>Based on Profile</a:t>
+            </a:r>
+            <a:r>
+              <a:rPr lang="en-US" sz="2200" dirty="0"/>
+              <a:t> </a:t>
+            </a:r>
+            <a:r>
+              <a:rPr lang="en-US" sz="2200" dirty="0" smtClean="0"/>
+              <a:t>(HMM or other </a:t>
             </a:r>
             <a:r>
               <a:rPr lang="en-US" sz="2400" dirty="0" smtClean="0"/>
-              <a:t>)</a:t>
-            </a:r>
-          </a:p>
-          <a:p>
-            <a:pPr marL="800100" lvl="1">
-              <a:defRPr/>
-            </a:pPr>
+              <a:t>statistical signature</a:t>
+            </a:r>
             <a:r>
               <a:rPr lang="en-US" sz="2200" dirty="0" smtClean="0"/>
-              <a:t>Clustering: KOG / COG</a:t>
-            </a:r>
-          </a:p>
-          <a:p>
-            <a:pPr marL="800100" lvl="1">
-              <a:defRPr/>
-            </a:pPr>
-            <a:r>
-              <a:rPr lang="en-US" sz="2200" dirty="0"/>
-              <a:t>Based on </a:t>
-            </a:r>
-            <a:r>
-              <a:rPr lang="en-US" sz="2200" dirty="0" err="1" smtClean="0"/>
-              <a:t>synteny</a:t>
-            </a:r>
-            <a:endParaRPr lang="en-US" sz="2200" dirty="0" smtClean="0"/>
-          </a:p>
-          <a:p>
-            <a:pPr lvl="2">
-              <a:buFont typeface="Symbol" charset="0"/>
-              <a:buChar char=""/>
-              <a:defRPr/>
-            </a:pPr>
-            <a:r>
-              <a:rPr lang="en-US" sz="2000" dirty="0"/>
-              <a:t>Whole genome alignment (</a:t>
-            </a:r>
-            <a:r>
-              <a:rPr lang="en-US" sz="2000" dirty="0" err="1"/>
-              <a:t>lastZ</a:t>
-            </a:r>
-            <a:r>
-              <a:rPr lang="en-US" sz="2000" dirty="0"/>
-              <a:t>)</a:t>
-            </a:r>
-          </a:p>
-          <a:p>
-            <a:pPr marL="857250" lvl="2" indent="0">
-              <a:buNone/>
-              <a:defRPr/>
-            </a:pPr>
-            <a:r>
-              <a:rPr lang="en-US" sz="2000" dirty="0"/>
-              <a:t>(NBIS) Satsuma + kraken + custom </a:t>
-            </a:r>
-            <a:r>
-              <a:rPr lang="en-US" sz="2000" dirty="0" smtClean="0"/>
-              <a:t>script</a:t>
-            </a:r>
-            <a:endParaRPr lang="en-US" sz="2200" dirty="0" smtClean="0"/>
-          </a:p>
-          <a:p>
-            <a:pPr marL="800100" lvl="1">
-              <a:defRPr/>
-            </a:pPr>
-            <a:r>
-              <a:rPr lang="en-US" sz="2200" dirty="0" smtClean="0"/>
-              <a:t>Based </a:t>
-            </a:r>
-            <a:r>
-              <a:rPr lang="en-US" sz="2200" dirty="0"/>
-              <a:t>on </a:t>
-            </a:r>
-            <a:r>
-              <a:rPr lang="en-US" sz="2200" dirty="0" smtClean="0"/>
-              <a:t>phylogeny</a:t>
-            </a:r>
-          </a:p>
-          <a:p>
-            <a:pPr lvl="2">
-              <a:buFont typeface="Symbol" charset="0"/>
-              <a:buChar char=""/>
-              <a:defRPr/>
-            </a:pPr>
-            <a:r>
-              <a:rPr lang="en-US" sz="2000" dirty="0" smtClean="0"/>
-              <a:t> Quite complicated at large scale</a:t>
-            </a:r>
-          </a:p>
-          <a:p>
-            <a:pPr marL="914400" lvl="2" indent="0">
-              <a:buNone/>
-              <a:defRPr/>
-            </a:pPr>
-            <a:endParaRPr lang="en-US" sz="1800" dirty="0"/>
-          </a:p>
-          <a:p>
-            <a:endParaRPr lang="en-US" dirty="0"/>
+              <a:t> )  </a:t>
+            </a:r>
           </a:p>
         </p:txBody>
       </p:sp>
@@ -27957,7 +28105,7 @@
         </p:nvSpPr>
         <p:spPr>
           <a:xfrm>
-            <a:off x="6727954" y="3081347"/>
+            <a:off x="6727954" y="5431373"/>
             <a:ext cx="2416046" cy="646331"/>
           </a:xfrm>
           <a:prstGeom prst="rect">
@@ -28016,7 +28164,7 @@
         </p:nvSpPr>
         <p:spPr>
           <a:xfrm>
-            <a:off x="923794" y="3289602"/>
+            <a:off x="923794" y="5639628"/>
             <a:ext cx="1237501" cy="646331"/>
           </a:xfrm>
           <a:prstGeom prst="rect">
@@ -28072,7 +28220,7 @@
         </p:nvSpPr>
         <p:spPr>
           <a:xfrm>
-            <a:off x="125590" y="2579580"/>
+            <a:off x="125590" y="4929606"/>
             <a:ext cx="2224399" cy="646331"/>
           </a:xfrm>
           <a:prstGeom prst="rect">
@@ -28116,7 +28264,7 @@
         </p:nvSpPr>
         <p:spPr>
           <a:xfrm>
-            <a:off x="2338268" y="3612767"/>
+            <a:off x="2338268" y="5962793"/>
             <a:ext cx="4325223" cy="646331"/>
           </a:xfrm>
           <a:prstGeom prst="rect">
@@ -28197,7 +28345,7 @@
         </p:nvSpPr>
         <p:spPr>
           <a:xfrm>
-            <a:off x="7485447" y="2362257"/>
+            <a:off x="7485447" y="4712283"/>
             <a:ext cx="397164" cy="461665"/>
           </a:xfrm>
           <a:prstGeom prst="rect">
@@ -28226,7 +28374,7 @@
         </p:nvCxnSpPr>
         <p:spPr>
           <a:xfrm flipH="1">
-            <a:off x="1986212" y="2362257"/>
+            <a:off x="1986212" y="4712283"/>
             <a:ext cx="1966028" cy="461665"/>
           </a:xfrm>
           <a:prstGeom prst="straightConnector1">
@@ -28259,7 +28407,7 @@
         </p:nvCxnSpPr>
         <p:spPr>
           <a:xfrm flipH="1">
-            <a:off x="1986212" y="2362257"/>
+            <a:off x="1986212" y="4712283"/>
             <a:ext cx="1996508" cy="1042256"/>
           </a:xfrm>
           <a:prstGeom prst="straightConnector1">
@@ -28292,7 +28440,7 @@
         </p:nvCxnSpPr>
         <p:spPr>
           <a:xfrm>
-            <a:off x="3952240" y="2362257"/>
+            <a:off x="3952240" y="4712283"/>
             <a:ext cx="30480" cy="1250510"/>
           </a:xfrm>
           <a:prstGeom prst="straightConnector1">
@@ -28325,7 +28473,7 @@
         </p:nvCxnSpPr>
         <p:spPr>
           <a:xfrm>
-            <a:off x="3952240" y="2362257"/>
+            <a:off x="3952240" y="4712283"/>
             <a:ext cx="2965718" cy="719090"/>
           </a:xfrm>
           <a:prstGeom prst="straightConnector1">
@@ -28358,7 +28506,7 @@
         </p:nvCxnSpPr>
         <p:spPr>
           <a:xfrm>
-            <a:off x="3952240" y="2362257"/>
+            <a:off x="3952240" y="4712283"/>
             <a:ext cx="3425114" cy="393777"/>
           </a:xfrm>
           <a:prstGeom prst="straightConnector1">
@@ -28428,11 +28576,11 @@
               <a:t>Methods - </a:t>
             </a:r>
             <a:r>
-              <a:rPr lang="en-US" dirty="0"/>
+              <a:rPr lang="en-US" b="1" dirty="0"/>
               <a:t>Sequence</a:t>
             </a:r>
             <a:r>
-              <a:rPr lang="en-US" dirty="0" smtClean="0">
+              <a:rPr lang="en-US" b="1" dirty="0" smtClean="0">
                 <a:solidFill>
                   <a:schemeClr val="tx1"/>
                 </a:solidFill>
@@ -28440,14 +28588,14 @@
               <a:t>-</a:t>
             </a:r>
             <a:r>
-              <a:rPr lang="en-US" dirty="0">
+              <a:rPr lang="en-US" b="1" dirty="0">
                 <a:solidFill>
                   <a:schemeClr val="tx1"/>
                 </a:solidFill>
               </a:rPr>
               <a:t>based</a:t>
             </a:r>
-            <a:endParaRPr lang="en-US" dirty="0"/>
+            <a:endParaRPr lang="en-US" b="1" dirty="0"/>
           </a:p>
         </p:txBody>
       </p:sp>
@@ -28467,7 +28615,7 @@
         </p:blipFill>
         <p:spPr>
           <a:xfrm>
-            <a:off x="2832723" y="2328492"/>
+            <a:off x="2832723" y="4678518"/>
             <a:ext cx="3220490" cy="855083"/>
           </a:xfrm>
           <a:prstGeom prst="rect">
@@ -28475,6 +28623,117 @@
           </a:prstGeom>
         </p:spPr>
       </p:pic>
+      <p:sp>
+        <p:nvSpPr>
+          <p:cNvPr id="2" name="Rounded Rectangle 1"/>
+          <p:cNvSpPr/>
+          <p:nvPr/>
+        </p:nvSpPr>
+        <p:spPr>
+          <a:xfrm>
+            <a:off x="5616801" y="2835993"/>
+            <a:ext cx="3069999" cy="451999"/>
+          </a:xfrm>
+          <a:prstGeom prst="roundRect">
+            <a:avLst/>
+          </a:prstGeom>
+        </p:spPr>
+        <p:style>
+          <a:lnRef idx="1">
+            <a:schemeClr val="accent1"/>
+          </a:lnRef>
+          <a:fillRef idx="3">
+            <a:schemeClr val="accent1"/>
+          </a:fillRef>
+          <a:effectRef idx="2">
+            <a:schemeClr val="accent1"/>
+          </a:effectRef>
+          <a:fontRef idx="minor">
+            <a:schemeClr val="lt1"/>
+          </a:fontRef>
+        </p:style>
+        <p:txBody>
+          <a:bodyPr rtlCol="0" anchor="ctr"/>
+          <a:lstStyle/>
+          <a:p>
+            <a:pPr algn="ctr"/>
+            <a:r>
+              <a:rPr lang="en-US" sz="2000" b="1" dirty="0" smtClean="0"/>
+              <a:t>D-X-[KR]-P-{WYF}-X5</a:t>
+            </a:r>
+            <a:endParaRPr lang="en-US" sz="2000" b="1" dirty="0"/>
+          </a:p>
+        </p:txBody>
+      </p:sp>
+      <p:pic>
+        <p:nvPicPr>
+          <p:cNvPr id="4" name="Picture 3" descr="Screen Shot 2018-03-01 at 18.23.44.png"/>
+          <p:cNvPicPr>
+            <a:picLocks noChangeAspect="1"/>
+          </p:cNvPicPr>
+          <p:nvPr/>
+        </p:nvPicPr>
+        <p:blipFill>
+          <a:blip r:embed="rId4">
+            <a:extLst>
+              <a:ext uri="{28A0092B-C50C-407E-A947-70E740481C1C}">
+                <a14:useLocalDpi xmlns:a14="http://schemas.microsoft.com/office/drawing/2010/main" val="0"/>
+              </a:ext>
+            </a:extLst>
+          </a:blip>
+          <a:stretch>
+            <a:fillRect/>
+          </a:stretch>
+        </p:blipFill>
+        <p:spPr>
+          <a:xfrm>
+            <a:off x="4031047" y="1354678"/>
+            <a:ext cx="3454400" cy="685800"/>
+          </a:xfrm>
+          <a:prstGeom prst="rect">
+            <a:avLst/>
+          </a:prstGeom>
+        </p:spPr>
+      </p:pic>
+      <p:sp>
+        <p:nvSpPr>
+          <p:cNvPr id="5" name="TextBox 4"/>
+          <p:cNvSpPr txBox="1"/>
+          <p:nvPr/>
+        </p:nvSpPr>
+        <p:spPr>
+          <a:xfrm>
+            <a:off x="3785269" y="1305193"/>
+            <a:ext cx="392592" cy="738664"/>
+          </a:xfrm>
+          <a:prstGeom prst="rect">
+            <a:avLst/>
+          </a:prstGeom>
+          <a:noFill/>
+        </p:spPr>
+        <p:txBody>
+          <a:bodyPr wrap="square" rtlCol="0">
+            <a:spAutoFit/>
+          </a:bodyPr>
+          <a:lstStyle/>
+          <a:p>
+            <a:r>
+              <a:rPr lang="en-US" sz="1400" b="1" dirty="0" smtClean="0"/>
+              <a:t>Q</a:t>
+            </a:r>
+          </a:p>
+          <a:p>
+            <a:endParaRPr lang="en-US" sz="1400" b="1" dirty="0"/>
+          </a:p>
+          <a:p>
+            <a:r>
+              <a:rPr lang="en-US" sz="1400" b="1" dirty="0"/>
+              <a:t>S</a:t>
+            </a:r>
+            <a:endParaRPr lang="en-US" sz="1400" b="1" dirty="0"/>
+          </a:p>
+        </p:txBody>
+      </p:sp>
     </p:spTree>
     <p:extLst>
       <p:ext uri="{BB962C8B-B14F-4D97-AF65-F5344CB8AC3E}">
@@ -28514,7 +28773,7 @@
       </p:grpSpPr>
       <p:sp>
         <p:nvSpPr>
-          <p:cNvPr id="13" name="Content Placeholder 12"/>
+          <p:cNvPr id="3" name="Content Placeholder 2"/>
           <p:cNvSpPr>
             <a:spLocks noGrp="1"/>
           </p:cNvSpPr>
@@ -28522,198 +28781,161 @@
             <p:ph idx="1"/>
           </p:nvPr>
         </p:nvSpPr>
-        <p:spPr/>
-        <p:txBody>
-          <a:bodyPr/>
+        <p:spPr>
+          <a:xfrm>
+            <a:off x="457200" y="1215898"/>
+            <a:ext cx="8229600" cy="5642102"/>
+          </a:xfrm>
+        </p:spPr>
+        <p:txBody>
+          <a:bodyPr>
+            <a:normAutofit/>
+          </a:bodyPr>
           <a:lstStyle/>
           <a:p>
-            <a:r>
-              <a:rPr lang="en-US" sz="2000" dirty="0" smtClean="0"/>
-              <a:t>Similarity </a:t>
-            </a:r>
-            <a:r>
-              <a:rPr lang="en-US" sz="2000" dirty="0"/>
-              <a:t>to known structures. </a:t>
-            </a:r>
-            <a:endParaRPr lang="en-US" sz="2000" dirty="0" smtClean="0"/>
-          </a:p>
-          <a:p>
-            <a:endParaRPr lang="en-US" dirty="0" smtClean="0"/>
-          </a:p>
-          <a:p>
-            <a:pPr lvl="1"/>
-            <a:r>
-              <a:rPr lang="en-US" dirty="0"/>
-              <a:t>Global structure-comparison </a:t>
-            </a:r>
-            <a:endParaRPr lang="en-US" dirty="0" smtClean="0"/>
-          </a:p>
-          <a:p>
-            <a:pPr lvl="2"/>
-            <a:r>
-              <a:rPr lang="en-US" dirty="0" smtClean="0"/>
-              <a:t>CATH </a:t>
-            </a:r>
-            <a:r>
-              <a:rPr lang="en-US" dirty="0"/>
-              <a:t>and </a:t>
-            </a:r>
-            <a:r>
-              <a:rPr lang="en-US" dirty="0" smtClean="0"/>
-              <a:t>SCOP, the </a:t>
-            </a:r>
-            <a:r>
-              <a:rPr lang="en-US" dirty="0"/>
-              <a:t>two most comprehensive structure-based family resources</a:t>
+            <a:pPr marL="457200" lvl="1" indent="0">
+              <a:buNone/>
+              <a:defRPr/>
+            </a:pPr>
+            <a:endParaRPr lang="en-US" sz="2800" dirty="0" smtClean="0"/>
+          </a:p>
+          <a:p>
+            <a:pPr marL="400050">
+              <a:defRPr/>
+            </a:pPr>
+            <a:r>
+              <a:rPr lang="en-US" sz="2800" dirty="0" smtClean="0"/>
+              <a:t>Based on evolutionary relationship (</a:t>
+            </a:r>
+            <a:r>
+              <a:rPr lang="en-US" sz="2800" dirty="0" err="1" smtClean="0"/>
+              <a:t>Orthology</a:t>
+            </a:r>
+            <a:r>
+              <a:rPr lang="en-US" sz="2800" dirty="0" smtClean="0"/>
+              <a:t>)</a:t>
+            </a:r>
+          </a:p>
+          <a:p>
+            <a:pPr marL="57150" indent="0">
+              <a:buNone/>
+              <a:defRPr/>
+            </a:pPr>
+            <a:endParaRPr lang="en-US" sz="2800" dirty="0" smtClean="0"/>
+          </a:p>
+          <a:p>
+            <a:pPr marL="800100" lvl="1">
+              <a:defRPr/>
+            </a:pPr>
+            <a:r>
+              <a:rPr lang="en-US" sz="2400" dirty="0" smtClean="0"/>
+              <a:t>Clustering: KOG / COG</a:t>
+            </a:r>
+          </a:p>
+          <a:p>
+            <a:pPr marL="514350" lvl="1" indent="0">
+              <a:buNone/>
+              <a:defRPr/>
+            </a:pPr>
+            <a:endParaRPr lang="en-US" sz="2400" dirty="0" smtClean="0"/>
+          </a:p>
+          <a:p>
+            <a:pPr marL="800100" lvl="1">
+              <a:defRPr/>
+            </a:pPr>
+            <a:r>
+              <a:rPr lang="en-US" sz="2400" dirty="0"/>
+              <a:t>Based on </a:t>
+            </a:r>
+            <a:r>
+              <a:rPr lang="en-US" sz="2400" dirty="0" err="1" smtClean="0"/>
+              <a:t>synteny</a:t>
+            </a:r>
+            <a:endParaRPr lang="en-US" sz="2400" dirty="0" smtClean="0"/>
+          </a:p>
+          <a:p>
+            <a:pPr lvl="2">
+              <a:buFont typeface="Symbol" charset="0"/>
+              <a:buChar char=""/>
+              <a:defRPr/>
+            </a:pPr>
+            <a:r>
+              <a:rPr lang="en-US" sz="2400" dirty="0"/>
+              <a:t>Whole genome alignment (</a:t>
+            </a:r>
+            <a:r>
+              <a:rPr lang="en-US" sz="2400" dirty="0" err="1"/>
+              <a:t>lastZ</a:t>
+            </a:r>
+            <a:r>
+              <a:rPr lang="en-US" sz="2400" dirty="0"/>
+              <a:t>)</a:t>
+            </a:r>
+          </a:p>
+          <a:p>
+            <a:pPr marL="857250" lvl="2" indent="0">
+              <a:buNone/>
+              <a:defRPr/>
+            </a:pPr>
+            <a:r>
+              <a:rPr lang="en-US" sz="2400" dirty="0"/>
+              <a:t>(NBIS) Satsuma + kraken + custom </a:t>
+            </a:r>
+            <a:r>
+              <a:rPr lang="en-US" sz="2400" dirty="0" smtClean="0"/>
+              <a:t>script</a:t>
+            </a:r>
+          </a:p>
+          <a:p>
+            <a:pPr marL="857250" lvl="2" indent="0">
+              <a:buNone/>
+              <a:defRPr/>
+            </a:pPr>
+            <a:endParaRPr lang="en-US" sz="2400" dirty="0" smtClean="0"/>
+          </a:p>
+          <a:p>
+            <a:pPr marL="800100" lvl="1">
+              <a:defRPr/>
+            </a:pPr>
+            <a:r>
+              <a:rPr lang="en-US" sz="2400" dirty="0" smtClean="0"/>
+              <a:t>Based </a:t>
+            </a:r>
+            <a:r>
+              <a:rPr lang="en-US" sz="2400" dirty="0"/>
+              <a:t>on </a:t>
+            </a:r>
+            <a:r>
+              <a:rPr lang="en-US" sz="2400" dirty="0" smtClean="0"/>
+              <a:t>phylogeny</a:t>
+            </a:r>
+          </a:p>
+          <a:p>
+            <a:pPr lvl="2">
+              <a:buFont typeface="Symbol" charset="0"/>
+              <a:buChar char=""/>
+              <a:defRPr/>
+            </a:pPr>
+            <a:r>
+              <a:rPr lang="en-US" sz="2400" dirty="0" smtClean="0"/>
+              <a:t> Quite complicated at large scale</a:t>
             </a:r>
           </a:p>
           <a:p>
             <a:pPr marL="914400" lvl="2" indent="0">
               <a:buNone/>
+              <a:defRPr/>
             </a:pPr>
-            <a:endParaRPr lang="en-US" dirty="0" smtClean="0"/>
-          </a:p>
-          <a:p>
-            <a:pPr lvl="1"/>
-            <a:r>
-              <a:rPr lang="en-US" dirty="0"/>
-              <a:t>localized </a:t>
-            </a:r>
-            <a:r>
-              <a:rPr lang="en-US" dirty="0" smtClean="0"/>
-              <a:t>regions</a:t>
-            </a:r>
-          </a:p>
-          <a:p>
-            <a:pPr lvl="2"/>
-            <a:r>
-              <a:rPr lang="en-US" dirty="0" smtClean="0"/>
-              <a:t>might </a:t>
-            </a:r>
-            <a:r>
-              <a:rPr lang="en-US" dirty="0"/>
-              <a:t>be relevant to </a:t>
-            </a:r>
-            <a:r>
-              <a:rPr lang="en-US" dirty="0" smtClean="0"/>
-              <a:t>function: clefts</a:t>
-            </a:r>
-            <a:r>
-              <a:rPr lang="en-US" dirty="0"/>
-              <a:t>, pockets and </a:t>
-            </a:r>
-            <a:r>
-              <a:rPr lang="en-US" dirty="0" smtClean="0"/>
-              <a:t>surfaces</a:t>
-            </a:r>
-          </a:p>
-          <a:p>
-            <a:pPr marL="914400" lvl="2" indent="0">
-              <a:buNone/>
-            </a:pPr>
-            <a:endParaRPr lang="en-US" dirty="0" smtClean="0"/>
-          </a:p>
-          <a:p>
-            <a:pPr lvl="1"/>
-            <a:r>
-              <a:rPr lang="en-US" dirty="0"/>
-              <a:t>active-site </a:t>
-            </a:r>
-            <a:r>
-              <a:rPr lang="en-US" dirty="0" smtClean="0"/>
-              <a:t>residues (</a:t>
-            </a:r>
-            <a:r>
-              <a:rPr lang="en-US" dirty="0"/>
-              <a:t>catalytic clusters and ligand-binding sites</a:t>
-            </a:r>
-            <a:r>
-              <a:rPr lang="en-US" dirty="0" smtClean="0"/>
-              <a:t>)</a:t>
-            </a:r>
-          </a:p>
-          <a:p>
-            <a:pPr lvl="2"/>
-            <a:r>
-              <a:rPr lang="en-US" dirty="0"/>
-              <a:t>active-site residues is often more conserved than the overall </a:t>
-            </a:r>
-            <a:r>
-              <a:rPr lang="en-US" dirty="0" smtClean="0"/>
-              <a:t>fold</a:t>
-            </a:r>
-          </a:p>
-          <a:p>
-            <a:pPr marL="914400" lvl="2" indent="0">
-              <a:buNone/>
-            </a:pPr>
-            <a:r>
-              <a:rPr lang="en-US" dirty="0" smtClean="0"/>
-              <a:t>=&gt; </a:t>
-            </a:r>
-            <a:r>
-              <a:rPr lang="en-US" dirty="0" err="1" smtClean="0"/>
-              <a:t>PDBSiteScan</a:t>
-            </a:r>
-            <a:r>
-              <a:rPr lang="en-US" dirty="0" smtClean="0"/>
-              <a:t> </a:t>
-            </a:r>
+            <a:endParaRPr lang="en-US" sz="1800" dirty="0"/>
+          </a:p>
+          <a:p>
             <a:endParaRPr lang="en-US" dirty="0"/>
           </a:p>
-          <a:p>
-            <a:endParaRPr lang="en-US" dirty="0" smtClean="0"/>
-          </a:p>
-          <a:p>
-            <a:pPr marL="400050" lvl="1" indent="0">
-              <a:buNone/>
-            </a:pPr>
-            <a:endParaRPr lang="en-US" dirty="0" smtClean="0"/>
-          </a:p>
-          <a:p>
-            <a:pPr marL="400050" lvl="1" indent="0" algn="ctr">
-              <a:buNone/>
-            </a:pPr>
-            <a:r>
-              <a:rPr lang="en-US" dirty="0" smtClean="0"/>
-              <a:t>no </a:t>
-            </a:r>
-            <a:r>
-              <a:rPr lang="en-US" dirty="0"/>
-              <a:t>single method is always </a:t>
-            </a:r>
-            <a:r>
-              <a:rPr lang="en-US" dirty="0" smtClean="0"/>
-              <a:t>successful</a:t>
-            </a:r>
-            <a:endParaRPr lang="en-US" dirty="0"/>
-          </a:p>
-          <a:p>
-            <a:pPr marL="0" indent="0">
-              <a:buNone/>
-            </a:pPr>
-            <a:endParaRPr lang="en-US" dirty="0"/>
-          </a:p>
-          <a:p>
-            <a:endParaRPr lang="en-US" dirty="0"/>
-          </a:p>
-          <a:p>
-            <a:endParaRPr lang="en-US" dirty="0"/>
-          </a:p>
-          <a:p>
-            <a:endParaRPr lang="en-US" dirty="0"/>
-          </a:p>
-          <a:p>
-            <a:endParaRPr lang="en-US" dirty="0"/>
-          </a:p>
-          <a:p>
-            <a:endParaRPr lang="en-US" dirty="0"/>
-          </a:p>
-        </p:txBody>
-      </p:sp>
-      <p:sp>
-        <p:nvSpPr>
-          <p:cNvPr id="14" name="Title 1"/>
+        </p:txBody>
+      </p:sp>
+      <p:sp>
+        <p:nvSpPr>
+          <p:cNvPr id="34" name="Title 1"/>
           <p:cNvSpPr txBox="1">
             <a:spLocks/>
           </p:cNvSpPr>
@@ -28753,9 +28975,315 @@
                   <a:schemeClr val="tx1"/>
                 </a:solidFill>
               </a:rPr>
-              <a:t>Methods - Structure-based</a:t>
-            </a:r>
-            <a:endParaRPr lang="en-US" dirty="0"/>
+              <a:t>Methods - </a:t>
+            </a:r>
+            <a:r>
+              <a:rPr lang="en-US" b="1" dirty="0"/>
+              <a:t>Sequence</a:t>
+            </a:r>
+            <a:r>
+              <a:rPr lang="en-US" b="1" dirty="0" smtClean="0">
+                <a:solidFill>
+                  <a:schemeClr val="tx1"/>
+                </a:solidFill>
+              </a:rPr>
+              <a:t>-</a:t>
+            </a:r>
+            <a:r>
+              <a:rPr lang="en-US" b="1" dirty="0">
+                <a:solidFill>
+                  <a:schemeClr val="tx1"/>
+                </a:solidFill>
+              </a:rPr>
+              <a:t>based</a:t>
+            </a:r>
+            <a:endParaRPr lang="en-US" b="1" dirty="0"/>
+          </a:p>
+        </p:txBody>
+      </p:sp>
+    </p:spTree>
+    <p:extLst>
+      <p:ext uri="{BB962C8B-B14F-4D97-AF65-F5344CB8AC3E}">
+        <p14:creationId xmlns:p14="http://schemas.microsoft.com/office/powerpoint/2010/main" val="1482116588"/>
+      </p:ext>
+    </p:extLst>
+  </p:cSld>
+  <p:clrMapOvr>
+    <a:masterClrMapping/>
+  </p:clrMapOvr>
+  <p:timing>
+    <p:tnLst>
+      <p:par>
+        <p:cTn xmlns:p14="http://schemas.microsoft.com/office/powerpoint/2010/main" id="1" dur="indefinite" restart="never" nodeType="tmRoot"/>
+      </p:par>
+    </p:tnLst>
+  </p:timing>
+</p:sld>
+</file>
+
+<file path=ppt/slides/slide7.xml><?xml version="1.0" encoding="utf-8"?>
+<p:sld xmlns:a="http://schemas.openxmlformats.org/drawingml/2006/main" xmlns:r="http://schemas.openxmlformats.org/officeDocument/2006/relationships" xmlns:p="http://schemas.openxmlformats.org/presentationml/2006/main">
+  <p:cSld>
+    <p:spTree>
+      <p:nvGrpSpPr>
+        <p:cNvPr id="1" name=""/>
+        <p:cNvGrpSpPr/>
+        <p:nvPr/>
+      </p:nvGrpSpPr>
+      <p:grpSpPr>
+        <a:xfrm>
+          <a:off x="0" y="0"/>
+          <a:ext cx="0" cy="0"/>
+          <a:chOff x="0" y="0"/>
+          <a:chExt cx="0" cy="0"/>
+        </a:xfrm>
+      </p:grpSpPr>
+      <p:sp>
+        <p:nvSpPr>
+          <p:cNvPr id="13" name="Content Placeholder 12"/>
+          <p:cNvSpPr>
+            <a:spLocks noGrp="1"/>
+          </p:cNvSpPr>
+          <p:nvPr>
+            <p:ph idx="1"/>
+          </p:nvPr>
+        </p:nvSpPr>
+        <p:spPr>
+          <a:xfrm>
+            <a:off x="457200" y="1600200"/>
+            <a:ext cx="8229600" cy="5257800"/>
+          </a:xfrm>
+        </p:spPr>
+        <p:txBody>
+          <a:bodyPr>
+            <a:normAutofit/>
+          </a:bodyPr>
+          <a:lstStyle/>
+          <a:p>
+            <a:r>
+              <a:rPr lang="en-US" sz="2400" dirty="0" smtClean="0"/>
+              <a:t>Similarity </a:t>
+            </a:r>
+            <a:r>
+              <a:rPr lang="en-US" sz="2400" dirty="0"/>
+              <a:t>to known structures. </a:t>
+            </a:r>
+            <a:endParaRPr lang="en-US" sz="2400" dirty="0" smtClean="0"/>
+          </a:p>
+          <a:p>
+            <a:pPr marL="0" indent="0">
+              <a:buNone/>
+            </a:pPr>
+            <a:endParaRPr lang="en-US" sz="2000" dirty="0" smtClean="0"/>
+          </a:p>
+          <a:p>
+            <a:pPr lvl="1"/>
+            <a:r>
+              <a:rPr lang="en-US" sz="1800" dirty="0"/>
+              <a:t>Global structure-comparison </a:t>
+            </a:r>
+            <a:endParaRPr lang="en-US" sz="1800" dirty="0" smtClean="0"/>
+          </a:p>
+          <a:p>
+            <a:pPr lvl="2"/>
+            <a:r>
+              <a:rPr lang="en-US" sz="1800" dirty="0" smtClean="0"/>
+              <a:t>CATH </a:t>
+            </a:r>
+            <a:r>
+              <a:rPr lang="en-US" sz="1800" dirty="0"/>
+              <a:t>and </a:t>
+            </a:r>
+            <a:r>
+              <a:rPr lang="en-US" sz="1800" dirty="0" smtClean="0"/>
+              <a:t>SCOP, the </a:t>
+            </a:r>
+            <a:r>
+              <a:rPr lang="en-US" sz="1800" dirty="0"/>
+              <a:t>two most comprehensive structure-based family resources</a:t>
+            </a:r>
+          </a:p>
+          <a:p>
+            <a:pPr marL="914400" lvl="2" indent="0">
+              <a:buNone/>
+            </a:pPr>
+            <a:endParaRPr lang="en-US" sz="1800" dirty="0" smtClean="0"/>
+          </a:p>
+          <a:p>
+            <a:pPr lvl="1"/>
+            <a:r>
+              <a:rPr lang="en-US" sz="1800" dirty="0"/>
+              <a:t>localized </a:t>
+            </a:r>
+            <a:r>
+              <a:rPr lang="en-US" sz="1800" dirty="0" smtClean="0"/>
+              <a:t>regions</a:t>
+            </a:r>
+          </a:p>
+          <a:p>
+            <a:pPr lvl="2"/>
+            <a:r>
+              <a:rPr lang="en-US" sz="1800" dirty="0" smtClean="0"/>
+              <a:t>might </a:t>
+            </a:r>
+            <a:r>
+              <a:rPr lang="en-US" sz="1800" dirty="0"/>
+              <a:t>be relevant to </a:t>
+            </a:r>
+            <a:r>
+              <a:rPr lang="en-US" sz="1800" dirty="0" smtClean="0"/>
+              <a:t>function: clefts</a:t>
+            </a:r>
+            <a:r>
+              <a:rPr lang="en-US" sz="1800" dirty="0"/>
+              <a:t>, pockets and </a:t>
+            </a:r>
+            <a:r>
+              <a:rPr lang="en-US" sz="1800" dirty="0" smtClean="0"/>
+              <a:t>surfaces</a:t>
+            </a:r>
+          </a:p>
+          <a:p>
+            <a:pPr marL="914400" lvl="2" indent="0">
+              <a:buNone/>
+            </a:pPr>
+            <a:endParaRPr lang="en-US" sz="1800" dirty="0" smtClean="0"/>
+          </a:p>
+          <a:p>
+            <a:pPr lvl="1"/>
+            <a:r>
+              <a:rPr lang="en-US" sz="1800" dirty="0"/>
+              <a:t>active-site </a:t>
+            </a:r>
+            <a:r>
+              <a:rPr lang="en-US" sz="1800" dirty="0" smtClean="0"/>
+              <a:t>residues (</a:t>
+            </a:r>
+            <a:r>
+              <a:rPr lang="en-US" sz="1800" dirty="0"/>
+              <a:t>catalytic clusters and ligand-binding sites</a:t>
+            </a:r>
+            <a:r>
+              <a:rPr lang="en-US" sz="1800" dirty="0" smtClean="0"/>
+              <a:t>)</a:t>
+            </a:r>
+          </a:p>
+          <a:p>
+            <a:pPr lvl="2"/>
+            <a:r>
+              <a:rPr lang="en-US" sz="1800" dirty="0"/>
+              <a:t>active-site residues is often more conserved than the overall </a:t>
+            </a:r>
+            <a:r>
+              <a:rPr lang="en-US" sz="1800" dirty="0" smtClean="0"/>
+              <a:t>fold</a:t>
+            </a:r>
+          </a:p>
+          <a:p>
+            <a:pPr marL="914400" lvl="2" indent="0">
+              <a:buNone/>
+            </a:pPr>
+            <a:r>
+              <a:rPr lang="en-US" sz="1800" dirty="0" smtClean="0"/>
+              <a:t>=&gt; </a:t>
+            </a:r>
+            <a:r>
+              <a:rPr lang="en-US" sz="1800" dirty="0" err="1" smtClean="0"/>
+              <a:t>PDBSiteScan</a:t>
+            </a:r>
+            <a:r>
+              <a:rPr lang="en-US" sz="1800" dirty="0" smtClean="0"/>
+              <a:t> </a:t>
+            </a:r>
+            <a:endParaRPr lang="en-US" sz="1800" dirty="0"/>
+          </a:p>
+          <a:p>
+            <a:endParaRPr lang="en-US" sz="2000" dirty="0" smtClean="0"/>
+          </a:p>
+          <a:p>
+            <a:pPr marL="400050" lvl="1" indent="0">
+              <a:buNone/>
+            </a:pPr>
+            <a:endParaRPr lang="en-US" sz="1800" dirty="0" smtClean="0"/>
+          </a:p>
+          <a:p>
+            <a:pPr marL="400050" lvl="1" indent="0" algn="ctr">
+              <a:buNone/>
+            </a:pPr>
+            <a:r>
+              <a:rPr lang="en-US" sz="1800" dirty="0" smtClean="0"/>
+              <a:t>no </a:t>
+            </a:r>
+            <a:r>
+              <a:rPr lang="en-US" sz="1800" dirty="0"/>
+              <a:t>single method is always </a:t>
+            </a:r>
+            <a:r>
+              <a:rPr lang="en-US" sz="1800" dirty="0" smtClean="0"/>
+              <a:t>successful</a:t>
+            </a:r>
+          </a:p>
+          <a:p>
+            <a:pPr marL="0" indent="0">
+              <a:buNone/>
+            </a:pPr>
+            <a:endParaRPr lang="en-US" sz="2000" dirty="0"/>
+          </a:p>
+        </p:txBody>
+      </p:sp>
+      <p:sp>
+        <p:nvSpPr>
+          <p:cNvPr id="14" name="Title 1"/>
+          <p:cNvSpPr txBox="1">
+            <a:spLocks/>
+          </p:cNvSpPr>
+          <p:nvPr/>
+        </p:nvSpPr>
+        <p:spPr>
+          <a:xfrm>
+            <a:off x="457200" y="218883"/>
+            <a:ext cx="3846396" cy="437801"/>
+          </a:xfrm>
+          <a:prstGeom prst="rect">
+            <a:avLst/>
+          </a:prstGeom>
+        </p:spPr>
+        <p:txBody>
+          <a:bodyPr/>
+          <a:lstStyle>
+            <a:lvl1pPr algn="l" defTabSz="457200" rtl="0" eaLnBrk="1" latinLnBrk="0" hangingPunct="1">
+              <a:spcBef>
+                <a:spcPct val="0"/>
+              </a:spcBef>
+              <a:buNone/>
+              <a:defRPr sz="2000" kern="1200">
+                <a:solidFill>
+                  <a:srgbClr val="000000"/>
+                </a:solidFill>
+                <a:latin typeface="+mj-lt"/>
+                <a:ea typeface="+mj-ea"/>
+                <a:cs typeface="+mj-cs"/>
+              </a:defRPr>
+            </a:lvl1pPr>
+          </a:lstStyle>
+          <a:p>
+            <a:r>
+              <a:rPr lang="en-US" dirty="0">
+                <a:solidFill>
+                  <a:schemeClr val="tx1"/>
+                </a:solidFill>
+              </a:rPr>
+              <a:t>Methods </a:t>
+            </a:r>
+            <a:r>
+              <a:rPr lang="en-US" b="1" dirty="0">
+                <a:solidFill>
+                  <a:schemeClr val="tx1"/>
+                </a:solidFill>
+              </a:rPr>
+              <a:t>- Structure-based</a:t>
+            </a:r>
+            <a:endParaRPr lang="en-US" b="1" dirty="0"/>
           </a:p>
         </p:txBody>
       </p:sp>
@@ -28779,7 +29307,7 @@
 </p:sld>
 </file>
 
-<file path=ppt/slides/slide7.xml><?xml version="1.0" encoding="utf-8"?>
+<file path=ppt/slides/slide8.xml><?xml version="1.0" encoding="utf-8"?>
 <p:sld xmlns:a="http://schemas.openxmlformats.org/drawingml/2006/main" xmlns:r="http://schemas.openxmlformats.org/officeDocument/2006/relationships" xmlns:p="http://schemas.openxmlformats.org/presentationml/2006/main">
   <p:cSld>
     <p:spTree>
@@ -29339,407 +29867,6 @@
 </p:sld>
 </file>
 
-<file path=ppt/slides/slide8.xml><?xml version="1.0" encoding="utf-8"?>
-<p:sld xmlns:a="http://schemas.openxmlformats.org/drawingml/2006/main" xmlns:r="http://schemas.openxmlformats.org/officeDocument/2006/relationships" xmlns:p="http://schemas.openxmlformats.org/presentationml/2006/main">
-  <p:cSld>
-    <p:spTree>
-      <p:nvGrpSpPr>
-        <p:cNvPr id="1" name=""/>
-        <p:cNvGrpSpPr/>
-        <p:nvPr/>
-      </p:nvGrpSpPr>
-      <p:grpSpPr>
-        <a:xfrm>
-          <a:off x="0" y="0"/>
-          <a:ext cx="0" cy="0"/>
-          <a:chOff x="0" y="0"/>
-          <a:chExt cx="0" cy="0"/>
-        </a:xfrm>
-      </p:grpSpPr>
-      <p:sp>
-        <p:nvSpPr>
-          <p:cNvPr id="3" name="Content Placeholder 2"/>
-          <p:cNvSpPr>
-            <a:spLocks noGrp="1"/>
-          </p:cNvSpPr>
-          <p:nvPr>
-            <p:ph idx="1"/>
-          </p:nvPr>
-        </p:nvSpPr>
-        <p:spPr>
-          <a:xfrm>
-            <a:off x="457200" y="1362654"/>
-            <a:ext cx="8229600" cy="5257800"/>
-          </a:xfrm>
-        </p:spPr>
-        <p:txBody>
-          <a:bodyPr/>
-          <a:lstStyle/>
-          <a:p>
-            <a:pPr marL="0" indent="0" algn="ctr">
-              <a:buNone/>
-            </a:pPr>
-            <a:r>
-              <a:rPr lang="en-US" sz="2400" dirty="0" smtClean="0">
-                <a:solidFill>
-                  <a:srgbClr val="000000"/>
-                </a:solidFill>
-              </a:rPr>
-              <a:t>Let’s focus on </a:t>
-            </a:r>
-            <a:r>
-              <a:rPr lang="en-US" sz="2400" dirty="0">
-                <a:solidFill>
-                  <a:srgbClr val="000000"/>
-                </a:solidFill>
-              </a:rPr>
-              <a:t>Sequence-</a:t>
-            </a:r>
-            <a:r>
-              <a:rPr lang="en-US" sz="2400" dirty="0" smtClean="0">
-                <a:solidFill>
-                  <a:srgbClr val="000000"/>
-                </a:solidFill>
-              </a:rPr>
-              <a:t>based methods</a:t>
-            </a:r>
-          </a:p>
-          <a:p>
-            <a:pPr marL="0" indent="0" algn="ctr">
-              <a:buNone/>
-            </a:pPr>
-            <a:endParaRPr lang="en-US" sz="2400" dirty="0" smtClean="0">
-              <a:solidFill>
-                <a:srgbClr val="000000"/>
-              </a:solidFill>
-            </a:endParaRPr>
-          </a:p>
-          <a:p>
-            <a:r>
-              <a:rPr lang="en-US" dirty="0" smtClean="0">
-                <a:solidFill>
-                  <a:srgbClr val="000000"/>
-                </a:solidFill>
-              </a:rPr>
-              <a:t>The most </a:t>
-            </a:r>
-            <a:r>
-              <a:rPr lang="en-US" dirty="0">
-                <a:solidFill>
-                  <a:srgbClr val="000000"/>
-                </a:solidFill>
-              </a:rPr>
-              <a:t>used (popular</a:t>
-            </a:r>
-            <a:r>
-              <a:rPr lang="en-US" dirty="0" smtClean="0">
-                <a:solidFill>
-                  <a:srgbClr val="000000"/>
-                </a:solidFill>
-              </a:rPr>
-              <a:t>)</a:t>
-            </a:r>
-          </a:p>
-          <a:p>
-            <a:endParaRPr lang="en-US" dirty="0" smtClean="0">
-              <a:solidFill>
-                <a:srgbClr val="000000"/>
-              </a:solidFill>
-            </a:endParaRPr>
-          </a:p>
-          <a:p>
-            <a:r>
-              <a:rPr lang="en-US" dirty="0" smtClean="0">
-                <a:solidFill>
-                  <a:srgbClr val="000000"/>
-                </a:solidFill>
-              </a:rPr>
-              <a:t>Quick</a:t>
-            </a:r>
-          </a:p>
-          <a:p>
-            <a:endParaRPr lang="en-US" dirty="0" smtClean="0">
-              <a:solidFill>
-                <a:srgbClr val="000000"/>
-              </a:solidFill>
-            </a:endParaRPr>
-          </a:p>
-          <a:p>
-            <a:r>
-              <a:rPr lang="en-US" dirty="0" smtClean="0">
-                <a:solidFill>
-                  <a:srgbClr val="000000"/>
-                </a:solidFill>
-              </a:rPr>
-              <a:t>Easy to use</a:t>
-            </a:r>
-          </a:p>
-          <a:p>
-            <a:pPr marL="0" indent="0">
-              <a:buNone/>
-            </a:pPr>
-            <a:endParaRPr lang="en-US" dirty="0" smtClean="0">
-              <a:solidFill>
-                <a:srgbClr val="000000"/>
-              </a:solidFill>
-            </a:endParaRPr>
-          </a:p>
-          <a:p>
-            <a:r>
-              <a:rPr lang="en-US" dirty="0" smtClean="0">
-                <a:solidFill>
-                  <a:srgbClr val="000000"/>
-                </a:solidFill>
-              </a:rPr>
-              <a:t>Accurate (&gt;70%</a:t>
-            </a:r>
-            <a:r>
-              <a:rPr lang="en-US" dirty="0" smtClean="0"/>
-              <a:t>) </a:t>
-            </a:r>
-          </a:p>
-          <a:p>
-            <a:pPr marL="0" indent="0">
-              <a:buNone/>
-            </a:pPr>
-            <a:endParaRPr lang="en-US" dirty="0" smtClean="0"/>
-          </a:p>
-          <a:p>
-            <a:pPr marL="0" indent="0">
-              <a:buNone/>
-            </a:pPr>
-            <a:endParaRPr lang="en-US" dirty="0"/>
-          </a:p>
-          <a:p>
-            <a:r>
-              <a:rPr lang="en-US" dirty="0" smtClean="0">
-                <a:solidFill>
-                  <a:schemeClr val="tx1"/>
-                </a:solidFill>
-              </a:rPr>
-              <a:t>Many resources: even structural domains information</a:t>
-            </a:r>
-          </a:p>
-          <a:p>
-            <a:endParaRPr lang="en-US" dirty="0" smtClean="0">
-              <a:solidFill>
-                <a:schemeClr val="tx1"/>
-              </a:solidFill>
-            </a:endParaRPr>
-          </a:p>
-          <a:p>
-            <a:r>
-              <a:rPr lang="en-US" dirty="0" smtClean="0">
-                <a:solidFill>
-                  <a:schemeClr val="tx1"/>
-                </a:solidFill>
-              </a:rPr>
-              <a:t>Less computationally demanding</a:t>
-            </a:r>
-            <a:endParaRPr lang="en-US" dirty="0">
-              <a:solidFill>
-                <a:schemeClr val="tx1"/>
-              </a:solidFill>
-            </a:endParaRPr>
-          </a:p>
-        </p:txBody>
-      </p:sp>
-      <p:sp>
-        <p:nvSpPr>
-          <p:cNvPr id="4" name="Title 1"/>
-          <p:cNvSpPr>
-            <a:spLocks noGrp="1"/>
-          </p:cNvSpPr>
-          <p:nvPr>
-            <p:ph type="title"/>
-          </p:nvPr>
-        </p:nvSpPr>
-        <p:spPr/>
-        <p:txBody>
-          <a:bodyPr/>
-          <a:lstStyle/>
-          <a:p>
-            <a:r>
-              <a:rPr lang="en-US" dirty="0"/>
-              <a:t>Functional annotation – HOW?</a:t>
-            </a:r>
-          </a:p>
-        </p:txBody>
-      </p:sp>
-      <p:sp>
-        <p:nvSpPr>
-          <p:cNvPr id="5" name="Rectangle 4"/>
-          <p:cNvSpPr/>
-          <p:nvPr/>
-        </p:nvSpPr>
-        <p:spPr>
-          <a:xfrm>
-            <a:off x="2459606" y="4263994"/>
-            <a:ext cx="4572000" cy="738664"/>
-          </a:xfrm>
-          <a:prstGeom prst="rect">
-            <a:avLst/>
-          </a:prstGeom>
-        </p:spPr>
-        <p:txBody>
-          <a:bodyPr>
-            <a:spAutoFit/>
-          </a:bodyPr>
-          <a:lstStyle/>
-          <a:p>
-            <a:r>
-              <a:rPr lang="en-US" sz="1050" dirty="0">
-                <a:solidFill>
-                  <a:schemeClr val="bg1">
-                    <a:lumMod val="50000"/>
-                  </a:schemeClr>
-                </a:solidFill>
-              </a:rPr>
-              <a:t>Watson JD, Sanderson S, </a:t>
-            </a:r>
-            <a:r>
-              <a:rPr lang="en-US" sz="1050" dirty="0" err="1">
-                <a:solidFill>
-                  <a:schemeClr val="bg1">
-                    <a:lumMod val="50000"/>
-                  </a:schemeClr>
-                </a:solidFill>
-              </a:rPr>
-              <a:t>Ezersky</a:t>
-            </a:r>
-            <a:r>
-              <a:rPr lang="en-US" sz="1050" dirty="0">
-                <a:solidFill>
-                  <a:schemeClr val="bg1">
-                    <a:lumMod val="50000"/>
-                  </a:schemeClr>
-                </a:solidFill>
-              </a:rPr>
-              <a:t> A, </a:t>
-            </a:r>
-            <a:r>
-              <a:rPr lang="en-US" sz="1050" dirty="0" err="1">
-                <a:solidFill>
-                  <a:schemeClr val="bg1">
-                    <a:lumMod val="50000"/>
-                  </a:schemeClr>
-                </a:solidFill>
-              </a:rPr>
-              <a:t>Savchenko</a:t>
-            </a:r>
-            <a:r>
-              <a:rPr lang="en-US" sz="1050" dirty="0">
-                <a:solidFill>
-                  <a:schemeClr val="bg1">
-                    <a:lumMod val="50000"/>
-                  </a:schemeClr>
-                </a:solidFill>
-              </a:rPr>
-              <a:t> A, Edwards A, </a:t>
-            </a:r>
-            <a:r>
-              <a:rPr lang="en-US" sz="1050" dirty="0" err="1">
-                <a:solidFill>
-                  <a:schemeClr val="bg1">
-                    <a:lumMod val="50000"/>
-                  </a:schemeClr>
-                </a:solidFill>
-              </a:rPr>
-              <a:t>Orengo</a:t>
-            </a:r>
-            <a:r>
-              <a:rPr lang="en-US" sz="1050" dirty="0">
-                <a:solidFill>
-                  <a:schemeClr val="bg1">
-                    <a:lumMod val="50000"/>
-                  </a:schemeClr>
-                </a:solidFill>
-              </a:rPr>
-              <a:t> C, </a:t>
-            </a:r>
-            <a:r>
-              <a:rPr lang="en-US" sz="1050" dirty="0" err="1">
-                <a:solidFill>
-                  <a:schemeClr val="bg1">
-                    <a:lumMod val="50000"/>
-                  </a:schemeClr>
-                </a:solidFill>
-              </a:rPr>
-              <a:t>Joachimiak</a:t>
-            </a:r>
-            <a:r>
-              <a:rPr lang="en-US" sz="1050" dirty="0">
-                <a:solidFill>
-                  <a:schemeClr val="bg1">
-                    <a:lumMod val="50000"/>
-                  </a:schemeClr>
-                </a:solidFill>
-              </a:rPr>
-              <a:t> A, </a:t>
-            </a:r>
-            <a:r>
-              <a:rPr lang="en-US" sz="1050" dirty="0" err="1">
-                <a:solidFill>
-                  <a:schemeClr val="bg1">
-                    <a:lumMod val="50000"/>
-                  </a:schemeClr>
-                </a:solidFill>
-              </a:rPr>
-              <a:t>Laskowski</a:t>
-            </a:r>
-            <a:r>
-              <a:rPr lang="en-US" sz="1050" dirty="0">
-                <a:solidFill>
-                  <a:schemeClr val="bg1">
-                    <a:lumMod val="50000"/>
-                  </a:schemeClr>
-                </a:solidFill>
-              </a:rPr>
-              <a:t> RA, Thornton JM: Towards fully automated structure-based function prediction in structural genomics: a case study. J </a:t>
-            </a:r>
-            <a:r>
-              <a:rPr lang="en-US" sz="1050" dirty="0" err="1">
-                <a:solidFill>
-                  <a:schemeClr val="bg1">
-                    <a:lumMod val="50000"/>
-                  </a:schemeClr>
-                </a:solidFill>
-              </a:rPr>
-              <a:t>Mol</a:t>
-            </a:r>
-            <a:r>
-              <a:rPr lang="en-US" sz="1050" dirty="0">
-                <a:solidFill>
-                  <a:schemeClr val="bg1">
-                    <a:lumMod val="50000"/>
-                  </a:schemeClr>
-                </a:solidFill>
-              </a:rPr>
-              <a:t> Biol. 2007, 367: 1511-1522. 10.1016/j.jmb.2007.01.063.</a:t>
-            </a:r>
-          </a:p>
-        </p:txBody>
-      </p:sp>
-    </p:spTree>
-    <p:extLst>
-      <p:ext uri="{BB962C8B-B14F-4D97-AF65-F5344CB8AC3E}">
-        <p14:creationId xmlns:p14="http://schemas.microsoft.com/office/powerpoint/2010/main" val="3450307471"/>
-      </p:ext>
-    </p:extLst>
-  </p:cSld>
-  <p:clrMapOvr>
-    <a:masterClrMapping/>
-  </p:clrMapOvr>
-  <p:timing>
-    <p:tnLst>
-      <p:par>
-        <p:cTn xmlns:p14="http://schemas.microsoft.com/office/powerpoint/2010/main" id="1" dur="indefinite" restart="never" nodeType="tmRoot"/>
-      </p:par>
-    </p:tnLst>
-  </p:timing>
-</p:sld>
-</file>
-
 <file path=ppt/slides/slide9.xml><?xml version="1.0" encoding="utf-8"?>
 <p:sld xmlns:a="http://schemas.openxmlformats.org/drawingml/2006/main" xmlns:r="http://schemas.openxmlformats.org/officeDocument/2006/relationships" xmlns:p="http://schemas.openxmlformats.org/presentationml/2006/main">
   <p:cSld>
@@ -29759,7 +29886,195 @@
       </p:grpSpPr>
       <p:sp>
         <p:nvSpPr>
-          <p:cNvPr id="2" name="Title 1"/>
+          <p:cNvPr id="3" name="Content Placeholder 2"/>
+          <p:cNvSpPr>
+            <a:spLocks noGrp="1"/>
+          </p:cNvSpPr>
+          <p:nvPr>
+            <p:ph idx="1"/>
+          </p:nvPr>
+        </p:nvSpPr>
+        <p:spPr>
+          <a:xfrm>
+            <a:off x="457200" y="1362654"/>
+            <a:ext cx="8229600" cy="5257800"/>
+          </a:xfrm>
+        </p:spPr>
+        <p:txBody>
+          <a:bodyPr/>
+          <a:lstStyle/>
+          <a:p>
+            <a:pPr marL="0" indent="0" algn="ctr">
+              <a:buNone/>
+            </a:pPr>
+            <a:r>
+              <a:rPr lang="en-US" sz="2400" dirty="0" smtClean="0">
+                <a:solidFill>
+                  <a:srgbClr val="000000"/>
+                </a:solidFill>
+              </a:rPr>
+              <a:t>Let’s focus on </a:t>
+            </a:r>
+            <a:r>
+              <a:rPr lang="en-US" sz="2400" dirty="0">
+                <a:solidFill>
+                  <a:srgbClr val="000000"/>
+                </a:solidFill>
+              </a:rPr>
+              <a:t>Sequence-</a:t>
+            </a:r>
+            <a:r>
+              <a:rPr lang="en-US" sz="2400" dirty="0" smtClean="0">
+                <a:solidFill>
+                  <a:srgbClr val="000000"/>
+                </a:solidFill>
+              </a:rPr>
+              <a:t>based methods</a:t>
+            </a:r>
+          </a:p>
+          <a:p>
+            <a:pPr marL="0" indent="0" algn="ctr">
+              <a:buNone/>
+            </a:pPr>
+            <a:endParaRPr lang="en-US" sz="2400" dirty="0" smtClean="0">
+              <a:solidFill>
+                <a:srgbClr val="000000"/>
+              </a:solidFill>
+            </a:endParaRPr>
+          </a:p>
+          <a:p>
+            <a:r>
+              <a:rPr lang="en-US" dirty="0" smtClean="0">
+                <a:solidFill>
+                  <a:srgbClr val="000000"/>
+                </a:solidFill>
+              </a:rPr>
+              <a:t>The most </a:t>
+            </a:r>
+            <a:r>
+              <a:rPr lang="en-US" dirty="0">
+                <a:solidFill>
+                  <a:srgbClr val="000000"/>
+                </a:solidFill>
+              </a:rPr>
+              <a:t>used (popular</a:t>
+            </a:r>
+            <a:r>
+              <a:rPr lang="en-US" dirty="0" smtClean="0">
+                <a:solidFill>
+                  <a:srgbClr val="000000"/>
+                </a:solidFill>
+              </a:rPr>
+              <a:t>)</a:t>
+            </a:r>
+          </a:p>
+          <a:p>
+            <a:endParaRPr lang="en-US" dirty="0" smtClean="0">
+              <a:solidFill>
+                <a:srgbClr val="000000"/>
+              </a:solidFill>
+            </a:endParaRPr>
+          </a:p>
+          <a:p>
+            <a:r>
+              <a:rPr lang="en-US" dirty="0" smtClean="0">
+                <a:solidFill>
+                  <a:srgbClr val="000000"/>
+                </a:solidFill>
+              </a:rPr>
+              <a:t>Quick</a:t>
+            </a:r>
+          </a:p>
+          <a:p>
+            <a:endParaRPr lang="en-US" dirty="0" smtClean="0">
+              <a:solidFill>
+                <a:srgbClr val="000000"/>
+              </a:solidFill>
+            </a:endParaRPr>
+          </a:p>
+          <a:p>
+            <a:r>
+              <a:rPr lang="en-US" dirty="0" smtClean="0">
+                <a:solidFill>
+                  <a:srgbClr val="000000"/>
+                </a:solidFill>
+              </a:rPr>
+              <a:t>Easy to use</a:t>
+            </a:r>
+          </a:p>
+          <a:p>
+            <a:pPr marL="0" indent="0">
+              <a:buNone/>
+            </a:pPr>
+            <a:endParaRPr lang="en-US" dirty="0" smtClean="0">
+              <a:solidFill>
+                <a:srgbClr val="000000"/>
+              </a:solidFill>
+            </a:endParaRPr>
+          </a:p>
+          <a:p>
+            <a:r>
+              <a:rPr lang="en-US" dirty="0" smtClean="0">
+                <a:solidFill>
+                  <a:srgbClr val="000000"/>
+                </a:solidFill>
+              </a:rPr>
+              <a:t>Accurate (&gt;70%</a:t>
+            </a:r>
+            <a:r>
+              <a:rPr lang="en-US" dirty="0" smtClean="0"/>
+              <a:t>) </a:t>
+            </a:r>
+          </a:p>
+          <a:p>
+            <a:pPr marL="0" indent="0">
+              <a:buNone/>
+            </a:pPr>
+            <a:endParaRPr lang="en-US" dirty="0" smtClean="0"/>
+          </a:p>
+          <a:p>
+            <a:pPr marL="0" indent="0">
+              <a:buNone/>
+            </a:pPr>
+            <a:endParaRPr lang="en-US" dirty="0"/>
+          </a:p>
+          <a:p>
+            <a:r>
+              <a:rPr lang="en-US" dirty="0" smtClean="0">
+                <a:solidFill>
+                  <a:schemeClr val="tx1"/>
+                </a:solidFill>
+              </a:rPr>
+              <a:t>Many resources: even structural domains information</a:t>
+            </a:r>
+          </a:p>
+          <a:p>
+            <a:endParaRPr lang="en-US" dirty="0" smtClean="0">
+              <a:solidFill>
+                <a:schemeClr val="tx1"/>
+              </a:solidFill>
+            </a:endParaRPr>
+          </a:p>
+          <a:p>
+            <a:r>
+              <a:rPr lang="en-US" dirty="0" smtClean="0">
+                <a:solidFill>
+                  <a:schemeClr val="tx1"/>
+                </a:solidFill>
+              </a:rPr>
+              <a:t>Less computationally demanding</a:t>
+            </a:r>
+            <a:endParaRPr lang="en-US" dirty="0">
+              <a:solidFill>
+                <a:schemeClr val="tx1"/>
+              </a:solidFill>
+            </a:endParaRPr>
+          </a:p>
+        </p:txBody>
+      </p:sp>
+      <p:sp>
+        <p:nvSpPr>
+          <p:cNvPr id="4" name="Title 1"/>
           <p:cNvSpPr>
             <a:spLocks noGrp="1"/>
           </p:cNvSpPr>
@@ -29781,58 +30096,162 @@
       </p:sp>
       <p:sp>
         <p:nvSpPr>
-          <p:cNvPr id="5" name="Rounded Rectangle 4"/>
+          <p:cNvPr id="5" name="Rectangle 4"/>
           <p:cNvSpPr/>
           <p:nvPr/>
         </p:nvSpPr>
         <p:spPr>
           <a:xfrm>
-            <a:off x="3202685" y="1676400"/>
-            <a:ext cx="2723358" cy="1229410"/>
+            <a:off x="2459606" y="4263994"/>
+            <a:ext cx="4572000" cy="738664"/>
           </a:xfrm>
-          <a:prstGeom prst="roundRect">
+          <a:prstGeom prst="rect">
             <a:avLst/>
           </a:prstGeom>
-          <a:solidFill>
-            <a:schemeClr val="accent3"/>
-          </a:solidFill>
-          <a:ln>
-            <a:solidFill>
-              <a:schemeClr val="accent3"/>
-            </a:solidFill>
-          </a:ln>
         </p:spPr>
-        <p:style>
-          <a:lnRef idx="1">
-            <a:schemeClr val="accent1"/>
-          </a:lnRef>
-          <a:fillRef idx="3">
-            <a:schemeClr val="accent1"/>
-          </a:fillRef>
-          <a:effectRef idx="2">
-            <a:schemeClr val="accent1"/>
-          </a:effectRef>
-          <a:fontRef idx="minor">
-            <a:schemeClr val="lt1"/>
-          </a:fontRef>
-        </p:style>
-        <p:txBody>
-          <a:bodyPr rtlCol="0" anchor="ctr"/>
+        <p:txBody>
+          <a:bodyPr>
+            <a:spAutoFit/>
+          </a:bodyPr>
           <a:lstStyle/>
           <a:p>
-            <a:pPr algn="ctr"/>
-            <a:r>
-              <a:rPr lang="en-US" sz="2800" dirty="0" smtClean="0"/>
-              <a:t>Get sequences</a:t>
-            </a:r>
-            <a:endParaRPr lang="en-US" sz="2800" dirty="0"/>
+            <a:r>
+              <a:rPr lang="en-US" sz="1050" dirty="0">
+                <a:solidFill>
+                  <a:schemeClr val="bg1">
+                    <a:lumMod val="50000"/>
+                  </a:schemeClr>
+                </a:solidFill>
+              </a:rPr>
+              <a:t>Watson JD, Sanderson S, </a:t>
+            </a:r>
+            <a:r>
+              <a:rPr lang="en-US" sz="1050" dirty="0" err="1">
+                <a:solidFill>
+                  <a:schemeClr val="bg1">
+                    <a:lumMod val="50000"/>
+                  </a:schemeClr>
+                </a:solidFill>
+              </a:rPr>
+              <a:t>Ezersky</a:t>
+            </a:r>
+            <a:r>
+              <a:rPr lang="en-US" sz="1050" dirty="0">
+                <a:solidFill>
+                  <a:schemeClr val="bg1">
+                    <a:lumMod val="50000"/>
+                  </a:schemeClr>
+                </a:solidFill>
+              </a:rPr>
+              <a:t> A, </a:t>
+            </a:r>
+            <a:r>
+              <a:rPr lang="en-US" sz="1050" dirty="0" err="1">
+                <a:solidFill>
+                  <a:schemeClr val="bg1">
+                    <a:lumMod val="50000"/>
+                  </a:schemeClr>
+                </a:solidFill>
+              </a:rPr>
+              <a:t>Savchenko</a:t>
+            </a:r>
+            <a:r>
+              <a:rPr lang="en-US" sz="1050" dirty="0">
+                <a:solidFill>
+                  <a:schemeClr val="bg1">
+                    <a:lumMod val="50000"/>
+                  </a:schemeClr>
+                </a:solidFill>
+              </a:rPr>
+              <a:t> A, Edwards A, </a:t>
+            </a:r>
+            <a:r>
+              <a:rPr lang="en-US" sz="1050" dirty="0" err="1">
+                <a:solidFill>
+                  <a:schemeClr val="bg1">
+                    <a:lumMod val="50000"/>
+                  </a:schemeClr>
+                </a:solidFill>
+              </a:rPr>
+              <a:t>Orengo</a:t>
+            </a:r>
+            <a:r>
+              <a:rPr lang="en-US" sz="1050" dirty="0">
+                <a:solidFill>
+                  <a:schemeClr val="bg1">
+                    <a:lumMod val="50000"/>
+                  </a:schemeClr>
+                </a:solidFill>
+              </a:rPr>
+              <a:t> C, </a:t>
+            </a:r>
+            <a:r>
+              <a:rPr lang="en-US" sz="1050" dirty="0" err="1">
+                <a:solidFill>
+                  <a:schemeClr val="bg1">
+                    <a:lumMod val="50000"/>
+                  </a:schemeClr>
+                </a:solidFill>
+              </a:rPr>
+              <a:t>Joachimiak</a:t>
+            </a:r>
+            <a:r>
+              <a:rPr lang="en-US" sz="1050" dirty="0">
+                <a:solidFill>
+                  <a:schemeClr val="bg1">
+                    <a:lumMod val="50000"/>
+                  </a:schemeClr>
+                </a:solidFill>
+              </a:rPr>
+              <a:t> A, </a:t>
+            </a:r>
+            <a:r>
+              <a:rPr lang="en-US" sz="1050" dirty="0" err="1">
+                <a:solidFill>
+                  <a:schemeClr val="bg1">
+                    <a:lumMod val="50000"/>
+                  </a:schemeClr>
+                </a:solidFill>
+              </a:rPr>
+              <a:t>Laskowski</a:t>
+            </a:r>
+            <a:r>
+              <a:rPr lang="en-US" sz="1050" dirty="0">
+                <a:solidFill>
+                  <a:schemeClr val="bg1">
+                    <a:lumMod val="50000"/>
+                  </a:schemeClr>
+                </a:solidFill>
+              </a:rPr>
+              <a:t> RA, Thornton JM: Towards fully automated structure-based function prediction in structural genomics: a case study. J </a:t>
+            </a:r>
+            <a:r>
+              <a:rPr lang="en-US" sz="1050" dirty="0" err="1">
+                <a:solidFill>
+                  <a:schemeClr val="bg1">
+                    <a:lumMod val="50000"/>
+                  </a:schemeClr>
+                </a:solidFill>
+              </a:rPr>
+              <a:t>Mol</a:t>
+            </a:r>
+            <a:r>
+              <a:rPr lang="en-US" sz="1050" dirty="0">
+                <a:solidFill>
+                  <a:schemeClr val="bg1">
+                    <a:lumMod val="50000"/>
+                  </a:schemeClr>
+                </a:solidFill>
+              </a:rPr>
+              <a:t> Biol. 2007, 367: 1511-1522. 10.1016/j.jmb.2007.01.063.</a:t>
+            </a:r>
           </a:p>
         </p:txBody>
       </p:sp>
     </p:spTree>
     <p:extLst>
       <p:ext uri="{BB962C8B-B14F-4D97-AF65-F5344CB8AC3E}">
-        <p14:creationId xmlns:p14="http://schemas.microsoft.com/office/powerpoint/2010/main" val="819751905"/>
+        <p14:creationId xmlns:p14="http://schemas.microsoft.com/office/powerpoint/2010/main" val="3450307471"/>
       </p:ext>
     </p:extLst>
   </p:cSld>
